--- a/lab_03-dart_101_part_2/lab_03-dart_101_part_2.pptx
+++ b/lab_03-dart_101_part_2/lab_03-dart_101_part_2.pptx
@@ -5,7 +5,7 @@
     <p:sldMasterId id="2147483648" r:id="rId1"/>
   </p:sldMasterIdLst>
   <p:notesMasterIdLst>
-    <p:notesMasterId r:id="rId40"/>
+    <p:notesMasterId r:id="rId39"/>
   </p:notesMasterIdLst>
   <p:sldIdLst>
     <p:sldId id="259" r:id="rId2"/>
@@ -34,18 +34,17 @@
     <p:sldId id="371" r:id="rId25"/>
     <p:sldId id="372" r:id="rId26"/>
     <p:sldId id="373" r:id="rId27"/>
-    <p:sldId id="376" r:id="rId28"/>
-    <p:sldId id="377" r:id="rId29"/>
-    <p:sldId id="378" r:id="rId30"/>
-    <p:sldId id="379" r:id="rId31"/>
-    <p:sldId id="375" r:id="rId32"/>
-    <p:sldId id="391" r:id="rId33"/>
-    <p:sldId id="303" r:id="rId34"/>
-    <p:sldId id="395" r:id="rId35"/>
-    <p:sldId id="392" r:id="rId36"/>
-    <p:sldId id="341" r:id="rId37"/>
-    <p:sldId id="393" r:id="rId38"/>
-    <p:sldId id="312" r:id="rId39"/>
+    <p:sldId id="377" r:id="rId28"/>
+    <p:sldId id="378" r:id="rId29"/>
+    <p:sldId id="379" r:id="rId30"/>
+    <p:sldId id="375" r:id="rId31"/>
+    <p:sldId id="391" r:id="rId32"/>
+    <p:sldId id="303" r:id="rId33"/>
+    <p:sldId id="395" r:id="rId34"/>
+    <p:sldId id="392" r:id="rId35"/>
+    <p:sldId id="341" r:id="rId36"/>
+    <p:sldId id="393" r:id="rId37"/>
+    <p:sldId id="312" r:id="rId38"/>
   </p:sldIdLst>
   <p:sldSz cx="12192000" cy="6858000"/>
   <p:notesSz cx="6858000" cy="9144000"/>
@@ -234,7 +233,7 @@
           <a:p>
             <a:fld id="{81C4B3FE-0320-8142-8396-5C3025C019EC}" type="datetimeFigureOut">
               <a:rPr lang="en-IT" smtClean="0"/>
-              <a:t>05/01/22</a:t>
+              <a:t>08/01/22</a:t>
             </a:fld>
             <a:endParaRPr lang="en-IT"/>
           </a:p>
@@ -1668,7 +1667,7 @@
     </p:spTree>
     <p:extLst>
       <p:ext uri="{BB962C8B-B14F-4D97-AF65-F5344CB8AC3E}">
-        <p14:creationId xmlns:p14="http://schemas.microsoft.com/office/powerpoint/2010/main" val="1396070741"/>
+        <p14:creationId xmlns:p14="http://schemas.microsoft.com/office/powerpoint/2010/main" val="3151892534"/>
       </p:ext>
     </p:extLst>
   </p:cSld>
@@ -1752,7 +1751,7 @@
     </p:spTree>
     <p:extLst>
       <p:ext uri="{BB962C8B-B14F-4D97-AF65-F5344CB8AC3E}">
-        <p14:creationId xmlns:p14="http://schemas.microsoft.com/office/powerpoint/2010/main" val="3151892534"/>
+        <p14:creationId xmlns:p14="http://schemas.microsoft.com/office/powerpoint/2010/main" val="599017973"/>
       </p:ext>
     </p:extLst>
   </p:cSld>
@@ -1836,7 +1835,7 @@
     </p:spTree>
     <p:extLst>
       <p:ext uri="{BB962C8B-B14F-4D97-AF65-F5344CB8AC3E}">
-        <p14:creationId xmlns:p14="http://schemas.microsoft.com/office/powerpoint/2010/main" val="599017973"/>
+        <p14:creationId xmlns:p14="http://schemas.microsoft.com/office/powerpoint/2010/main" val="1888955859"/>
       </p:ext>
     </p:extLst>
   </p:cSld>
@@ -1912,90 +1911,6 @@
             <a:fld id="{CC0F43FB-3F33-3F4B-9768-2FBED988F992}" type="slidenum">
               <a:rPr lang="en-IT" smtClean="0"/>
               <a:t>30</a:t>
-            </a:fld>
-            <a:endParaRPr lang="en-IT"/>
-          </a:p>
-        </p:txBody>
-      </p:sp>
-    </p:spTree>
-    <p:extLst>
-      <p:ext uri="{BB962C8B-B14F-4D97-AF65-F5344CB8AC3E}">
-        <p14:creationId xmlns:p14="http://schemas.microsoft.com/office/powerpoint/2010/main" val="1888955859"/>
-      </p:ext>
-    </p:extLst>
-  </p:cSld>
-  <p:clrMapOvr>
-    <a:masterClrMapping/>
-  </p:clrMapOvr>
-</p:notes>
-</file>
-
-<file path=ppt/notesSlides/notesSlide25.xml><?xml version="1.0" encoding="utf-8"?>
-<p:notes xmlns:a="http://schemas.openxmlformats.org/drawingml/2006/main" xmlns:r="http://schemas.openxmlformats.org/officeDocument/2006/relationships" xmlns:p="http://schemas.openxmlformats.org/presentationml/2006/main">
-  <p:cSld>
-    <p:spTree>
-      <p:nvGrpSpPr>
-        <p:cNvPr id="1" name=""/>
-        <p:cNvGrpSpPr/>
-        <p:nvPr/>
-      </p:nvGrpSpPr>
-      <p:grpSpPr>
-        <a:xfrm>
-          <a:off x="0" y="0"/>
-          <a:ext cx="0" cy="0"/>
-          <a:chOff x="0" y="0"/>
-          <a:chExt cx="0" cy="0"/>
-        </a:xfrm>
-      </p:grpSpPr>
-      <p:sp>
-        <p:nvSpPr>
-          <p:cNvPr id="2" name="Slide Image Placeholder 1"/>
-          <p:cNvSpPr>
-            <a:spLocks noGrp="1" noRot="1" noChangeAspect="1"/>
-          </p:cNvSpPr>
-          <p:nvPr>
-            <p:ph type="sldImg"/>
-          </p:nvPr>
-        </p:nvSpPr>
-        <p:spPr/>
-      </p:sp>
-      <p:sp>
-        <p:nvSpPr>
-          <p:cNvPr id="3" name="Notes Placeholder 2"/>
-          <p:cNvSpPr>
-            <a:spLocks noGrp="1"/>
-          </p:cNvSpPr>
-          <p:nvPr>
-            <p:ph type="body" idx="1"/>
-          </p:nvPr>
-        </p:nvSpPr>
-        <p:spPr/>
-        <p:txBody>
-          <a:bodyPr/>
-          <a:lstStyle/>
-          <a:p>
-            <a:endParaRPr lang="en-IT" dirty="0"/>
-          </a:p>
-        </p:txBody>
-      </p:sp>
-      <p:sp>
-        <p:nvSpPr>
-          <p:cNvPr id="4" name="Slide Number Placeholder 3"/>
-          <p:cNvSpPr>
-            <a:spLocks noGrp="1"/>
-          </p:cNvSpPr>
-          <p:nvPr>
-            <p:ph type="sldNum" sz="quarter" idx="5"/>
-          </p:nvPr>
-        </p:nvSpPr>
-        <p:spPr/>
-        <p:txBody>
-          <a:bodyPr/>
-          <a:lstStyle/>
-          <a:p>
-            <a:fld id="{CC0F43FB-3F33-3F4B-9768-2FBED988F992}" type="slidenum">
-              <a:rPr lang="en-IT" smtClean="0"/>
-              <a:t>31</a:t>
             </a:fld>
             <a:endParaRPr lang="en-IT"/>
           </a:p>
@@ -16267,7 +16182,7 @@
         </p:spPr>
         <p:txBody>
           <a:bodyPr>
-            <a:normAutofit fontScale="92500" lnSpcReduction="20000"/>
+            <a:normAutofit/>
           </a:bodyPr>
           <a:lstStyle/>
           <a:p>
@@ -16315,6 +16230,9 @@
               <a:rPr lang="en-GB" dirty="0"/>
               <a:t>:</a:t>
             </a:r>
+          </a:p>
+          <a:p>
+            <a:endParaRPr lang="en-GB" dirty="0"/>
           </a:p>
           <a:p>
             <a:endParaRPr lang="en-GB" dirty="0"/>
@@ -16352,6 +16270,12 @@
             <a:pPr marL="914400" lvl="1" indent="-457200">
               <a:buAutoNum type="arabicPeriod"/>
             </a:pPr>
+            <a:endParaRPr lang="en-GB" dirty="0"/>
+          </a:p>
+          <a:p>
+            <a:pPr marL="914400" lvl="1" indent="-457200">
+              <a:buAutoNum type="arabicPeriod"/>
+            </a:pPr>
             <a:r>
               <a:rPr lang="en-GB" dirty="0"/>
               <a:t>The </a:t>
@@ -16364,7 +16288,7 @@
             </a:r>
             <a:r>
               <a:rPr lang="en-GB" dirty="0"/>
-              <a:t> keyword works only in asynchronous functions.</a:t>
+              <a:t> keyword is used to wait for the result of an asynchronous function before going on and works only inside asynchronous functions.</a:t>
             </a:r>
           </a:p>
           <a:p>
@@ -16374,88 +16298,9 @@
             <a:endParaRPr lang="en-GB" dirty="0"/>
           </a:p>
           <a:p>
-            <a:r>
-              <a:rPr lang="en-GB" dirty="0"/>
-              <a:t>Let’s then fix the main function:</a:t>
-            </a:r>
-          </a:p>
-          <a:p>
-            <a:endParaRPr lang="en-GB" dirty="0"/>
-          </a:p>
-          <a:p>
-            <a:pPr lvl="1"/>
-            <a:r>
-              <a:rPr lang="en-GB" dirty="0"/>
-              <a:t>First, add the </a:t>
-            </a:r>
-            <a:r>
-              <a:rPr lang="en-GB" dirty="0">
-                <a:latin typeface="Courier" pitchFamily="2" charset="0"/>
-              </a:rPr>
-              <a:t>async</a:t>
-            </a:r>
-            <a:r>
-              <a:rPr lang="en-GB" dirty="0"/>
-              <a:t> keyword before the function body</a:t>
-            </a:r>
-            <a:br>
-              <a:rPr lang="en-GB" dirty="0"/>
-            </a:br>
-            <a:br>
-              <a:rPr lang="en-GB" dirty="0"/>
-            </a:br>
-            <a:r>
-              <a:rPr lang="en-GB" dirty="0"/>
-              <a:t>	</a:t>
-            </a:r>
-            <a:r>
-              <a:rPr lang="en-GB" dirty="0">
-                <a:latin typeface="Courier" pitchFamily="2" charset="0"/>
-              </a:rPr>
-              <a:t>void main() async {}</a:t>
-            </a:r>
-          </a:p>
-          <a:p>
-            <a:pPr lvl="2"/>
-            <a:endParaRPr lang="en-GB" dirty="0"/>
-          </a:p>
-          <a:p>
-            <a:pPr lvl="1"/>
-            <a:r>
-              <a:rPr lang="en-GB" dirty="0"/>
-              <a:t>Then, wrap the return type in a </a:t>
-            </a:r>
-            <a:r>
-              <a:rPr lang="en-GB" dirty="0">
-                <a:latin typeface="Courier" pitchFamily="2" charset="0"/>
-              </a:rPr>
-              <a:t>Future</a:t>
-            </a:r>
-            <a:r>
-              <a:rPr lang="en-GB" dirty="0"/>
-              <a:t>:</a:t>
-            </a:r>
-            <a:br>
-              <a:rPr lang="en-GB" dirty="0"/>
-            </a:br>
-            <a:br>
-              <a:rPr lang="en-GB" dirty="0"/>
-            </a:br>
-            <a:r>
-              <a:rPr lang="en-GB" dirty="0"/>
-              <a:t>	</a:t>
-            </a:r>
-            <a:r>
-              <a:rPr lang="en-GB" dirty="0">
-                <a:latin typeface="Courier" pitchFamily="2" charset="0"/>
-              </a:rPr>
-              <a:t>Future&lt;void&gt; main() async {}</a:t>
-            </a:r>
-            <a:br>
-              <a:rPr lang="en-GB" dirty="0">
-                <a:latin typeface="Courier" pitchFamily="2" charset="0"/>
-              </a:rPr>
-            </a:br>
+            <a:pPr marL="457200" lvl="1" indent="0">
+              <a:buNone/>
+            </a:pPr>
             <a:endParaRPr lang="en-IT" dirty="0">
               <a:latin typeface="Courier" pitchFamily="2" charset="0"/>
             </a:endParaRPr>
@@ -16465,7 +16310,7 @@
     </p:spTree>
     <p:extLst>
       <p:ext uri="{BB962C8B-B14F-4D97-AF65-F5344CB8AC3E}">
-        <p14:creationId xmlns:p14="http://schemas.microsoft.com/office/powerpoint/2010/main" val="3141678537"/>
+        <p14:creationId xmlns:p14="http://schemas.microsoft.com/office/powerpoint/2010/main" val="1830535455"/>
       </p:ext>
     </p:extLst>
   </p:cSld>
@@ -16515,7 +16360,7 @@
           <a:p>
             <a:r>
               <a:rPr lang="en-IT" dirty="0"/>
-              <a:t>Async and Await</a:t>
+              <a:t>Fixing the main function</a:t>
             </a:r>
           </a:p>
         </p:txBody>
@@ -16544,13 +16389,49 @@
         </p:spPr>
         <p:txBody>
           <a:bodyPr>
-            <a:normAutofit/>
+            <a:normAutofit fontScale="92500" lnSpcReduction="10000"/>
           </a:bodyPr>
           <a:lstStyle/>
           <a:p>
             <a:r>
               <a:rPr lang="en-GB" dirty="0"/>
-              <a:t>The </a:t>
+              <a:t>Let’s then fix the main function:</a:t>
+            </a:r>
+          </a:p>
+          <a:p>
+            <a:endParaRPr lang="en-GB" dirty="0"/>
+          </a:p>
+          <a:p>
+            <a:pPr lvl="1"/>
+            <a:r>
+              <a:rPr lang="en-GB" dirty="0"/>
+              <a:t>First, add the </a:t>
+            </a:r>
+            <a:r>
+              <a:rPr lang="en-GB" dirty="0">
+                <a:latin typeface="Courier" pitchFamily="2" charset="0"/>
+              </a:rPr>
+              <a:t>async</a:t>
+            </a:r>
+            <a:r>
+              <a:rPr lang="en-GB" dirty="0"/>
+              <a:t> keyword before the function body</a:t>
+            </a:r>
+            <a:br>
+              <a:rPr lang="en-GB" dirty="0"/>
+            </a:br>
+            <a:br>
+              <a:rPr lang="en-GB" dirty="0"/>
+            </a:br>
+            <a:r>
+              <a:rPr lang="en-GB" dirty="0"/>
+              <a:t>	</a:t>
+            </a:r>
+            <a:r>
+              <a:rPr lang="en-GB" dirty="0">
+                <a:latin typeface="Courier" pitchFamily="2" charset="0"/>
+              </a:rPr>
+              <a:t>void main() </a:t>
             </a:r>
             <a:r>
               <a:rPr lang="en-GB" b="1" dirty="0">
@@ -16559,98 +16440,53 @@
               <a:t>async</a:t>
             </a:r>
             <a:r>
+              <a:rPr lang="en-GB" dirty="0">
+                <a:latin typeface="Courier" pitchFamily="2" charset="0"/>
+              </a:rPr>
+              <a:t> {}</a:t>
+            </a:r>
+          </a:p>
+          <a:p>
+            <a:pPr lvl="2"/>
+            <a:endParaRPr lang="en-GB" dirty="0"/>
+          </a:p>
+          <a:p>
+            <a:pPr lvl="1"/>
+            <a:r>
               <a:rPr lang="en-GB" dirty="0"/>
-              <a:t> and </a:t>
-            </a:r>
-            <a:r>
-              <a:rPr lang="en-GB" b="1" dirty="0">
-                <a:latin typeface="Courier" pitchFamily="2" charset="0"/>
-              </a:rPr>
-              <a:t>await</a:t>
-            </a:r>
-            <a:r>
-              <a:rPr lang="en-GB" dirty="0"/>
-              <a:t> keywords provide a declarative way to define asynchronous functions and use their results. Remember these two basic guidelines when using </a:t>
+              <a:t>Then, wrap the return type in a </a:t>
             </a:r>
             <a:r>
               <a:rPr lang="en-GB" dirty="0">
                 <a:latin typeface="Courier" pitchFamily="2" charset="0"/>
               </a:rPr>
-              <a:t>async</a:t>
-            </a:r>
-            <a:r>
-              <a:rPr lang="en-GB" dirty="0"/>
-              <a:t> and </a:t>
-            </a:r>
-            <a:r>
-              <a:rPr lang="en-GB" dirty="0">
-                <a:latin typeface="Courier" pitchFamily="2" charset="0"/>
-              </a:rPr>
-              <a:t>await</a:t>
+              <a:t>Future</a:t>
             </a:r>
             <a:r>
               <a:rPr lang="en-GB" dirty="0"/>
               <a:t>:</a:t>
             </a:r>
-          </a:p>
-          <a:p>
-            <a:endParaRPr lang="en-GB" dirty="0"/>
-          </a:p>
-          <a:p>
-            <a:endParaRPr lang="en-GB" dirty="0"/>
-          </a:p>
-          <a:p>
-            <a:pPr marL="914400" lvl="1" indent="-457200">
-              <a:buAutoNum type="arabicPeriod"/>
-            </a:pPr>
-            <a:r>
+            <a:br>
               <a:rPr lang="en-GB" dirty="0"/>
-              <a:t>To define an asynchronous function, add </a:t>
+            </a:br>
+            <a:br>
+              <a:rPr lang="en-GB" b="1" dirty="0"/>
+            </a:br>
+            <a:r>
+              <a:rPr lang="en-GB" b="1" dirty="0"/>
+              <a:t>	</a:t>
             </a:r>
             <a:r>
               <a:rPr lang="en-GB" b="1" dirty="0">
                 <a:latin typeface="Courier" pitchFamily="2" charset="0"/>
               </a:rPr>
-              <a:t>async</a:t>
-            </a:r>
-            <a:r>
-              <a:rPr lang="en-GB" dirty="0"/>
-              <a:t> before the function body and wrap its return type in a </a:t>
+              <a:t>Future&lt;void&gt; </a:t>
             </a:r>
             <a:r>
               <a:rPr lang="en-GB" dirty="0">
                 <a:latin typeface="Courier" pitchFamily="2" charset="0"/>
               </a:rPr>
-              <a:t>Future</a:t>
-            </a:r>
-            <a:r>
-              <a:rPr lang="en-GB" dirty="0"/>
-              <a:t>.</a:t>
-            </a:r>
-          </a:p>
-          <a:p>
-            <a:pPr marL="914400" lvl="1" indent="-457200">
-              <a:buAutoNum type="arabicPeriod"/>
-            </a:pPr>
-            <a:endParaRPr lang="en-GB" dirty="0"/>
-          </a:p>
-          <a:p>
-            <a:pPr marL="914400" lvl="1" indent="-457200">
-              <a:buAutoNum type="arabicPeriod"/>
-            </a:pPr>
-            <a:r>
-              <a:rPr lang="en-GB" dirty="0"/>
-              <a:t>The </a:t>
-            </a:r>
-            <a:r>
-              <a:rPr lang="en-GB" b="1" dirty="0">
-                <a:latin typeface="Courier" pitchFamily="2" charset="0"/>
-              </a:rPr>
-              <a:t>await</a:t>
-            </a:r>
-            <a:r>
-              <a:rPr lang="en-GB" dirty="0"/>
-              <a:t> keyword is used to wait for the result of an asynchronous function before going on and works only inside asynchronous functions.</a:t>
+              <a:t>main() async {}</a:t>
             </a:r>
           </a:p>
           <a:p>
@@ -16658,6 +16494,68 @@
               <a:buNone/>
             </a:pPr>
             <a:endParaRPr lang="en-GB" dirty="0"/>
+          </a:p>
+          <a:p>
+            <a:r>
+              <a:rPr lang="en-GB" dirty="0"/>
+              <a:t>Now that you have a correctly defined async function, you can use the </a:t>
+            </a:r>
+            <a:r>
+              <a:rPr lang="en-GB" dirty="0">
+                <a:latin typeface="Courier" pitchFamily="2" charset="0"/>
+              </a:rPr>
+              <a:t>await</a:t>
+            </a:r>
+            <a:r>
+              <a:rPr lang="en-GB" dirty="0"/>
+              <a:t> keyword to wait for a future to complete:</a:t>
+            </a:r>
+          </a:p>
+          <a:p>
+            <a:endParaRPr lang="en-GB" dirty="0">
+              <a:latin typeface="Courier" pitchFamily="2" charset="0"/>
+            </a:endParaRPr>
+          </a:p>
+          <a:p>
+            <a:pPr marL="914400" lvl="2" indent="0">
+              <a:buNone/>
+            </a:pPr>
+            <a:r>
+              <a:rPr lang="en-GB" b="1" dirty="0">
+                <a:latin typeface="Courier" pitchFamily="2" charset="0"/>
+              </a:rPr>
+              <a:t>await</a:t>
+            </a:r>
+            <a:r>
+              <a:rPr lang="en-GB" dirty="0">
+                <a:latin typeface="Courier" pitchFamily="2" charset="0"/>
+              </a:rPr>
+              <a:t> </a:t>
+            </a:r>
+            <a:r>
+              <a:rPr lang="en-GB" dirty="0" err="1">
+                <a:latin typeface="Courier" pitchFamily="2" charset="0"/>
+              </a:rPr>
+              <a:t>fetchUserOrder</a:t>
+            </a:r>
+            <a:r>
+              <a:rPr lang="en-GB" dirty="0">
+                <a:latin typeface="Courier" pitchFamily="2" charset="0"/>
+              </a:rPr>
+              <a:t>();</a:t>
+            </a:r>
+          </a:p>
+          <a:p>
+            <a:pPr marL="0" indent="0">
+              <a:buNone/>
+            </a:pPr>
+            <a:br>
+              <a:rPr lang="en-GB" dirty="0"/>
+            </a:br>
+            <a:r>
+              <a:rPr lang="en-GB" dirty="0"/>
+              <a:t> </a:t>
+            </a:r>
           </a:p>
           <a:p>
             <a:pPr marL="457200" lvl="1" indent="0">
@@ -16672,7 +16570,7 @@
     </p:spTree>
     <p:extLst>
       <p:ext uri="{BB962C8B-B14F-4D97-AF65-F5344CB8AC3E}">
-        <p14:creationId xmlns:p14="http://schemas.microsoft.com/office/powerpoint/2010/main" val="1830535455"/>
+        <p14:creationId xmlns:p14="http://schemas.microsoft.com/office/powerpoint/2010/main" val="4222621593"/>
       </p:ext>
     </p:extLst>
   </p:cSld>
@@ -16721,8 +16619,12 @@
           <a:lstStyle/>
           <a:p>
             <a:r>
+              <a:rPr lang="en-IT"/>
+              <a:t>Fixing </a:t>
+            </a:r>
+            <a:r>
               <a:rPr lang="en-IT" dirty="0"/>
-              <a:t>Fix the main function</a:t>
+              <a:t>the fetchUserOrder function</a:t>
             </a:r>
           </a:p>
         </p:txBody>
@@ -16751,17 +16653,29 @@
         </p:spPr>
         <p:txBody>
           <a:bodyPr>
-            <a:normAutofit fontScale="92500" lnSpcReduction="10000"/>
+            <a:normAutofit/>
           </a:bodyPr>
           <a:lstStyle/>
           <a:p>
             <a:r>
               <a:rPr lang="en-GB" dirty="0"/>
-              <a:t>Let’s then fix the main function:</a:t>
-            </a:r>
-          </a:p>
-          <a:p>
-            <a:endParaRPr lang="en-GB" dirty="0"/>
+              <a:t>To fix the </a:t>
+            </a:r>
+            <a:r>
+              <a:rPr lang="en-GB" dirty="0" err="1">
+                <a:latin typeface="Courier" pitchFamily="2" charset="0"/>
+              </a:rPr>
+              <a:t>fetchUserOrder</a:t>
+            </a:r>
+            <a:r>
+              <a:rPr lang="en-GB" dirty="0"/>
+              <a:t> function we can proceed in a similar way</a:t>
+            </a:r>
+          </a:p>
+          <a:p>
+            <a:endParaRPr lang="en-GB" dirty="0">
+              <a:latin typeface="Courier" pitchFamily="2" charset="0"/>
+            </a:endParaRPr>
           </a:p>
           <a:p>
             <a:pPr lvl="1"/>
@@ -16793,7 +16707,19 @@
               <a:rPr lang="en-GB" dirty="0">
                 <a:latin typeface="Courier" pitchFamily="2" charset="0"/>
               </a:rPr>
-              <a:t>void main() </a:t>
+              <a:t>void </a:t>
+            </a:r>
+            <a:r>
+              <a:rPr lang="en-GB" dirty="0" err="1">
+                <a:latin typeface="Courier" pitchFamily="2" charset="0"/>
+              </a:rPr>
+              <a:t>fetchUserOrder</a:t>
+            </a:r>
+            <a:r>
+              <a:rPr lang="en-GB" dirty="0">
+                <a:latin typeface="Courier" pitchFamily="2" charset="0"/>
+              </a:rPr>
+              <a:t>() </a:t>
             </a:r>
             <a:r>
               <a:rPr lang="en-GB" b="1" dirty="0">
@@ -16822,11 +16748,11 @@
               <a:rPr lang="en-GB" dirty="0">
                 <a:latin typeface="Courier" pitchFamily="2" charset="0"/>
               </a:rPr>
-              <a:t>Future</a:t>
+              <a:t>Future </a:t>
             </a:r>
             <a:r>
               <a:rPr lang="en-GB" dirty="0"/>
-              <a:t>:</a:t>
+              <a:t>(it was already done):</a:t>
             </a:r>
             <a:br>
               <a:rPr lang="en-GB" dirty="0"/>
@@ -16845,67 +16771,22 @@
               <a:t>Future&lt;void&gt; </a:t>
             </a:r>
             <a:r>
+              <a:rPr lang="en-GB" dirty="0" err="1">
+                <a:latin typeface="Courier" pitchFamily="2" charset="0"/>
+              </a:rPr>
+              <a:t>fetchUserOrder</a:t>
+            </a:r>
+            <a:r>
               <a:rPr lang="en-GB" dirty="0">
                 <a:latin typeface="Courier" pitchFamily="2" charset="0"/>
               </a:rPr>
-              <a:t>main() async {}</a:t>
-            </a:r>
-          </a:p>
-          <a:p>
-            <a:pPr marL="0" indent="0">
-              <a:buNone/>
-            </a:pPr>
-            <a:endParaRPr lang="en-GB" dirty="0"/>
-          </a:p>
-          <a:p>
-            <a:r>
-              <a:rPr lang="en-GB" dirty="0"/>
-              <a:t>Now that you have a correctly defined async function, you can use the </a:t>
-            </a:r>
-            <a:r>
-              <a:rPr lang="en-GB" dirty="0">
-                <a:latin typeface="Courier" pitchFamily="2" charset="0"/>
-              </a:rPr>
-              <a:t>await</a:t>
-            </a:r>
-            <a:r>
-              <a:rPr lang="en-GB" dirty="0"/>
-              <a:t> keyword to wait for a future to complete:</a:t>
+              <a:t>() async {}</a:t>
             </a:r>
           </a:p>
           <a:p>
             <a:endParaRPr lang="en-GB" dirty="0">
               <a:latin typeface="Courier" pitchFamily="2" charset="0"/>
             </a:endParaRPr>
-          </a:p>
-          <a:p>
-            <a:pPr marL="914400" lvl="2" indent="0">
-              <a:buNone/>
-            </a:pPr>
-            <a:r>
-              <a:rPr lang="en-GB" b="1" dirty="0">
-                <a:latin typeface="Courier" pitchFamily="2" charset="0"/>
-              </a:rPr>
-              <a:t>await</a:t>
-            </a:r>
-            <a:r>
-              <a:rPr lang="en-GB" dirty="0">
-                <a:latin typeface="Courier" pitchFamily="2" charset="0"/>
-              </a:rPr>
-              <a:t> </a:t>
-            </a:r>
-            <a:r>
-              <a:rPr lang="en-GB" dirty="0" err="1">
-                <a:latin typeface="Courier" pitchFamily="2" charset="0"/>
-              </a:rPr>
-              <a:t>fetchUserOrder</a:t>
-            </a:r>
-            <a:r>
-              <a:rPr lang="en-GB" dirty="0">
-                <a:latin typeface="Courier" pitchFamily="2" charset="0"/>
-              </a:rPr>
-              <a:t>();</a:t>
-            </a:r>
           </a:p>
           <a:p>
             <a:pPr marL="0" indent="0">
@@ -16932,7 +16813,7 @@
     </p:spTree>
     <p:extLst>
       <p:ext uri="{BB962C8B-B14F-4D97-AF65-F5344CB8AC3E}">
-        <p14:creationId xmlns:p14="http://schemas.microsoft.com/office/powerpoint/2010/main" val="4222621593"/>
+        <p14:creationId xmlns:p14="http://schemas.microsoft.com/office/powerpoint/2010/main" val="2534907809"/>
       </p:ext>
     </p:extLst>
   </p:cSld>
@@ -17124,245 +17005,6 @@
 </file>
 
 <file path=ppt/slides/slide30.xml><?xml version="1.0" encoding="utf-8"?>
-<p:sld xmlns:a="http://schemas.openxmlformats.org/drawingml/2006/main" xmlns:r="http://schemas.openxmlformats.org/officeDocument/2006/relationships" xmlns:p="http://schemas.openxmlformats.org/presentationml/2006/main">
-  <p:cSld>
-    <p:spTree>
-      <p:nvGrpSpPr>
-        <p:cNvPr id="1" name=""/>
-        <p:cNvGrpSpPr/>
-        <p:nvPr/>
-      </p:nvGrpSpPr>
-      <p:grpSpPr>
-        <a:xfrm>
-          <a:off x="0" y="0"/>
-          <a:ext cx="0" cy="0"/>
-          <a:chOff x="0" y="0"/>
-          <a:chExt cx="0" cy="0"/>
-        </a:xfrm>
-      </p:grpSpPr>
-      <p:sp>
-        <p:nvSpPr>
-          <p:cNvPr id="2" name="Title 1">
-            <a:extLst>
-              <a:ext uri="{FF2B5EF4-FFF2-40B4-BE49-F238E27FC236}">
-                <a16:creationId xmlns:a16="http://schemas.microsoft.com/office/drawing/2014/main" id="{122C1E14-0610-FB4E-BCD3-3BA8CADF9D02}"/>
-              </a:ext>
-            </a:extLst>
-          </p:cNvPr>
-          <p:cNvSpPr>
-            <a:spLocks noGrp="1"/>
-          </p:cNvSpPr>
-          <p:nvPr>
-            <p:ph type="title"/>
-          </p:nvPr>
-        </p:nvSpPr>
-        <p:spPr/>
-        <p:txBody>
-          <a:bodyPr/>
-          <a:lstStyle/>
-          <a:p>
-            <a:r>
-              <a:rPr lang="en-IT" dirty="0"/>
-              <a:t>Fix the fetchUserOrder function</a:t>
-            </a:r>
-          </a:p>
-        </p:txBody>
-      </p:sp>
-      <p:sp>
-        <p:nvSpPr>
-          <p:cNvPr id="6" name="Content Placeholder 5">
-            <a:extLst>
-              <a:ext uri="{FF2B5EF4-FFF2-40B4-BE49-F238E27FC236}">
-                <a16:creationId xmlns:a16="http://schemas.microsoft.com/office/drawing/2014/main" id="{0EDA931C-E473-FE49-BB53-C08AAD603E18}"/>
-              </a:ext>
-            </a:extLst>
-          </p:cNvPr>
-          <p:cNvSpPr>
-            <a:spLocks noGrp="1"/>
-          </p:cNvSpPr>
-          <p:nvPr>
-            <p:ph idx="1"/>
-          </p:nvPr>
-        </p:nvSpPr>
-        <p:spPr>
-          <a:xfrm>
-            <a:off x="428172" y="1361167"/>
-            <a:ext cx="11368314" cy="5247977"/>
-          </a:xfrm>
-        </p:spPr>
-        <p:txBody>
-          <a:bodyPr>
-            <a:normAutofit/>
-          </a:bodyPr>
-          <a:lstStyle/>
-          <a:p>
-            <a:r>
-              <a:rPr lang="en-GB" dirty="0"/>
-              <a:t>To fix the </a:t>
-            </a:r>
-            <a:r>
-              <a:rPr lang="en-GB" dirty="0" err="1">
-                <a:latin typeface="Courier" pitchFamily="2" charset="0"/>
-              </a:rPr>
-              <a:t>fetchUserOrder</a:t>
-            </a:r>
-            <a:r>
-              <a:rPr lang="en-GB" dirty="0"/>
-              <a:t> function we can proceed in a similar way</a:t>
-            </a:r>
-          </a:p>
-          <a:p>
-            <a:endParaRPr lang="en-GB" dirty="0">
-              <a:latin typeface="Courier" pitchFamily="2" charset="0"/>
-            </a:endParaRPr>
-          </a:p>
-          <a:p>
-            <a:pPr lvl="1"/>
-            <a:r>
-              <a:rPr lang="en-GB" dirty="0"/>
-              <a:t>First, add the </a:t>
-            </a:r>
-            <a:r>
-              <a:rPr lang="en-GB" dirty="0">
-                <a:latin typeface="Courier" pitchFamily="2" charset="0"/>
-              </a:rPr>
-              <a:t>async</a:t>
-            </a:r>
-            <a:r>
-              <a:rPr lang="en-GB" dirty="0"/>
-              <a:t> keyword before the function body</a:t>
-            </a:r>
-            <a:br>
-              <a:rPr lang="en-GB" dirty="0"/>
-            </a:br>
-            <a:br>
-              <a:rPr lang="en-GB" dirty="0"/>
-            </a:br>
-            <a:r>
-              <a:rPr lang="en-GB" dirty="0"/>
-              <a:t>	</a:t>
-            </a:r>
-            <a:r>
-              <a:rPr lang="en-GB" dirty="0">
-                <a:latin typeface="Courier" pitchFamily="2" charset="0"/>
-              </a:rPr>
-              <a:t>void </a:t>
-            </a:r>
-            <a:r>
-              <a:rPr lang="en-GB" dirty="0" err="1">
-                <a:latin typeface="Courier" pitchFamily="2" charset="0"/>
-              </a:rPr>
-              <a:t>fetchUserOrder</a:t>
-            </a:r>
-            <a:r>
-              <a:rPr lang="en-GB" dirty="0">
-                <a:latin typeface="Courier" pitchFamily="2" charset="0"/>
-              </a:rPr>
-              <a:t>() </a:t>
-            </a:r>
-            <a:r>
-              <a:rPr lang="en-GB" b="1" dirty="0">
-                <a:latin typeface="Courier" pitchFamily="2" charset="0"/>
-              </a:rPr>
-              <a:t>async</a:t>
-            </a:r>
-            <a:r>
-              <a:rPr lang="en-GB" dirty="0">
-                <a:latin typeface="Courier" pitchFamily="2" charset="0"/>
-              </a:rPr>
-              <a:t> {}</a:t>
-            </a:r>
-          </a:p>
-          <a:p>
-            <a:pPr lvl="2"/>
-            <a:endParaRPr lang="en-GB" dirty="0"/>
-          </a:p>
-          <a:p>
-            <a:pPr lvl="1"/>
-            <a:r>
-              <a:rPr lang="en-GB" dirty="0"/>
-              <a:t>Then, wrap the return type in a </a:t>
-            </a:r>
-            <a:r>
-              <a:rPr lang="en-GB" dirty="0">
-                <a:latin typeface="Courier" pitchFamily="2" charset="0"/>
-              </a:rPr>
-              <a:t>Future </a:t>
-            </a:r>
-            <a:r>
-              <a:rPr lang="en-GB" dirty="0"/>
-              <a:t>(it was already done):</a:t>
-            </a:r>
-            <a:br>
-              <a:rPr lang="en-GB" dirty="0"/>
-            </a:br>
-            <a:br>
-              <a:rPr lang="en-GB" b="1" dirty="0"/>
-            </a:br>
-            <a:r>
-              <a:rPr lang="en-GB" b="1" dirty="0"/>
-              <a:t>	</a:t>
-            </a:r>
-            <a:r>
-              <a:rPr lang="en-GB" b="1" dirty="0">
-                <a:latin typeface="Courier" pitchFamily="2" charset="0"/>
-              </a:rPr>
-              <a:t>Future&lt;void&gt; </a:t>
-            </a:r>
-            <a:r>
-              <a:rPr lang="en-GB" dirty="0" err="1">
-                <a:latin typeface="Courier" pitchFamily="2" charset="0"/>
-              </a:rPr>
-              <a:t>fetchUserOrder</a:t>
-            </a:r>
-            <a:r>
-              <a:rPr lang="en-GB" dirty="0">
-                <a:latin typeface="Courier" pitchFamily="2" charset="0"/>
-              </a:rPr>
-              <a:t>() async {}</a:t>
-            </a:r>
-          </a:p>
-          <a:p>
-            <a:endParaRPr lang="en-GB" dirty="0">
-              <a:latin typeface="Courier" pitchFamily="2" charset="0"/>
-            </a:endParaRPr>
-          </a:p>
-          <a:p>
-            <a:pPr marL="0" indent="0">
-              <a:buNone/>
-            </a:pPr>
-            <a:br>
-              <a:rPr lang="en-GB" dirty="0"/>
-            </a:br>
-            <a:r>
-              <a:rPr lang="en-GB" dirty="0"/>
-              <a:t> </a:t>
-            </a:r>
-          </a:p>
-          <a:p>
-            <a:pPr marL="457200" lvl="1" indent="0">
-              <a:buNone/>
-            </a:pPr>
-            <a:endParaRPr lang="en-IT" dirty="0">
-              <a:latin typeface="Courier" pitchFamily="2" charset="0"/>
-            </a:endParaRPr>
-          </a:p>
-        </p:txBody>
-      </p:sp>
-    </p:spTree>
-    <p:extLst>
-      <p:ext uri="{BB962C8B-B14F-4D97-AF65-F5344CB8AC3E}">
-        <p14:creationId xmlns:p14="http://schemas.microsoft.com/office/powerpoint/2010/main" val="2534907809"/>
-      </p:ext>
-    </p:extLst>
-  </p:cSld>
-  <p:clrMapOvr>
-    <a:masterClrMapping/>
-  </p:clrMapOvr>
-</p:sld>
-</file>
-
-<file path=ppt/slides/slide31.xml><?xml version="1.0" encoding="utf-8"?>
 <p:sld xmlns:a="http://schemas.openxmlformats.org/drawingml/2006/main" xmlns:r="http://schemas.openxmlformats.org/officeDocument/2006/relationships" xmlns:p="http://schemas.openxmlformats.org/presentationml/2006/main">
   <p:cSld>
     <p:spTree>
@@ -17974,6 +17616,187 @@
 </p:sld>
 </file>
 
+<file path=ppt/slides/slide31.xml><?xml version="1.0" encoding="utf-8"?>
+<p:sld xmlns:a="http://schemas.openxmlformats.org/drawingml/2006/main" xmlns:r="http://schemas.openxmlformats.org/officeDocument/2006/relationships" xmlns:p="http://schemas.openxmlformats.org/presentationml/2006/main">
+  <p:cSld>
+    <p:spTree>
+      <p:nvGrpSpPr>
+        <p:cNvPr id="1" name=""/>
+        <p:cNvGrpSpPr/>
+        <p:nvPr/>
+      </p:nvGrpSpPr>
+      <p:grpSpPr>
+        <a:xfrm>
+          <a:off x="0" y="0"/>
+          <a:ext cx="0" cy="0"/>
+          <a:chOff x="0" y="0"/>
+          <a:chExt cx="0" cy="0"/>
+        </a:xfrm>
+      </p:grpSpPr>
+      <p:sp>
+        <p:nvSpPr>
+          <p:cNvPr id="2" name="Title 1">
+            <a:extLst>
+              <a:ext uri="{FF2B5EF4-FFF2-40B4-BE49-F238E27FC236}">
+                <a16:creationId xmlns:a16="http://schemas.microsoft.com/office/drawing/2014/main" id="{122C1E14-0610-FB4E-BCD3-3BA8CADF9D02}"/>
+              </a:ext>
+            </a:extLst>
+          </p:cNvPr>
+          <p:cNvSpPr>
+            <a:spLocks noGrp="1"/>
+          </p:cNvSpPr>
+          <p:nvPr>
+            <p:ph type="title"/>
+          </p:nvPr>
+        </p:nvSpPr>
+        <p:spPr/>
+        <p:txBody>
+          <a:bodyPr/>
+          <a:lstStyle/>
+          <a:p>
+            <a:r>
+              <a:rPr lang="en-IT" dirty="0"/>
+              <a:t>Outline</a:t>
+            </a:r>
+          </a:p>
+        </p:txBody>
+      </p:sp>
+      <p:sp>
+        <p:nvSpPr>
+          <p:cNvPr id="3" name="Content Placeholder 2">
+            <a:extLst>
+              <a:ext uri="{FF2B5EF4-FFF2-40B4-BE49-F238E27FC236}">
+                <a16:creationId xmlns:a16="http://schemas.microsoft.com/office/drawing/2014/main" id="{8962CCAC-9D70-C543-BBE0-822B6CB5F5CB}"/>
+              </a:ext>
+            </a:extLst>
+          </p:cNvPr>
+          <p:cNvSpPr>
+            <a:spLocks noGrp="1"/>
+          </p:cNvSpPr>
+          <p:nvPr>
+            <p:ph idx="1"/>
+          </p:nvPr>
+        </p:nvSpPr>
+        <p:spPr/>
+        <p:txBody>
+          <a:bodyPr>
+            <a:normAutofit/>
+          </a:bodyPr>
+          <a:lstStyle/>
+          <a:p>
+            <a:r>
+              <a:rPr lang="en-IT" dirty="0">
+                <a:solidFill>
+                  <a:schemeClr val="bg1">
+                    <a:lumMod val="75000"/>
+                  </a:schemeClr>
+                </a:solidFill>
+              </a:rPr>
+              <a:t>Recap</a:t>
+            </a:r>
+          </a:p>
+          <a:p>
+            <a:r>
+              <a:rPr lang="en-IT" dirty="0">
+                <a:solidFill>
+                  <a:schemeClr val="bg1">
+                    <a:lumMod val="75000"/>
+                  </a:schemeClr>
+                </a:solidFill>
+              </a:rPr>
+              <a:t>Classes</a:t>
+            </a:r>
+          </a:p>
+          <a:p>
+            <a:r>
+              <a:rPr lang="en-IT" dirty="0">
+                <a:solidFill>
+                  <a:schemeClr val="bg1">
+                    <a:lumMod val="75000"/>
+                  </a:schemeClr>
+                </a:solidFill>
+              </a:rPr>
+              <a:t>Inheritance</a:t>
+            </a:r>
+          </a:p>
+          <a:p>
+            <a:r>
+              <a:rPr lang="en-IT" dirty="0">
+                <a:solidFill>
+                  <a:schemeClr val="bg1">
+                    <a:lumMod val="75000"/>
+                  </a:schemeClr>
+                </a:solidFill>
+              </a:rPr>
+              <a:t>Other things</a:t>
+            </a:r>
+          </a:p>
+          <a:p>
+            <a:r>
+              <a:rPr lang="en-IT" dirty="0">
+                <a:solidFill>
+                  <a:schemeClr val="bg1">
+                    <a:lumMod val="75000"/>
+                  </a:schemeClr>
+                </a:solidFill>
+              </a:rPr>
+              <a:t>Asynchrony</a:t>
+            </a:r>
+          </a:p>
+          <a:p>
+            <a:endParaRPr lang="en-IT" dirty="0">
+              <a:solidFill>
+                <a:schemeClr val="bg1">
+                  <a:lumMod val="75000"/>
+                </a:schemeClr>
+              </a:solidFill>
+            </a:endParaRPr>
+          </a:p>
+          <a:p>
+            <a:r>
+              <a:rPr lang="en-IT" b="1" dirty="0"/>
+              <a:t>Exercises</a:t>
+            </a:r>
+          </a:p>
+          <a:p>
+            <a:r>
+              <a:rPr lang="en-IT" dirty="0">
+                <a:solidFill>
+                  <a:schemeClr val="bg1">
+                    <a:lumMod val="75000"/>
+                  </a:schemeClr>
+                </a:solidFill>
+              </a:rPr>
+              <a:t>Homework</a:t>
+            </a:r>
+          </a:p>
+          <a:p>
+            <a:r>
+              <a:rPr lang="en-IT" dirty="0">
+                <a:solidFill>
+                  <a:schemeClr val="bg1">
+                    <a:lumMod val="75000"/>
+                  </a:schemeClr>
+                </a:solidFill>
+              </a:rPr>
+              <a:t>Resources</a:t>
+            </a:r>
+          </a:p>
+        </p:txBody>
+      </p:sp>
+    </p:spTree>
+    <p:extLst>
+      <p:ext uri="{BB962C8B-B14F-4D97-AF65-F5344CB8AC3E}">
+        <p14:creationId xmlns:p14="http://schemas.microsoft.com/office/powerpoint/2010/main" val="80069414"/>
+      </p:ext>
+    </p:extLst>
+  </p:cSld>
+  <p:clrMapOvr>
+    <a:masterClrMapping/>
+  </p:clrMapOvr>
+</p:sld>
+</file>
+
 <file path=ppt/slides/slide32.xml><?xml version="1.0" encoding="utf-8"?>
 <p:sld xmlns:a="http://schemas.openxmlformats.org/drawingml/2006/main" xmlns:r="http://schemas.openxmlformats.org/officeDocument/2006/relationships" xmlns:p="http://schemas.openxmlformats.org/presentationml/2006/main">
   <p:cSld>
@@ -18014,7 +17837,7 @@
           <a:p>
             <a:r>
               <a:rPr lang="en-IT" dirty="0"/>
-              <a:t>Outline</a:t>
+              <a:t>Exercises</a:t>
             </a:r>
           </a:p>
         </p:txBody>
@@ -18035,109 +17858,246 @@
             <p:ph idx="1"/>
           </p:nvPr>
         </p:nvSpPr>
-        <p:spPr/>
+        <p:spPr>
+          <a:xfrm>
+            <a:off x="428172" y="1361167"/>
+            <a:ext cx="11213368" cy="5334907"/>
+          </a:xfrm>
+        </p:spPr>
         <p:txBody>
           <a:bodyPr>
-            <a:normAutofit/>
+            <a:normAutofit fontScale="85000" lnSpcReduction="20000"/>
           </a:bodyPr>
           <a:lstStyle/>
           <a:p>
             <a:r>
-              <a:rPr lang="en-IT" dirty="0">
-                <a:solidFill>
-                  <a:schemeClr val="bg1">
-                    <a:lumMod val="75000"/>
-                  </a:schemeClr>
-                </a:solidFill>
-              </a:rPr>
-              <a:t>Recap</a:t>
-            </a:r>
-          </a:p>
-          <a:p>
-            <a:r>
-              <a:rPr lang="en-IT" dirty="0">
-                <a:solidFill>
-                  <a:schemeClr val="bg1">
-                    <a:lumMod val="75000"/>
-                  </a:schemeClr>
-                </a:solidFill>
-              </a:rPr>
-              <a:t>Classes</a:t>
-            </a:r>
-          </a:p>
-          <a:p>
-            <a:r>
-              <a:rPr lang="en-IT" dirty="0">
-                <a:solidFill>
-                  <a:schemeClr val="bg1">
-                    <a:lumMod val="75000"/>
-                  </a:schemeClr>
-                </a:solidFill>
-              </a:rPr>
-              <a:t>Inheritance</a:t>
-            </a:r>
-          </a:p>
-          <a:p>
-            <a:r>
-              <a:rPr lang="en-IT" dirty="0">
-                <a:solidFill>
-                  <a:schemeClr val="bg1">
-                    <a:lumMod val="75000"/>
-                  </a:schemeClr>
-                </a:solidFill>
-              </a:rPr>
-              <a:t>Other things</a:t>
-            </a:r>
-          </a:p>
-          <a:p>
-            <a:r>
-              <a:rPr lang="en-IT" dirty="0">
-                <a:solidFill>
-                  <a:schemeClr val="bg1">
-                    <a:lumMod val="75000"/>
-                  </a:schemeClr>
-                </a:solidFill>
-              </a:rPr>
-              <a:t>Asynchrony</a:t>
-            </a:r>
-          </a:p>
-          <a:p>
-            <a:endParaRPr lang="en-IT" dirty="0">
-              <a:solidFill>
-                <a:schemeClr val="bg1">
-                  <a:lumMod val="75000"/>
-                </a:schemeClr>
-              </a:solidFill>
-            </a:endParaRPr>
-          </a:p>
-          <a:p>
-            <a:r>
-              <a:rPr lang="en-IT" b="1" dirty="0"/>
-              <a:t>Exercises</a:t>
-            </a:r>
-          </a:p>
-          <a:p>
-            <a:r>
-              <a:rPr lang="en-IT" dirty="0">
-                <a:solidFill>
-                  <a:schemeClr val="bg1">
-                    <a:lumMod val="75000"/>
-                  </a:schemeClr>
-                </a:solidFill>
-              </a:rPr>
-              <a:t>Homework</a:t>
-            </a:r>
-          </a:p>
-          <a:p>
-            <a:r>
-              <a:rPr lang="en-IT" dirty="0">
-                <a:solidFill>
-                  <a:schemeClr val="bg1">
-                    <a:lumMod val="75000"/>
-                  </a:schemeClr>
-                </a:solidFill>
-              </a:rPr>
-              <a:t>Resources</a:t>
+              <a:rPr lang="en-IT" dirty="0"/>
+              <a:t>Exercise 02.01</a:t>
+            </a:r>
+          </a:p>
+          <a:p>
+            <a:pPr lvl="1"/>
+            <a:r>
+              <a:rPr lang="en-GB" dirty="0"/>
+              <a:t>Create a class Vehicle with </a:t>
+            </a:r>
+            <a:r>
+              <a:rPr lang="en-GB" dirty="0" err="1"/>
+              <a:t>max_speed</a:t>
+            </a:r>
+            <a:r>
+              <a:rPr lang="en-GB" dirty="0"/>
+              <a:t>, </a:t>
+            </a:r>
+            <a:r>
+              <a:rPr lang="en-GB" dirty="0" err="1"/>
+              <a:t>is_moving</a:t>
+            </a:r>
+            <a:r>
+              <a:rPr lang="en-GB" dirty="0"/>
+              <a:t> and mileage instance variables (properly choose the type of the variables). </a:t>
+            </a:r>
+            <a:r>
+              <a:rPr lang="en-GB" dirty="0" err="1"/>
+              <a:t>max_speed</a:t>
+            </a:r>
+            <a:r>
+              <a:rPr lang="en-GB" dirty="0"/>
+              <a:t> is constant. </a:t>
+            </a:r>
+            <a:r>
+              <a:rPr lang="en-GB" dirty="0" err="1"/>
+              <a:t>is_moving</a:t>
+            </a:r>
+            <a:r>
+              <a:rPr lang="en-GB" dirty="0"/>
+              <a:t> and milage must be properly </a:t>
+            </a:r>
+            <a:r>
+              <a:rPr lang="en-GB" dirty="0" err="1"/>
+              <a:t>initiatilized</a:t>
+            </a:r>
+            <a:r>
+              <a:rPr lang="en-GB" dirty="0"/>
+              <a:t>.</a:t>
+            </a:r>
+          </a:p>
+          <a:p>
+            <a:pPr lvl="1"/>
+            <a:r>
+              <a:rPr lang="en-GB" dirty="0"/>
+              <a:t>Create an unnamed constructor with the minimum amount of input arguments.</a:t>
+            </a:r>
+          </a:p>
+          <a:p>
+            <a:pPr lvl="1"/>
+            <a:r>
+              <a:rPr lang="en-GB" dirty="0"/>
+              <a:t>Create also a named constructor </a:t>
+            </a:r>
+            <a:r>
+              <a:rPr lang="en-GB" dirty="0" err="1"/>
+              <a:t>Vehicle.used</a:t>
+            </a:r>
+            <a:r>
+              <a:rPr lang="en-GB" dirty="0"/>
+              <a:t> that creates a new Vehicle with a given mileage.</a:t>
+            </a:r>
+          </a:p>
+          <a:p>
+            <a:pPr lvl="1"/>
+            <a:r>
+              <a:rPr lang="en-GB" dirty="0"/>
+              <a:t>Implement two methods start and stop that properly set </a:t>
+            </a:r>
+            <a:r>
+              <a:rPr lang="en-GB" dirty="0" err="1"/>
+              <a:t>is_moving</a:t>
+            </a:r>
+            <a:endParaRPr lang="en-GB" dirty="0"/>
+          </a:p>
+          <a:p>
+            <a:pPr lvl="1"/>
+            <a:r>
+              <a:rPr lang="en-GB" dirty="0"/>
+              <a:t>Implement also the </a:t>
+            </a:r>
+            <a:r>
+              <a:rPr lang="en-GB" dirty="0" err="1"/>
+              <a:t>toString</a:t>
+            </a:r>
+            <a:r>
+              <a:rPr lang="en-GB" dirty="0"/>
+              <a:t>() method of the Vehicle class. </a:t>
+            </a:r>
+          </a:p>
+          <a:p>
+            <a:pPr lvl="1"/>
+            <a:r>
+              <a:rPr lang="en-GB" dirty="0"/>
+              <a:t>Create a method </a:t>
+            </a:r>
+            <a:r>
+              <a:rPr lang="en-GB" dirty="0" err="1"/>
+              <a:t>addMiles</a:t>
+            </a:r>
+            <a:r>
+              <a:rPr lang="en-GB" dirty="0"/>
+              <a:t> that takes a named parameter miles, adds that value to the current mileage, and return the new mileage.</a:t>
+            </a:r>
+          </a:p>
+          <a:p>
+            <a:pPr lvl="1"/>
+            <a:r>
+              <a:rPr lang="en-GB" dirty="0"/>
+              <a:t>Properly test the created class capabilities in the main function.</a:t>
+            </a:r>
+            <a:br>
+              <a:rPr lang="en-IT" dirty="0"/>
+            </a:br>
+            <a:endParaRPr lang="en-IT" dirty="0"/>
+          </a:p>
+          <a:p>
+            <a:r>
+              <a:rPr lang="en-IT" dirty="0"/>
+              <a:t>Exercise 02.02</a:t>
+            </a:r>
+          </a:p>
+          <a:p>
+            <a:pPr lvl="1"/>
+            <a:r>
+              <a:rPr lang="en-GB" dirty="0"/>
+              <a:t>Create a Bus class that extends the Vehicle class and inherit everything from it.</a:t>
+            </a:r>
+          </a:p>
+          <a:p>
+            <a:pPr lvl="1"/>
+            <a:r>
+              <a:rPr lang="en-GB" dirty="0"/>
+              <a:t>Properly inherit the superclass constructors </a:t>
+            </a:r>
+          </a:p>
+          <a:p>
+            <a:pPr lvl="1"/>
+            <a:r>
+              <a:rPr lang="en-GB" dirty="0"/>
+              <a:t>A bus must retain also the </a:t>
+            </a:r>
+            <a:r>
+              <a:rPr lang="en-GB" dirty="0" err="1"/>
+              <a:t>current_number_of_passengers</a:t>
+            </a:r>
+            <a:r>
+              <a:rPr lang="en-GB" dirty="0"/>
+              <a:t> and the </a:t>
+            </a:r>
+            <a:r>
+              <a:rPr lang="en-GB" dirty="0" err="1"/>
+              <a:t>max_number_of_passengers</a:t>
+            </a:r>
+            <a:r>
+              <a:rPr lang="en-GB" dirty="0"/>
+              <a:t>. </a:t>
+            </a:r>
+          </a:p>
+          <a:p>
+            <a:pPr lvl="1"/>
+            <a:r>
+              <a:rPr lang="en-GB" dirty="0"/>
+              <a:t>Each Bus has a constant </a:t>
+            </a:r>
+            <a:r>
+              <a:rPr lang="en-GB" dirty="0" err="1"/>
+              <a:t>max_number_of_passengers</a:t>
+            </a:r>
+            <a:r>
+              <a:rPr lang="en-GB" dirty="0"/>
+              <a:t> equal to 20 and the initial </a:t>
+            </a:r>
+            <a:r>
+              <a:rPr lang="en-GB" dirty="0" err="1"/>
+              <a:t>current_number_of_passengers</a:t>
+            </a:r>
+            <a:r>
+              <a:rPr lang="en-GB" dirty="0"/>
+              <a:t> is always 0.</a:t>
+            </a:r>
+          </a:p>
+          <a:p>
+            <a:pPr lvl="1"/>
+            <a:r>
+              <a:rPr lang="en-GB" dirty="0"/>
+              <a:t>Implement a method board that increments the number of passengers by a given value (as much as possible) and return the new number of passengers.</a:t>
+            </a:r>
+          </a:p>
+          <a:p>
+            <a:pPr lvl="1"/>
+            <a:r>
+              <a:rPr lang="en-GB" dirty="0"/>
+              <a:t>Remember to </a:t>
+            </a:r>
+            <a:r>
+              <a:rPr lang="en-GB" dirty="0" err="1"/>
+              <a:t>correclty</a:t>
+            </a:r>
+            <a:r>
+              <a:rPr lang="en-GB" dirty="0"/>
+              <a:t> manage the </a:t>
+            </a:r>
+            <a:r>
+              <a:rPr lang="en-GB" dirty="0" err="1"/>
+              <a:t>toString</a:t>
+            </a:r>
+            <a:r>
+              <a:rPr lang="en-GB" dirty="0"/>
+              <a:t>() method.</a:t>
+            </a:r>
+          </a:p>
+          <a:p>
+            <a:pPr lvl="1"/>
+            <a:r>
+              <a:rPr lang="en-GB" dirty="0"/>
+              <a:t>Properly test the created class capabilities in the main function.</a:t>
             </a:r>
           </a:p>
         </p:txBody>
@@ -18145,7 +18105,7 @@
     </p:spTree>
     <p:extLst>
       <p:ext uri="{BB962C8B-B14F-4D97-AF65-F5344CB8AC3E}">
-        <p14:creationId xmlns:p14="http://schemas.microsoft.com/office/powerpoint/2010/main" val="80069414"/>
+        <p14:creationId xmlns:p14="http://schemas.microsoft.com/office/powerpoint/2010/main" val="895378464"/>
       </p:ext>
     </p:extLst>
   </p:cSld>
@@ -18224,238 +18184,106 @@
         </p:spPr>
         <p:txBody>
           <a:bodyPr>
-            <a:normAutofit fontScale="85000" lnSpcReduction="20000"/>
+            <a:normAutofit/>
           </a:bodyPr>
           <a:lstStyle/>
           <a:p>
             <a:r>
               <a:rPr lang="en-IT" dirty="0"/>
-              <a:t>Exercise 02.01</a:t>
+              <a:t>Exercise 02.03</a:t>
             </a:r>
           </a:p>
           <a:p>
             <a:pPr lvl="1"/>
             <a:r>
+              <a:rPr lang="en-IT" dirty="0"/>
+              <a:t>Write an asynchronous function fetchUserRole() that after 3 seconds returns the String ‘admin’. Then, use that function in the main function to print the provided and properly produce the following output:</a:t>
+            </a:r>
+          </a:p>
+          <a:p>
+            <a:pPr marL="914400" lvl="2" indent="0">
+              <a:buNone/>
+            </a:pPr>
+            <a:r>
+              <a:rPr lang="en-IT" dirty="0">
+                <a:latin typeface="Courier" pitchFamily="2" charset="0"/>
+              </a:rPr>
+              <a:t>Fetching user role…</a:t>
+            </a:r>
+            <a:br>
+              <a:rPr lang="en-IT" dirty="0">
+                <a:latin typeface="Courier" pitchFamily="2" charset="0"/>
+              </a:rPr>
+            </a:br>
+            <a:r>
+              <a:rPr lang="en-IT" dirty="0">
+                <a:latin typeface="Courier" pitchFamily="2" charset="0"/>
+              </a:rPr>
+              <a:t>The user is an admin.</a:t>
+            </a:r>
+          </a:p>
+          <a:p>
+            <a:pPr lvl="1"/>
+            <a:endParaRPr lang="en-IT" dirty="0"/>
+          </a:p>
+          <a:p>
+            <a:r>
+              <a:rPr lang="en-IT" dirty="0"/>
+              <a:t>Exercise 02.04</a:t>
+            </a:r>
+          </a:p>
+          <a:p>
+            <a:pPr lvl="1"/>
+            <a:r>
+              <a:rPr lang="en-IT" dirty="0"/>
+              <a:t>Use the fetchUserRole() function developed in 02.04 to create a new function isAdminUser() that checks if the string provided by fetchUserRole() is ‘admin’ and returns the respective boolean. Use t</a:t>
+            </a:r>
+            <a:r>
               <a:rPr lang="en-GB" dirty="0"/>
-              <a:t>Create a class Vehicle with </a:t>
-            </a:r>
-            <a:r>
-              <a:rPr lang="en-GB" dirty="0" err="1"/>
-              <a:t>max_speed</a:t>
-            </a:r>
-            <a:r>
-              <a:rPr lang="en-GB" dirty="0"/>
-              <a:t>, </a:t>
-            </a:r>
-            <a:r>
-              <a:rPr lang="en-GB" dirty="0" err="1"/>
-              <a:t>is_moving</a:t>
-            </a:r>
-            <a:r>
-              <a:rPr lang="en-GB" dirty="0"/>
-              <a:t> and mileage instance variables (properly choose the type of the variables). </a:t>
-            </a:r>
-            <a:r>
-              <a:rPr lang="en-GB" dirty="0" err="1"/>
-              <a:t>max_speed</a:t>
-            </a:r>
-            <a:r>
-              <a:rPr lang="en-GB" dirty="0"/>
-              <a:t> is constant. </a:t>
-            </a:r>
-            <a:r>
-              <a:rPr lang="en-GB" dirty="0" err="1"/>
-              <a:t>is_moving</a:t>
-            </a:r>
-            <a:r>
-              <a:rPr lang="en-GB" dirty="0"/>
-              <a:t> and milage must be properly </a:t>
-            </a:r>
-            <a:r>
-              <a:rPr lang="en-GB" dirty="0" err="1"/>
-              <a:t>initiatilized</a:t>
-            </a:r>
-            <a:r>
-              <a:rPr lang="en-GB" dirty="0"/>
-              <a:t>.</a:t>
-            </a:r>
-          </a:p>
-          <a:p>
-            <a:pPr lvl="1"/>
-            <a:r>
-              <a:rPr lang="en-GB" dirty="0"/>
-              <a:t>Create an unnamed constructor with the minimum amount of input arguments.</a:t>
-            </a:r>
-          </a:p>
-          <a:p>
-            <a:pPr lvl="1"/>
-            <a:r>
-              <a:rPr lang="en-GB" dirty="0"/>
-              <a:t>Create also a named constructor </a:t>
-            </a:r>
-            <a:r>
-              <a:rPr lang="en-GB" dirty="0" err="1"/>
-              <a:t>Vehicle.used</a:t>
-            </a:r>
-            <a:r>
-              <a:rPr lang="en-GB" dirty="0"/>
-              <a:t> that creates a new Vehicle with a given mileage.</a:t>
-            </a:r>
-          </a:p>
-          <a:p>
-            <a:pPr lvl="1"/>
-            <a:r>
-              <a:rPr lang="en-GB" dirty="0"/>
-              <a:t>Implement two methods start and stop that properly set </a:t>
-            </a:r>
-            <a:r>
-              <a:rPr lang="en-GB" dirty="0" err="1"/>
-              <a:t>is_moving</a:t>
-            </a:r>
-            <a:endParaRPr lang="en-GB" dirty="0"/>
-          </a:p>
-          <a:p>
-            <a:pPr lvl="1"/>
-            <a:r>
-              <a:rPr lang="en-GB" dirty="0"/>
-              <a:t>Implement also the </a:t>
-            </a:r>
-            <a:r>
-              <a:rPr lang="en-GB" dirty="0" err="1"/>
-              <a:t>toString</a:t>
-            </a:r>
-            <a:r>
-              <a:rPr lang="en-GB" dirty="0"/>
-              <a:t>() method of the Vehicle class. </a:t>
-            </a:r>
-          </a:p>
-          <a:p>
-            <a:pPr lvl="1"/>
-            <a:r>
-              <a:rPr lang="en-GB" dirty="0"/>
-              <a:t>Create a method </a:t>
-            </a:r>
-            <a:r>
-              <a:rPr lang="en-GB" dirty="0" err="1"/>
-              <a:t>addMiles</a:t>
-            </a:r>
-            <a:r>
-              <a:rPr lang="en-GB" dirty="0"/>
-              <a:t> that takes a named parameter miles, adds that value to the current mileage, and return the new mileage.</a:t>
-            </a:r>
-          </a:p>
-          <a:p>
-            <a:pPr lvl="1"/>
-            <a:r>
-              <a:rPr lang="en-GB" dirty="0"/>
-              <a:t>Properly test the created class capabilities in the main function.</a:t>
+              <a:t>he</a:t>
+            </a:r>
+            <a:r>
+              <a:rPr lang="en-IT" dirty="0"/>
+              <a:t> new function in the main to produce the following output:</a:t>
+            </a:r>
+          </a:p>
+          <a:p>
+            <a:pPr marL="914400" lvl="2" indent="0">
+              <a:buNone/>
+            </a:pPr>
+            <a:r>
+              <a:rPr lang="en-IT" dirty="0">
+                <a:latin typeface="Courier" pitchFamily="2" charset="0"/>
+              </a:rPr>
+              <a:t>Checking if user is an admin…</a:t>
+            </a:r>
+            <a:br>
+              <a:rPr lang="en-IT" dirty="0">
+                <a:latin typeface="Courier" pitchFamily="2" charset="0"/>
+              </a:rPr>
+            </a:br>
+            <a:r>
+              <a:rPr lang="en-IT" dirty="0">
+                <a:latin typeface="Courier" pitchFamily="2" charset="0"/>
+              </a:rPr>
+              <a:t>Ok, access granted! </a:t>
+            </a:r>
+            <a:r>
+              <a:rPr lang="en-IT" dirty="0"/>
+              <a:t>(if the user is an admin)</a:t>
             </a:r>
             <a:br>
               <a:rPr lang="en-IT" dirty="0"/>
             </a:br>
-            <a:endParaRPr lang="en-IT" dirty="0"/>
-          </a:p>
-          <a:p>
+            <a:r>
+              <a:rPr lang="en-IT" dirty="0">
+                <a:latin typeface="Courier" pitchFamily="2" charset="0"/>
+              </a:rPr>
+              <a:t>Access denied! </a:t>
+            </a:r>
             <a:r>
               <a:rPr lang="en-IT" dirty="0"/>
-              <a:t>Exercise 02.02</a:t>
-            </a:r>
-          </a:p>
-          <a:p>
-            <a:pPr lvl="1"/>
-            <a:r>
-              <a:rPr lang="en-GB" dirty="0"/>
-              <a:t>Create a Bus class that extends the Vehicle class and inherit everything from it.</a:t>
-            </a:r>
-          </a:p>
-          <a:p>
-            <a:pPr lvl="1"/>
-            <a:r>
-              <a:rPr lang="en-GB" dirty="0"/>
-              <a:t>Properly inherit the superclass constructors </a:t>
-            </a:r>
-          </a:p>
-          <a:p>
-            <a:pPr lvl="1"/>
-            <a:r>
-              <a:rPr lang="en-GB" dirty="0"/>
-              <a:t>A bus must retain also the </a:t>
-            </a:r>
-            <a:r>
-              <a:rPr lang="en-GB" dirty="0" err="1"/>
-              <a:t>current_number_of_passengers</a:t>
-            </a:r>
-            <a:r>
-              <a:rPr lang="en-GB" dirty="0"/>
-              <a:t> and the </a:t>
-            </a:r>
-            <a:r>
-              <a:rPr lang="en-GB" dirty="0" err="1"/>
-              <a:t>max_number_of_passengers</a:t>
-            </a:r>
-            <a:r>
-              <a:rPr lang="en-GB" dirty="0"/>
-              <a:t>. </a:t>
-            </a:r>
-          </a:p>
-          <a:p>
-            <a:pPr lvl="1"/>
-            <a:r>
-              <a:rPr lang="en-GB" dirty="0"/>
-              <a:t>Each Bus has a constant </a:t>
-            </a:r>
-            <a:r>
-              <a:rPr lang="en-GB" dirty="0" err="1"/>
-              <a:t>max_number_of_passengers</a:t>
-            </a:r>
-            <a:r>
-              <a:rPr lang="en-GB" dirty="0"/>
-              <a:t> equal to 20 and the initial </a:t>
-            </a:r>
-            <a:r>
-              <a:rPr lang="en-GB" dirty="0" err="1"/>
-              <a:t>current_number_of_passengers</a:t>
-            </a:r>
-            <a:r>
-              <a:rPr lang="en-GB" dirty="0"/>
-              <a:t> is always 0.</a:t>
-            </a:r>
-          </a:p>
-          <a:p>
-            <a:pPr lvl="1"/>
-            <a:r>
-              <a:rPr lang="en-GB" dirty="0"/>
-              <a:t>Implement a method board that increments the number of passengers by a given value (as much as possible) and return the new number of passengers.</a:t>
-            </a:r>
-          </a:p>
-          <a:p>
-            <a:pPr lvl="1"/>
-            <a:r>
-              <a:rPr lang="en-GB" dirty="0"/>
-              <a:t>Remember to </a:t>
-            </a:r>
-            <a:r>
-              <a:rPr lang="en-GB" dirty="0" err="1"/>
-              <a:t>correclty</a:t>
-            </a:r>
-            <a:r>
-              <a:rPr lang="en-GB" dirty="0"/>
-              <a:t> manage the </a:t>
-            </a:r>
-            <a:r>
-              <a:rPr lang="en-GB" dirty="0" err="1"/>
-              <a:t>toString</a:t>
-            </a:r>
-            <a:r>
-              <a:rPr lang="en-GB" dirty="0"/>
-              <a:t>() method.</a:t>
-            </a:r>
-          </a:p>
-          <a:p>
-            <a:pPr lvl="1"/>
-            <a:r>
-              <a:rPr lang="en-GB" dirty="0"/>
-              <a:t>Properly test the created class capabilities in the main function.</a:t>
+              <a:t>(if the user is not an admin)</a:t>
             </a:r>
           </a:p>
         </p:txBody>
@@ -18463,7 +18291,7 @@
     </p:spTree>
     <p:extLst>
       <p:ext uri="{BB962C8B-B14F-4D97-AF65-F5344CB8AC3E}">
-        <p14:creationId xmlns:p14="http://schemas.microsoft.com/office/powerpoint/2010/main" val="895378464"/>
+        <p14:creationId xmlns:p14="http://schemas.microsoft.com/office/powerpoint/2010/main" val="3260879365"/>
       </p:ext>
     </p:extLst>
   </p:cSld>
@@ -18513,7 +18341,7 @@
           <a:p>
             <a:r>
               <a:rPr lang="en-IT" dirty="0"/>
-              <a:t>Exercises</a:t>
+              <a:t>Outline</a:t>
             </a:r>
           </a:p>
         </p:txBody>
@@ -18534,12 +18362,7 @@
             <p:ph idx="1"/>
           </p:nvPr>
         </p:nvSpPr>
-        <p:spPr>
-          <a:xfrm>
-            <a:off x="428172" y="1361167"/>
-            <a:ext cx="11213368" cy="5334907"/>
-          </a:xfrm>
-        </p:spPr>
+        <p:spPr/>
         <p:txBody>
           <a:bodyPr>
             <a:normAutofit/>
@@ -18547,101 +18370,101 @@
           <a:lstStyle/>
           <a:p>
             <a:r>
-              <a:rPr lang="en-IT" dirty="0"/>
-              <a:t>Exercise 02.03</a:t>
-            </a:r>
-          </a:p>
-          <a:p>
-            <a:pPr lvl="1"/>
-            <a:r>
-              <a:rPr lang="en-IT" dirty="0"/>
-              <a:t>Write an asynchronous function fetchUserRole() that after 3 seconds returns the String ‘admin’. Then, use that function in the main function to print the provided and properly produce the following output:</a:t>
-            </a:r>
-          </a:p>
-          <a:p>
-            <a:pPr marL="914400" lvl="2" indent="0">
-              <a:buNone/>
-            </a:pPr>
-            <a:r>
               <a:rPr lang="en-IT" dirty="0">
-                <a:latin typeface="Courier" pitchFamily="2" charset="0"/>
-              </a:rPr>
-              <a:t>Fetching user role…</a:t>
-            </a:r>
-            <a:br>
+                <a:solidFill>
+                  <a:schemeClr val="bg1">
+                    <a:lumMod val="75000"/>
+                  </a:schemeClr>
+                </a:solidFill>
+              </a:rPr>
+              <a:t>Recap</a:t>
+            </a:r>
+          </a:p>
+          <a:p>
+            <a:r>
               <a:rPr lang="en-IT" dirty="0">
-                <a:latin typeface="Courier" pitchFamily="2" charset="0"/>
-              </a:rPr>
-            </a:br>
+                <a:solidFill>
+                  <a:schemeClr val="bg1">
+                    <a:lumMod val="75000"/>
+                  </a:schemeClr>
+                </a:solidFill>
+              </a:rPr>
+              <a:t>Classes</a:t>
+            </a:r>
+          </a:p>
+          <a:p>
             <a:r>
               <a:rPr lang="en-IT" dirty="0">
-                <a:latin typeface="Courier" pitchFamily="2" charset="0"/>
-              </a:rPr>
-              <a:t>The user is an admin.</a:t>
-            </a:r>
-          </a:p>
-          <a:p>
-            <a:pPr lvl="1"/>
-            <a:endParaRPr lang="en-IT" dirty="0"/>
-          </a:p>
-          <a:p>
-            <a:r>
-              <a:rPr lang="en-IT" dirty="0"/>
-              <a:t>Exercise 02.04</a:t>
-            </a:r>
-          </a:p>
-          <a:p>
-            <a:pPr lvl="1"/>
-            <a:r>
-              <a:rPr lang="en-IT" dirty="0"/>
-              <a:t>Use the fetchUserRole() function developed in 02.04 to create a new function isAdminUser() that checks if the string provided by fetchUserRole() is ‘admin’ and returns the respective boolean. Use t</a:t>
-            </a:r>
-            <a:r>
-              <a:rPr lang="en-GB" dirty="0"/>
-              <a:t>he</a:t>
-            </a:r>
-            <a:r>
-              <a:rPr lang="en-IT" dirty="0"/>
-              <a:t> new function in the main to produce the following output:</a:t>
-            </a:r>
-          </a:p>
-          <a:p>
-            <a:pPr marL="914400" lvl="2" indent="0">
-              <a:buNone/>
-            </a:pPr>
+                <a:solidFill>
+                  <a:schemeClr val="bg1">
+                    <a:lumMod val="75000"/>
+                  </a:schemeClr>
+                </a:solidFill>
+              </a:rPr>
+              <a:t>Inheritance</a:t>
+            </a:r>
+          </a:p>
+          <a:p>
             <a:r>
               <a:rPr lang="en-IT" dirty="0">
-                <a:latin typeface="Courier" pitchFamily="2" charset="0"/>
-              </a:rPr>
-              <a:t>Checking if user is an admin…</a:t>
-            </a:r>
-            <a:br>
+                <a:solidFill>
+                  <a:schemeClr val="bg1">
+                    <a:lumMod val="75000"/>
+                  </a:schemeClr>
+                </a:solidFill>
+              </a:rPr>
+              <a:t>Other things</a:t>
+            </a:r>
+          </a:p>
+          <a:p>
+            <a:r>
               <a:rPr lang="en-IT" dirty="0">
-                <a:latin typeface="Courier" pitchFamily="2" charset="0"/>
-              </a:rPr>
-            </a:br>
+                <a:solidFill>
+                  <a:schemeClr val="bg1">
+                    <a:lumMod val="75000"/>
+                  </a:schemeClr>
+                </a:solidFill>
+              </a:rPr>
+              <a:t>Asynchrony</a:t>
+            </a:r>
+          </a:p>
+          <a:p>
+            <a:endParaRPr lang="en-IT" dirty="0">
+              <a:solidFill>
+                <a:schemeClr val="bg1">
+                  <a:lumMod val="75000"/>
+                </a:schemeClr>
+              </a:solidFill>
+            </a:endParaRPr>
+          </a:p>
+          <a:p>
             <a:r>
               <a:rPr lang="en-IT" dirty="0">
-                <a:latin typeface="Courier" pitchFamily="2" charset="0"/>
-              </a:rPr>
-              <a:t>Ok, access granted! </a:t>
-            </a:r>
-            <a:r>
-              <a:rPr lang="en-IT" dirty="0"/>
-              <a:t>(if the user is an admin)</a:t>
-            </a:r>
-            <a:br>
-              <a:rPr lang="en-IT" dirty="0"/>
-            </a:br>
+                <a:solidFill>
+                  <a:schemeClr val="bg1">
+                    <a:lumMod val="75000"/>
+                  </a:schemeClr>
+                </a:solidFill>
+              </a:rPr>
+              <a:t>Exercises</a:t>
+            </a:r>
+          </a:p>
+          <a:p>
+            <a:r>
+              <a:rPr lang="en-IT" b="1" dirty="0"/>
+              <a:t>Homework</a:t>
+            </a:r>
+          </a:p>
+          <a:p>
             <a:r>
               <a:rPr lang="en-IT" dirty="0">
-                <a:latin typeface="Courier" pitchFamily="2" charset="0"/>
-              </a:rPr>
-              <a:t>Access denied! </a:t>
-            </a:r>
-            <a:r>
-              <a:rPr lang="en-IT" dirty="0"/>
-              <a:t>(if the user is not an admin)</a:t>
+                <a:solidFill>
+                  <a:schemeClr val="bg1">
+                    <a:lumMod val="75000"/>
+                  </a:schemeClr>
+                </a:solidFill>
+              </a:rPr>
+              <a:t>Resources</a:t>
             </a:r>
           </a:p>
         </p:txBody>
@@ -18649,7 +18472,7 @@
     </p:spTree>
     <p:extLst>
       <p:ext uri="{BB962C8B-B14F-4D97-AF65-F5344CB8AC3E}">
-        <p14:creationId xmlns:p14="http://schemas.microsoft.com/office/powerpoint/2010/main" val="3260879365"/>
+        <p14:creationId xmlns:p14="http://schemas.microsoft.com/office/powerpoint/2010/main" val="532219230"/>
       </p:ext>
     </p:extLst>
   </p:cSld>
@@ -18699,7 +18522,7 @@
           <a:p>
             <a:r>
               <a:rPr lang="en-IT" dirty="0"/>
-              <a:t>Outline</a:t>
+              <a:t>Homework </a:t>
             </a:r>
           </a:p>
         </p:txBody>
@@ -18720,7 +18543,12 @@
             <p:ph idx="1"/>
           </p:nvPr>
         </p:nvSpPr>
-        <p:spPr/>
+        <p:spPr>
+          <a:xfrm>
+            <a:off x="428172" y="1361167"/>
+            <a:ext cx="11213368" cy="5334907"/>
+          </a:xfrm>
+        </p:spPr>
         <p:txBody>
           <a:bodyPr>
             <a:normAutofit/>
@@ -18728,109 +18556,66 @@
           <a:lstStyle/>
           <a:p>
             <a:r>
-              <a:rPr lang="en-IT" dirty="0">
-                <a:solidFill>
-                  <a:schemeClr val="bg1">
-                    <a:lumMod val="75000"/>
-                  </a:schemeClr>
-                </a:solidFill>
-              </a:rPr>
-              <a:t>Recap</a:t>
-            </a:r>
-          </a:p>
-          <a:p>
-            <a:r>
-              <a:rPr lang="en-IT" dirty="0">
-                <a:solidFill>
-                  <a:schemeClr val="bg1">
-                    <a:lumMod val="75000"/>
-                  </a:schemeClr>
-                </a:solidFill>
-              </a:rPr>
-              <a:t>Classes</a:t>
-            </a:r>
-          </a:p>
-          <a:p>
-            <a:r>
-              <a:rPr lang="en-IT" dirty="0">
-                <a:solidFill>
-                  <a:schemeClr val="bg1">
-                    <a:lumMod val="75000"/>
-                  </a:schemeClr>
-                </a:solidFill>
-              </a:rPr>
-              <a:t>Inheritance</a:t>
-            </a:r>
-          </a:p>
-          <a:p>
-            <a:r>
-              <a:rPr lang="en-IT" dirty="0">
-                <a:solidFill>
-                  <a:schemeClr val="bg1">
-                    <a:lumMod val="75000"/>
-                  </a:schemeClr>
-                </a:solidFill>
-              </a:rPr>
-              <a:t>Other things</a:t>
-            </a:r>
-          </a:p>
-          <a:p>
-            <a:r>
-              <a:rPr lang="en-IT" dirty="0">
-                <a:solidFill>
-                  <a:schemeClr val="bg1">
-                    <a:lumMod val="75000"/>
-                  </a:schemeClr>
-                </a:solidFill>
-              </a:rPr>
-              <a:t>Asynchrony</a:t>
-            </a:r>
-          </a:p>
-          <a:p>
-            <a:endParaRPr lang="en-IT" dirty="0">
-              <a:solidFill>
-                <a:schemeClr val="bg1">
-                  <a:lumMod val="75000"/>
-                </a:schemeClr>
-              </a:solidFill>
-            </a:endParaRPr>
-          </a:p>
-          <a:p>
-            <a:r>
-              <a:rPr lang="en-IT" dirty="0">
-                <a:solidFill>
-                  <a:schemeClr val="bg1">
-                    <a:lumMod val="75000"/>
-                  </a:schemeClr>
-                </a:solidFill>
-              </a:rPr>
-              <a:t>Exercises</a:t>
-            </a:r>
-          </a:p>
-          <a:p>
-            <a:r>
-              <a:rPr lang="en-IT" b="1" dirty="0"/>
-              <a:t>Homework</a:t>
-            </a:r>
-          </a:p>
-          <a:p>
-            <a:r>
-              <a:rPr lang="en-IT" dirty="0">
-                <a:solidFill>
-                  <a:schemeClr val="bg1">
-                    <a:lumMod val="75000"/>
-                  </a:schemeClr>
-                </a:solidFill>
-              </a:rPr>
-              <a:t>Resources</a:t>
-            </a:r>
+              <a:rPr lang="en-GB" dirty="0"/>
+              <a:t>(Try to) Do all the exercises</a:t>
+            </a:r>
+          </a:p>
+          <a:p>
+            <a:endParaRPr lang="en-GB" dirty="0"/>
+          </a:p>
+          <a:p>
+            <a:r>
+              <a:rPr lang="en-GB" dirty="0"/>
+              <a:t>Get familiar with Dart 101 (part 1 &amp; 2)</a:t>
+            </a:r>
+          </a:p>
+          <a:p>
+            <a:endParaRPr lang="en-GB" dirty="0"/>
+          </a:p>
+          <a:p>
+            <a:r>
+              <a:rPr lang="en-GB" dirty="0"/>
+              <a:t>Get familiar with OOP</a:t>
+            </a:r>
+          </a:p>
+          <a:p>
+            <a:endParaRPr lang="en-GB" dirty="0"/>
+          </a:p>
+          <a:p>
+            <a:r>
+              <a:rPr lang="en-GB" dirty="0"/>
+              <a:t>Take a look at Streams </a:t>
+            </a:r>
+            <a:r>
+              <a:rPr lang="en-GB" dirty="0">
+                <a:hlinkClick r:id="rId2"/>
+              </a:rPr>
+              <a:t>https://dart.dev/tutorials/language/streams</a:t>
+            </a:r>
+            <a:endParaRPr lang="en-GB" dirty="0"/>
+          </a:p>
+          <a:p>
+            <a:pPr marL="0" indent="0">
+              <a:buNone/>
+            </a:pPr>
+            <a:r>
+              <a:rPr lang="en-GB" dirty="0"/>
+              <a:t> </a:t>
+            </a:r>
+          </a:p>
+          <a:p>
+            <a:r>
+              <a:rPr lang="en-GB" dirty="0"/>
+              <a:t>Be sure that the Flutter SDK is working and correctly installed</a:t>
+            </a:r>
+            <a:endParaRPr lang="en-IT" dirty="0"/>
           </a:p>
         </p:txBody>
       </p:sp>
     </p:spTree>
     <p:extLst>
       <p:ext uri="{BB962C8B-B14F-4D97-AF65-F5344CB8AC3E}">
-        <p14:creationId xmlns:p14="http://schemas.microsoft.com/office/powerpoint/2010/main" val="532219230"/>
+        <p14:creationId xmlns:p14="http://schemas.microsoft.com/office/powerpoint/2010/main" val="1769563143"/>
       </p:ext>
     </p:extLst>
   </p:cSld>
@@ -18880,7 +18665,7 @@
           <a:p>
             <a:r>
               <a:rPr lang="en-IT" dirty="0"/>
-              <a:t>Homework </a:t>
+              <a:t>Outline</a:t>
             </a:r>
           </a:p>
         </p:txBody>
@@ -18901,149 +18686,6 @@
             <p:ph idx="1"/>
           </p:nvPr>
         </p:nvSpPr>
-        <p:spPr>
-          <a:xfrm>
-            <a:off x="428172" y="1361167"/>
-            <a:ext cx="11213368" cy="5334907"/>
-          </a:xfrm>
-        </p:spPr>
-        <p:txBody>
-          <a:bodyPr>
-            <a:normAutofit/>
-          </a:bodyPr>
-          <a:lstStyle/>
-          <a:p>
-            <a:r>
-              <a:rPr lang="en-GB" dirty="0"/>
-              <a:t>(Try to) Do all the exercises</a:t>
-            </a:r>
-          </a:p>
-          <a:p>
-            <a:endParaRPr lang="en-GB" dirty="0"/>
-          </a:p>
-          <a:p>
-            <a:r>
-              <a:rPr lang="en-GB" dirty="0"/>
-              <a:t>Get familiar with Dart 101 (part 1 &amp; 2)</a:t>
-            </a:r>
-          </a:p>
-          <a:p>
-            <a:endParaRPr lang="en-GB" dirty="0"/>
-          </a:p>
-          <a:p>
-            <a:r>
-              <a:rPr lang="en-GB" dirty="0"/>
-              <a:t>Get familiar with OOP</a:t>
-            </a:r>
-          </a:p>
-          <a:p>
-            <a:endParaRPr lang="en-GB" dirty="0"/>
-          </a:p>
-          <a:p>
-            <a:r>
-              <a:rPr lang="en-GB" dirty="0"/>
-              <a:t>Take a look at Streams </a:t>
-            </a:r>
-            <a:r>
-              <a:rPr lang="en-GB" dirty="0">
-                <a:hlinkClick r:id="rId2"/>
-              </a:rPr>
-              <a:t>https://dart.dev/tutorials/language/streams</a:t>
-            </a:r>
-            <a:endParaRPr lang="en-GB" dirty="0"/>
-          </a:p>
-          <a:p>
-            <a:pPr marL="0" indent="0">
-              <a:buNone/>
-            </a:pPr>
-            <a:r>
-              <a:rPr lang="en-GB" dirty="0"/>
-              <a:t> </a:t>
-            </a:r>
-          </a:p>
-          <a:p>
-            <a:r>
-              <a:rPr lang="en-GB" dirty="0"/>
-              <a:t>Be sure that the Flutter SDK is working and correctly installed</a:t>
-            </a:r>
-            <a:endParaRPr lang="en-IT" dirty="0"/>
-          </a:p>
-        </p:txBody>
-      </p:sp>
-    </p:spTree>
-    <p:extLst>
-      <p:ext uri="{BB962C8B-B14F-4D97-AF65-F5344CB8AC3E}">
-        <p14:creationId xmlns:p14="http://schemas.microsoft.com/office/powerpoint/2010/main" val="1769563143"/>
-      </p:ext>
-    </p:extLst>
-  </p:cSld>
-  <p:clrMapOvr>
-    <a:masterClrMapping/>
-  </p:clrMapOvr>
-</p:sld>
-</file>
-
-<file path=ppt/slides/slide37.xml><?xml version="1.0" encoding="utf-8"?>
-<p:sld xmlns:a="http://schemas.openxmlformats.org/drawingml/2006/main" xmlns:r="http://schemas.openxmlformats.org/officeDocument/2006/relationships" xmlns:p="http://schemas.openxmlformats.org/presentationml/2006/main">
-  <p:cSld>
-    <p:spTree>
-      <p:nvGrpSpPr>
-        <p:cNvPr id="1" name=""/>
-        <p:cNvGrpSpPr/>
-        <p:nvPr/>
-      </p:nvGrpSpPr>
-      <p:grpSpPr>
-        <a:xfrm>
-          <a:off x="0" y="0"/>
-          <a:ext cx="0" cy="0"/>
-          <a:chOff x="0" y="0"/>
-          <a:chExt cx="0" cy="0"/>
-        </a:xfrm>
-      </p:grpSpPr>
-      <p:sp>
-        <p:nvSpPr>
-          <p:cNvPr id="2" name="Title 1">
-            <a:extLst>
-              <a:ext uri="{FF2B5EF4-FFF2-40B4-BE49-F238E27FC236}">
-                <a16:creationId xmlns:a16="http://schemas.microsoft.com/office/drawing/2014/main" id="{122C1E14-0610-FB4E-BCD3-3BA8CADF9D02}"/>
-              </a:ext>
-            </a:extLst>
-          </p:cNvPr>
-          <p:cNvSpPr>
-            <a:spLocks noGrp="1"/>
-          </p:cNvSpPr>
-          <p:nvPr>
-            <p:ph type="title"/>
-          </p:nvPr>
-        </p:nvSpPr>
-        <p:spPr/>
-        <p:txBody>
-          <a:bodyPr/>
-          <a:lstStyle/>
-          <a:p>
-            <a:r>
-              <a:rPr lang="en-IT" dirty="0"/>
-              <a:t>Outline</a:t>
-            </a:r>
-          </a:p>
-        </p:txBody>
-      </p:sp>
-      <p:sp>
-        <p:nvSpPr>
-          <p:cNvPr id="3" name="Content Placeholder 2">
-            <a:extLst>
-              <a:ext uri="{FF2B5EF4-FFF2-40B4-BE49-F238E27FC236}">
-                <a16:creationId xmlns:a16="http://schemas.microsoft.com/office/drawing/2014/main" id="{8962CCAC-9D70-C543-BBE0-822B6CB5F5CB}"/>
-              </a:ext>
-            </a:extLst>
-          </p:cNvPr>
-          <p:cNvSpPr>
-            <a:spLocks noGrp="1"/>
-          </p:cNvSpPr>
-          <p:nvPr>
-            <p:ph idx="1"/>
-          </p:nvPr>
-        </p:nvSpPr>
         <p:spPr/>
         <p:txBody>
           <a:bodyPr>
@@ -19164,7 +18806,7 @@
 </p:sld>
 </file>
 
-<file path=ppt/slides/slide38.xml><?xml version="1.0" encoding="utf-8"?>
+<file path=ppt/slides/slide37.xml><?xml version="1.0" encoding="utf-8"?>
 <p:sld xmlns:a="http://schemas.openxmlformats.org/drawingml/2006/main" xmlns:r="http://schemas.openxmlformats.org/officeDocument/2006/relationships" xmlns:p="http://schemas.openxmlformats.org/presentationml/2006/main">
   <p:cSld>
     <p:spTree>

--- a/lab_03-dart_101_part_2/lab_03-dart_101_part_2.pptx
+++ b/lab_03-dart_101_part_2/lab_03-dart_101_part_2.pptx
@@ -9,8 +9,8 @@
   </p:notesMasterIdLst>
   <p:sldIdLst>
     <p:sldId id="259" r:id="rId2"/>
-    <p:sldId id="282" r:id="rId3"/>
-    <p:sldId id="380" r:id="rId4"/>
+    <p:sldId id="380" r:id="rId3"/>
+    <p:sldId id="369" r:id="rId4"/>
     <p:sldId id="288" r:id="rId5"/>
     <p:sldId id="381" r:id="rId6"/>
     <p:sldId id="304" r:id="rId7"/>
@@ -233,7 +233,7 @@
           <a:p>
             <a:fld id="{81C4B3FE-0320-8142-8396-5C3025C019EC}" type="datetimeFigureOut">
               <a:rPr lang="en-IT" smtClean="0"/>
-              <a:t>08/01/22</a:t>
+              <a:t>24/02/22</a:t>
             </a:fld>
             <a:endParaRPr lang="en-IT"/>
           </a:p>
@@ -650,7 +650,7 @@
           <a:p>
             <a:fld id="{CC0F43FB-3F33-3F4B-9768-2FBED988F992}" type="slidenum">
               <a:rPr lang="en-IT" smtClean="0"/>
-              <a:t>13</a:t>
+              <a:t>12</a:t>
             </a:fld>
             <a:endParaRPr lang="en-IT"/>
           </a:p>
@@ -659,7 +659,7 @@
     </p:spTree>
     <p:extLst>
       <p:ext uri="{BB962C8B-B14F-4D97-AF65-F5344CB8AC3E}">
-        <p14:creationId xmlns:p14="http://schemas.microsoft.com/office/powerpoint/2010/main" val="1287003492"/>
+        <p14:creationId xmlns:p14="http://schemas.microsoft.com/office/powerpoint/2010/main" val="3798116206"/>
       </p:ext>
     </p:extLst>
   </p:cSld>
@@ -734,7 +734,7 @@
           <a:p>
             <a:fld id="{CC0F43FB-3F33-3F4B-9768-2FBED988F992}" type="slidenum">
               <a:rPr lang="en-IT" smtClean="0"/>
-              <a:t>15</a:t>
+              <a:t>13</a:t>
             </a:fld>
             <a:endParaRPr lang="en-IT"/>
           </a:p>
@@ -743,7 +743,7 @@
     </p:spTree>
     <p:extLst>
       <p:ext uri="{BB962C8B-B14F-4D97-AF65-F5344CB8AC3E}">
-        <p14:creationId xmlns:p14="http://schemas.microsoft.com/office/powerpoint/2010/main" val="130432656"/>
+        <p14:creationId xmlns:p14="http://schemas.microsoft.com/office/powerpoint/2010/main" val="1287003492"/>
       </p:ext>
     </p:extLst>
   </p:cSld>
@@ -818,7 +818,7 @@
           <a:p>
             <a:fld id="{CC0F43FB-3F33-3F4B-9768-2FBED988F992}" type="slidenum">
               <a:rPr lang="en-IT" smtClean="0"/>
-              <a:t>16</a:t>
+              <a:t>15</a:t>
             </a:fld>
             <a:endParaRPr lang="en-IT"/>
           </a:p>
@@ -827,7 +827,7 @@
     </p:spTree>
     <p:extLst>
       <p:ext uri="{BB962C8B-B14F-4D97-AF65-F5344CB8AC3E}">
-        <p14:creationId xmlns:p14="http://schemas.microsoft.com/office/powerpoint/2010/main" val="1267694875"/>
+        <p14:creationId xmlns:p14="http://schemas.microsoft.com/office/powerpoint/2010/main" val="130432656"/>
       </p:ext>
     </p:extLst>
   </p:cSld>
@@ -902,7 +902,7 @@
           <a:p>
             <a:fld id="{CC0F43FB-3F33-3F4B-9768-2FBED988F992}" type="slidenum">
               <a:rPr lang="en-IT" smtClean="0"/>
-              <a:t>17</a:t>
+              <a:t>16</a:t>
             </a:fld>
             <a:endParaRPr lang="en-IT"/>
           </a:p>
@@ -911,7 +911,7 @@
     </p:spTree>
     <p:extLst>
       <p:ext uri="{BB962C8B-B14F-4D97-AF65-F5344CB8AC3E}">
-        <p14:creationId xmlns:p14="http://schemas.microsoft.com/office/powerpoint/2010/main" val="1600952910"/>
+        <p14:creationId xmlns:p14="http://schemas.microsoft.com/office/powerpoint/2010/main" val="1267694875"/>
       </p:ext>
     </p:extLst>
   </p:cSld>
@@ -986,7 +986,7 @@
           <a:p>
             <a:fld id="{CC0F43FB-3F33-3F4B-9768-2FBED988F992}" type="slidenum">
               <a:rPr lang="en-IT" smtClean="0"/>
-              <a:t>18</a:t>
+              <a:t>17</a:t>
             </a:fld>
             <a:endParaRPr lang="en-IT"/>
           </a:p>
@@ -995,7 +995,7 @@
     </p:spTree>
     <p:extLst>
       <p:ext uri="{BB962C8B-B14F-4D97-AF65-F5344CB8AC3E}">
-        <p14:creationId xmlns:p14="http://schemas.microsoft.com/office/powerpoint/2010/main" val="2932656494"/>
+        <p14:creationId xmlns:p14="http://schemas.microsoft.com/office/powerpoint/2010/main" val="1600952910"/>
       </p:ext>
     </p:extLst>
   </p:cSld>
@@ -1070,7 +1070,7 @@
           <a:p>
             <a:fld id="{CC0F43FB-3F33-3F4B-9768-2FBED988F992}" type="slidenum">
               <a:rPr lang="en-IT" smtClean="0"/>
-              <a:t>19</a:t>
+              <a:t>18</a:t>
             </a:fld>
             <a:endParaRPr lang="en-IT"/>
           </a:p>
@@ -1079,7 +1079,7 @@
     </p:spTree>
     <p:extLst>
       <p:ext uri="{BB962C8B-B14F-4D97-AF65-F5344CB8AC3E}">
-        <p14:creationId xmlns:p14="http://schemas.microsoft.com/office/powerpoint/2010/main" val="361118316"/>
+        <p14:creationId xmlns:p14="http://schemas.microsoft.com/office/powerpoint/2010/main" val="2932656494"/>
       </p:ext>
     </p:extLst>
   </p:cSld>
@@ -1154,7 +1154,7 @@
           <a:p>
             <a:fld id="{CC0F43FB-3F33-3F4B-9768-2FBED988F992}" type="slidenum">
               <a:rPr lang="en-IT" smtClean="0"/>
-              <a:t>21</a:t>
+              <a:t>19</a:t>
             </a:fld>
             <a:endParaRPr lang="en-IT"/>
           </a:p>
@@ -1163,7 +1163,7 @@
     </p:spTree>
     <p:extLst>
       <p:ext uri="{BB962C8B-B14F-4D97-AF65-F5344CB8AC3E}">
-        <p14:creationId xmlns:p14="http://schemas.microsoft.com/office/powerpoint/2010/main" val="417638834"/>
+        <p14:creationId xmlns:p14="http://schemas.microsoft.com/office/powerpoint/2010/main" val="361118316"/>
       </p:ext>
     </p:extLst>
   </p:cSld>
@@ -1238,7 +1238,7 @@
           <a:p>
             <a:fld id="{CC0F43FB-3F33-3F4B-9768-2FBED988F992}" type="slidenum">
               <a:rPr lang="en-IT" smtClean="0"/>
-              <a:t>23</a:t>
+              <a:t>21</a:t>
             </a:fld>
             <a:endParaRPr lang="en-IT"/>
           </a:p>
@@ -1247,7 +1247,7 @@
     </p:spTree>
     <p:extLst>
       <p:ext uri="{BB962C8B-B14F-4D97-AF65-F5344CB8AC3E}">
-        <p14:creationId xmlns:p14="http://schemas.microsoft.com/office/powerpoint/2010/main" val="1875895596"/>
+        <p14:creationId xmlns:p14="http://schemas.microsoft.com/office/powerpoint/2010/main" val="417638834"/>
       </p:ext>
     </p:extLst>
   </p:cSld>
@@ -1322,7 +1322,7 @@
           <a:p>
             <a:fld id="{CC0F43FB-3F33-3F4B-9768-2FBED988F992}" type="slidenum">
               <a:rPr lang="en-IT" smtClean="0"/>
-              <a:t>24</a:t>
+              <a:t>23</a:t>
             </a:fld>
             <a:endParaRPr lang="en-IT"/>
           </a:p>
@@ -1331,7 +1331,7 @@
     </p:spTree>
     <p:extLst>
       <p:ext uri="{BB962C8B-B14F-4D97-AF65-F5344CB8AC3E}">
-        <p14:creationId xmlns:p14="http://schemas.microsoft.com/office/powerpoint/2010/main" val="987308265"/>
+        <p14:creationId xmlns:p14="http://schemas.microsoft.com/office/powerpoint/2010/main" val="1875895596"/>
       </p:ext>
     </p:extLst>
   </p:cSld>
@@ -1406,7 +1406,7 @@
           <a:p>
             <a:fld id="{CC0F43FB-3F33-3F4B-9768-2FBED988F992}" type="slidenum">
               <a:rPr lang="en-IT" smtClean="0"/>
-              <a:t>25</a:t>
+              <a:t>24</a:t>
             </a:fld>
             <a:endParaRPr lang="en-IT"/>
           </a:p>
@@ -1415,7 +1415,7 @@
     </p:spTree>
     <p:extLst>
       <p:ext uri="{BB962C8B-B14F-4D97-AF65-F5344CB8AC3E}">
-        <p14:creationId xmlns:p14="http://schemas.microsoft.com/office/powerpoint/2010/main" val="879250274"/>
+        <p14:creationId xmlns:p14="http://schemas.microsoft.com/office/powerpoint/2010/main" val="987308265"/>
       </p:ext>
     </p:extLst>
   </p:cSld>
@@ -1490,7 +1490,7 @@
           <a:p>
             <a:fld id="{CC0F43FB-3F33-3F4B-9768-2FBED988F992}" type="slidenum">
               <a:rPr lang="en-IT" smtClean="0"/>
-              <a:t>4</a:t>
+              <a:t>3</a:t>
             </a:fld>
             <a:endParaRPr lang="en-IT"/>
           </a:p>
@@ -1499,7 +1499,7 @@
     </p:spTree>
     <p:extLst>
       <p:ext uri="{BB962C8B-B14F-4D97-AF65-F5344CB8AC3E}">
-        <p14:creationId xmlns:p14="http://schemas.microsoft.com/office/powerpoint/2010/main" val="3941390533"/>
+        <p14:creationId xmlns:p14="http://schemas.microsoft.com/office/powerpoint/2010/main" val="2426855832"/>
       </p:ext>
     </p:extLst>
   </p:cSld>
@@ -1574,7 +1574,7 @@
           <a:p>
             <a:fld id="{CC0F43FB-3F33-3F4B-9768-2FBED988F992}" type="slidenum">
               <a:rPr lang="en-IT" smtClean="0"/>
-              <a:t>26</a:t>
+              <a:t>25</a:t>
             </a:fld>
             <a:endParaRPr lang="en-IT"/>
           </a:p>
@@ -1583,7 +1583,7 @@
     </p:spTree>
     <p:extLst>
       <p:ext uri="{BB962C8B-B14F-4D97-AF65-F5344CB8AC3E}">
-        <p14:creationId xmlns:p14="http://schemas.microsoft.com/office/powerpoint/2010/main" val="769967792"/>
+        <p14:creationId xmlns:p14="http://schemas.microsoft.com/office/powerpoint/2010/main" val="879250274"/>
       </p:ext>
     </p:extLst>
   </p:cSld>
@@ -1658,7 +1658,7 @@
           <a:p>
             <a:fld id="{CC0F43FB-3F33-3F4B-9768-2FBED988F992}" type="slidenum">
               <a:rPr lang="en-IT" smtClean="0"/>
-              <a:t>27</a:t>
+              <a:t>26</a:t>
             </a:fld>
             <a:endParaRPr lang="en-IT"/>
           </a:p>
@@ -1667,7 +1667,7 @@
     </p:spTree>
     <p:extLst>
       <p:ext uri="{BB962C8B-B14F-4D97-AF65-F5344CB8AC3E}">
-        <p14:creationId xmlns:p14="http://schemas.microsoft.com/office/powerpoint/2010/main" val="3151892534"/>
+        <p14:creationId xmlns:p14="http://schemas.microsoft.com/office/powerpoint/2010/main" val="769967792"/>
       </p:ext>
     </p:extLst>
   </p:cSld>
@@ -1742,7 +1742,7 @@
           <a:p>
             <a:fld id="{CC0F43FB-3F33-3F4B-9768-2FBED988F992}" type="slidenum">
               <a:rPr lang="en-IT" smtClean="0"/>
-              <a:t>28</a:t>
+              <a:t>27</a:t>
             </a:fld>
             <a:endParaRPr lang="en-IT"/>
           </a:p>
@@ -1751,7 +1751,7 @@
     </p:spTree>
     <p:extLst>
       <p:ext uri="{BB962C8B-B14F-4D97-AF65-F5344CB8AC3E}">
-        <p14:creationId xmlns:p14="http://schemas.microsoft.com/office/powerpoint/2010/main" val="599017973"/>
+        <p14:creationId xmlns:p14="http://schemas.microsoft.com/office/powerpoint/2010/main" val="3151892534"/>
       </p:ext>
     </p:extLst>
   </p:cSld>
@@ -1826,6 +1826,90 @@
           <a:p>
             <a:fld id="{CC0F43FB-3F33-3F4B-9768-2FBED988F992}" type="slidenum">
               <a:rPr lang="en-IT" smtClean="0"/>
+              <a:t>28</a:t>
+            </a:fld>
+            <a:endParaRPr lang="en-IT"/>
+          </a:p>
+        </p:txBody>
+      </p:sp>
+    </p:spTree>
+    <p:extLst>
+      <p:ext uri="{BB962C8B-B14F-4D97-AF65-F5344CB8AC3E}">
+        <p14:creationId xmlns:p14="http://schemas.microsoft.com/office/powerpoint/2010/main" val="599017973"/>
+      </p:ext>
+    </p:extLst>
+  </p:cSld>
+  <p:clrMapOvr>
+    <a:masterClrMapping/>
+  </p:clrMapOvr>
+</p:notes>
+</file>
+
+<file path=ppt/notesSlides/notesSlide24.xml><?xml version="1.0" encoding="utf-8"?>
+<p:notes xmlns:a="http://schemas.openxmlformats.org/drawingml/2006/main" xmlns:r="http://schemas.openxmlformats.org/officeDocument/2006/relationships" xmlns:p="http://schemas.openxmlformats.org/presentationml/2006/main">
+  <p:cSld>
+    <p:spTree>
+      <p:nvGrpSpPr>
+        <p:cNvPr id="1" name=""/>
+        <p:cNvGrpSpPr/>
+        <p:nvPr/>
+      </p:nvGrpSpPr>
+      <p:grpSpPr>
+        <a:xfrm>
+          <a:off x="0" y="0"/>
+          <a:ext cx="0" cy="0"/>
+          <a:chOff x="0" y="0"/>
+          <a:chExt cx="0" cy="0"/>
+        </a:xfrm>
+      </p:grpSpPr>
+      <p:sp>
+        <p:nvSpPr>
+          <p:cNvPr id="2" name="Slide Image Placeholder 1"/>
+          <p:cNvSpPr>
+            <a:spLocks noGrp="1" noRot="1" noChangeAspect="1"/>
+          </p:cNvSpPr>
+          <p:nvPr>
+            <p:ph type="sldImg"/>
+          </p:nvPr>
+        </p:nvSpPr>
+        <p:spPr/>
+      </p:sp>
+      <p:sp>
+        <p:nvSpPr>
+          <p:cNvPr id="3" name="Notes Placeholder 2"/>
+          <p:cNvSpPr>
+            <a:spLocks noGrp="1"/>
+          </p:cNvSpPr>
+          <p:nvPr>
+            <p:ph type="body" idx="1"/>
+          </p:nvPr>
+        </p:nvSpPr>
+        <p:spPr/>
+        <p:txBody>
+          <a:bodyPr/>
+          <a:lstStyle/>
+          <a:p>
+            <a:endParaRPr lang="en-IT" dirty="0"/>
+          </a:p>
+        </p:txBody>
+      </p:sp>
+      <p:sp>
+        <p:nvSpPr>
+          <p:cNvPr id="4" name="Slide Number Placeholder 3"/>
+          <p:cNvSpPr>
+            <a:spLocks noGrp="1"/>
+          </p:cNvSpPr>
+          <p:nvPr>
+            <p:ph type="sldNum" sz="quarter" idx="5"/>
+          </p:nvPr>
+        </p:nvSpPr>
+        <p:spPr/>
+        <p:txBody>
+          <a:bodyPr/>
+          <a:lstStyle/>
+          <a:p>
+            <a:fld id="{CC0F43FB-3F33-3F4B-9768-2FBED988F992}" type="slidenum">
+              <a:rPr lang="en-IT" smtClean="0"/>
               <a:t>29</a:t>
             </a:fld>
             <a:endParaRPr lang="en-IT"/>
@@ -1845,7 +1929,7 @@
 </p:notes>
 </file>
 
-<file path=ppt/notesSlides/notesSlide24.xml><?xml version="1.0" encoding="utf-8"?>
+<file path=ppt/notesSlides/notesSlide25.xml><?xml version="1.0" encoding="utf-8"?>
 <p:notes xmlns:a="http://schemas.openxmlformats.org/drawingml/2006/main" xmlns:r="http://schemas.openxmlformats.org/officeDocument/2006/relationships" xmlns:p="http://schemas.openxmlformats.org/presentationml/2006/main">
   <p:cSld>
     <p:spTree>
@@ -1994,7 +2078,7 @@
           <a:p>
             <a:fld id="{CC0F43FB-3F33-3F4B-9768-2FBED988F992}" type="slidenum">
               <a:rPr lang="en-IT" smtClean="0"/>
-              <a:t>6</a:t>
+              <a:t>4</a:t>
             </a:fld>
             <a:endParaRPr lang="en-IT"/>
           </a:p>
@@ -2003,7 +2087,7 @@
     </p:spTree>
     <p:extLst>
       <p:ext uri="{BB962C8B-B14F-4D97-AF65-F5344CB8AC3E}">
-        <p14:creationId xmlns:p14="http://schemas.microsoft.com/office/powerpoint/2010/main" val="548012210"/>
+        <p14:creationId xmlns:p14="http://schemas.microsoft.com/office/powerpoint/2010/main" val="3941390533"/>
       </p:ext>
     </p:extLst>
   </p:cSld>
@@ -2078,7 +2162,7 @@
           <a:p>
             <a:fld id="{CC0F43FB-3F33-3F4B-9768-2FBED988F992}" type="slidenum">
               <a:rPr lang="en-IT" smtClean="0"/>
-              <a:t>7</a:t>
+              <a:t>6</a:t>
             </a:fld>
             <a:endParaRPr lang="en-IT"/>
           </a:p>
@@ -2087,7 +2171,7 @@
     </p:spTree>
     <p:extLst>
       <p:ext uri="{BB962C8B-B14F-4D97-AF65-F5344CB8AC3E}">
-        <p14:creationId xmlns:p14="http://schemas.microsoft.com/office/powerpoint/2010/main" val="1490808368"/>
+        <p14:creationId xmlns:p14="http://schemas.microsoft.com/office/powerpoint/2010/main" val="548012210"/>
       </p:ext>
     </p:extLst>
   </p:cSld>
@@ -2162,7 +2246,7 @@
           <a:p>
             <a:fld id="{CC0F43FB-3F33-3F4B-9768-2FBED988F992}" type="slidenum">
               <a:rPr lang="en-IT" smtClean="0"/>
-              <a:t>8</a:t>
+              <a:t>7</a:t>
             </a:fld>
             <a:endParaRPr lang="en-IT"/>
           </a:p>
@@ -2171,7 +2255,7 @@
     </p:spTree>
     <p:extLst>
       <p:ext uri="{BB962C8B-B14F-4D97-AF65-F5344CB8AC3E}">
-        <p14:creationId xmlns:p14="http://schemas.microsoft.com/office/powerpoint/2010/main" val="3670675861"/>
+        <p14:creationId xmlns:p14="http://schemas.microsoft.com/office/powerpoint/2010/main" val="1490808368"/>
       </p:ext>
     </p:extLst>
   </p:cSld>
@@ -2246,7 +2330,7 @@
           <a:p>
             <a:fld id="{CC0F43FB-3F33-3F4B-9768-2FBED988F992}" type="slidenum">
               <a:rPr lang="en-IT" smtClean="0"/>
-              <a:t>9</a:t>
+              <a:t>8</a:t>
             </a:fld>
             <a:endParaRPr lang="en-IT"/>
           </a:p>
@@ -2255,7 +2339,7 @@
     </p:spTree>
     <p:extLst>
       <p:ext uri="{BB962C8B-B14F-4D97-AF65-F5344CB8AC3E}">
-        <p14:creationId xmlns:p14="http://schemas.microsoft.com/office/powerpoint/2010/main" val="2564456326"/>
+        <p14:creationId xmlns:p14="http://schemas.microsoft.com/office/powerpoint/2010/main" val="3670675861"/>
       </p:ext>
     </p:extLst>
   </p:cSld>
@@ -2330,7 +2414,7 @@
           <a:p>
             <a:fld id="{CC0F43FB-3F33-3F4B-9768-2FBED988F992}" type="slidenum">
               <a:rPr lang="en-IT" smtClean="0"/>
-              <a:t>10</a:t>
+              <a:t>9</a:t>
             </a:fld>
             <a:endParaRPr lang="en-IT"/>
           </a:p>
@@ -2339,7 +2423,7 @@
     </p:spTree>
     <p:extLst>
       <p:ext uri="{BB962C8B-B14F-4D97-AF65-F5344CB8AC3E}">
-        <p14:creationId xmlns:p14="http://schemas.microsoft.com/office/powerpoint/2010/main" val="1241454245"/>
+        <p14:creationId xmlns:p14="http://schemas.microsoft.com/office/powerpoint/2010/main" val="2564456326"/>
       </p:ext>
     </p:extLst>
   </p:cSld>
@@ -2414,7 +2498,7 @@
           <a:p>
             <a:fld id="{CC0F43FB-3F33-3F4B-9768-2FBED988F992}" type="slidenum">
               <a:rPr lang="en-IT" smtClean="0"/>
-              <a:t>11</a:t>
+              <a:t>10</a:t>
             </a:fld>
             <a:endParaRPr lang="en-IT"/>
           </a:p>
@@ -2423,7 +2507,7 @@
     </p:spTree>
     <p:extLst>
       <p:ext uri="{BB962C8B-B14F-4D97-AF65-F5344CB8AC3E}">
-        <p14:creationId xmlns:p14="http://schemas.microsoft.com/office/powerpoint/2010/main" val="128434096"/>
+        <p14:creationId xmlns:p14="http://schemas.microsoft.com/office/powerpoint/2010/main" val="1241454245"/>
       </p:ext>
     </p:extLst>
   </p:cSld>
@@ -2498,7 +2582,7 @@
           <a:p>
             <a:fld id="{CC0F43FB-3F33-3F4B-9768-2FBED988F992}" type="slidenum">
               <a:rPr lang="en-IT" smtClean="0"/>
-              <a:t>12</a:t>
+              <a:t>11</a:t>
             </a:fld>
             <a:endParaRPr lang="en-IT"/>
           </a:p>
@@ -2507,7 +2591,7 @@
     </p:spTree>
     <p:extLst>
       <p:ext uri="{BB962C8B-B14F-4D97-AF65-F5344CB8AC3E}">
-        <p14:creationId xmlns:p14="http://schemas.microsoft.com/office/powerpoint/2010/main" val="3798116206"/>
+        <p14:creationId xmlns:p14="http://schemas.microsoft.com/office/powerpoint/2010/main" val="128434096"/>
       </p:ext>
     </p:extLst>
   </p:cSld>
@@ -14159,52 +14243,100 @@
           <a:lstStyle/>
           <a:p>
             <a:r>
-              <a:rPr lang="en-IT" dirty="0"/>
+              <a:rPr lang="en-IT" b="1" dirty="0"/>
               <a:t>Recap</a:t>
             </a:r>
           </a:p>
           <a:p>
             <a:r>
-              <a:rPr lang="en-IT" dirty="0"/>
+              <a:rPr lang="en-IT" dirty="0">
+                <a:solidFill>
+                  <a:schemeClr val="bg1">
+                    <a:lumMod val="75000"/>
+                  </a:schemeClr>
+                </a:solidFill>
+              </a:rPr>
               <a:t>Classes</a:t>
             </a:r>
           </a:p>
           <a:p>
             <a:r>
-              <a:rPr lang="en-IT" dirty="0"/>
+              <a:rPr lang="en-IT" dirty="0">
+                <a:solidFill>
+                  <a:schemeClr val="bg1">
+                    <a:lumMod val="75000"/>
+                  </a:schemeClr>
+                </a:solidFill>
+              </a:rPr>
               <a:t>Inheritance</a:t>
             </a:r>
           </a:p>
           <a:p>
             <a:r>
-              <a:rPr lang="en-IT" dirty="0"/>
+              <a:rPr lang="en-IT" dirty="0">
+                <a:solidFill>
+                  <a:schemeClr val="bg1">
+                    <a:lumMod val="75000"/>
+                  </a:schemeClr>
+                </a:solidFill>
+              </a:rPr>
               <a:t>Other things</a:t>
             </a:r>
           </a:p>
           <a:p>
             <a:r>
-              <a:rPr lang="en-IT" dirty="0"/>
+              <a:rPr lang="en-IT" dirty="0">
+                <a:solidFill>
+                  <a:schemeClr val="bg1">
+                    <a:lumMod val="75000"/>
+                  </a:schemeClr>
+                </a:solidFill>
+              </a:rPr>
               <a:t>Asynchrony</a:t>
             </a:r>
           </a:p>
           <a:p>
-            <a:endParaRPr lang="en-IT" dirty="0"/>
-          </a:p>
-          <a:p>
-            <a:r>
-              <a:rPr lang="en-IT" dirty="0"/>
+            <a:endParaRPr lang="en-IT" dirty="0">
+              <a:solidFill>
+                <a:schemeClr val="bg1">
+                  <a:lumMod val="75000"/>
+                </a:schemeClr>
+              </a:solidFill>
+            </a:endParaRPr>
+          </a:p>
+          <a:p>
+            <a:r>
+              <a:rPr lang="en-IT" dirty="0">
+                <a:solidFill>
+                  <a:schemeClr val="bg1">
+                    <a:lumMod val="75000"/>
+                  </a:schemeClr>
+                </a:solidFill>
+              </a:rPr>
               <a:t>Exercises</a:t>
             </a:r>
           </a:p>
           <a:p>
             <a:r>
-              <a:rPr lang="en-IT" dirty="0"/>
+              <a:rPr lang="en-IT" dirty="0">
+                <a:solidFill>
+                  <a:schemeClr val="bg1">
+                    <a:lumMod val="75000"/>
+                  </a:schemeClr>
+                </a:solidFill>
+              </a:rPr>
               <a:t>Homework</a:t>
             </a:r>
           </a:p>
           <a:p>
             <a:r>
-              <a:rPr lang="en-IT" dirty="0"/>
+              <a:rPr lang="en-IT" dirty="0">
+                <a:solidFill>
+                  <a:schemeClr val="bg1">
+                    <a:lumMod val="75000"/>
+                  </a:schemeClr>
+                </a:solidFill>
+              </a:rPr>
               <a:t>Resources</a:t>
             </a:r>
           </a:p>
@@ -14213,7 +14345,7 @@
     </p:spTree>
     <p:extLst>
       <p:ext uri="{BB962C8B-B14F-4D97-AF65-F5344CB8AC3E}">
-        <p14:creationId xmlns:p14="http://schemas.microsoft.com/office/powerpoint/2010/main" val="3956301766"/>
+        <p14:creationId xmlns:p14="http://schemas.microsoft.com/office/powerpoint/2010/main" val="357888541"/>
       </p:ext>
     </p:extLst>
   </p:cSld>
@@ -16863,138 +16995,2097 @@
           <a:p>
             <a:r>
               <a:rPr lang="en-IT" dirty="0"/>
-              <a:t>Outline</a:t>
+              <a:t>Recap</a:t>
             </a:r>
           </a:p>
         </p:txBody>
       </p:sp>
       <p:sp>
         <p:nvSpPr>
-          <p:cNvPr id="3" name="Content Placeholder 2">
+          <p:cNvPr id="6" name="Rectangle 5">
             <a:extLst>
               <a:ext uri="{FF2B5EF4-FFF2-40B4-BE49-F238E27FC236}">
-                <a16:creationId xmlns:a16="http://schemas.microsoft.com/office/drawing/2014/main" id="{8962CCAC-9D70-C543-BBE0-822B6CB5F5CB}"/>
+                <a16:creationId xmlns:a16="http://schemas.microsoft.com/office/drawing/2014/main" id="{4F59339E-8A81-2441-8894-466CF2091C4C}"/>
               </a:ext>
             </a:extLst>
           </p:cNvPr>
-          <p:cNvSpPr>
-            <a:spLocks noGrp="1"/>
+          <p:cNvSpPr/>
+          <p:nvPr/>
+        </p:nvSpPr>
+        <p:spPr>
+          <a:xfrm>
+            <a:off x="3262086" y="2757271"/>
+            <a:ext cx="2571750" cy="860243"/>
+          </a:xfrm>
+          <a:prstGeom prst="rect">
+            <a:avLst/>
+          </a:prstGeom>
+          <a:ln w="38100">
+            <a:solidFill>
+              <a:schemeClr val="accent1"/>
+            </a:solidFill>
+          </a:ln>
+        </p:spPr>
+        <p:style>
+          <a:lnRef idx="2">
+            <a:schemeClr val="accent6"/>
+          </a:lnRef>
+          <a:fillRef idx="1">
+            <a:schemeClr val="lt1"/>
+          </a:fillRef>
+          <a:effectRef idx="0">
+            <a:schemeClr val="accent6"/>
+          </a:effectRef>
+          <a:fontRef idx="minor">
+            <a:schemeClr val="dk1"/>
+          </a:fontRef>
+        </p:style>
+        <p:txBody>
+          <a:bodyPr rtlCol="0" anchor="ctr"/>
+          <a:lstStyle/>
+          <a:p>
+            <a:pPr algn="ctr"/>
+            <a:r>
+              <a:rPr lang="en-IT" dirty="0">
+                <a:latin typeface="Palatino Linotype" panose="02040502050505030304" pitchFamily="18" charset="0"/>
+              </a:rPr>
+              <a:t>Navigate between screens</a:t>
+            </a:r>
+          </a:p>
+        </p:txBody>
+      </p:sp>
+      <p:sp>
+        <p:nvSpPr>
+          <p:cNvPr id="8" name="Rectangle 7">
+            <a:extLst>
+              <a:ext uri="{FF2B5EF4-FFF2-40B4-BE49-F238E27FC236}">
+                <a16:creationId xmlns:a16="http://schemas.microsoft.com/office/drawing/2014/main" id="{A3DA10E2-4B67-4448-8871-FA03D68FCBE9}"/>
+              </a:ext>
+            </a:extLst>
+          </p:cNvPr>
+          <p:cNvSpPr/>
+          <p:nvPr/>
+        </p:nvSpPr>
+        <p:spPr>
+          <a:xfrm>
+            <a:off x="6301925" y="1506748"/>
+            <a:ext cx="2571750" cy="860243"/>
+          </a:xfrm>
+          <a:prstGeom prst="rect">
+            <a:avLst/>
+          </a:prstGeom>
+          <a:noFill/>
+          <a:ln w="38100">
+            <a:solidFill>
+              <a:srgbClr val="FFC000"/>
+            </a:solidFill>
+          </a:ln>
+        </p:spPr>
+        <p:style>
+          <a:lnRef idx="2">
+            <a:schemeClr val="accent6"/>
+          </a:lnRef>
+          <a:fillRef idx="1">
+            <a:schemeClr val="lt1"/>
+          </a:fillRef>
+          <a:effectRef idx="0">
+            <a:schemeClr val="accent6"/>
+          </a:effectRef>
+          <a:fontRef idx="minor">
+            <a:schemeClr val="dk1"/>
+          </a:fontRef>
+        </p:style>
+        <p:txBody>
+          <a:bodyPr rtlCol="0" anchor="ctr"/>
+          <a:lstStyle/>
+          <a:p>
+            <a:pPr algn="ctr"/>
+            <a:r>
+              <a:rPr lang="en-IT" dirty="0">
+                <a:latin typeface="Palatino Linotype" panose="02040502050505030304" pitchFamily="18" charset="0"/>
+              </a:rPr>
+              <a:t>Make simple API calls</a:t>
+            </a:r>
+          </a:p>
+        </p:txBody>
+      </p:sp>
+      <p:sp>
+        <p:nvSpPr>
+          <p:cNvPr id="9" name="Rectangle 8">
+            <a:extLst>
+              <a:ext uri="{FF2B5EF4-FFF2-40B4-BE49-F238E27FC236}">
+                <a16:creationId xmlns:a16="http://schemas.microsoft.com/office/drawing/2014/main" id="{91A96BC1-682C-AC4F-AE0B-DE841D7AAA23}"/>
+              </a:ext>
+            </a:extLst>
+          </p:cNvPr>
+          <p:cNvSpPr/>
+          <p:nvPr/>
+        </p:nvSpPr>
+        <p:spPr>
+          <a:xfrm>
+            <a:off x="6287293" y="2757271"/>
+            <a:ext cx="2571750" cy="860243"/>
+          </a:xfrm>
+          <a:prstGeom prst="rect">
+            <a:avLst/>
+          </a:prstGeom>
+          <a:ln w="38100">
+            <a:solidFill>
+              <a:srgbClr val="FFC000"/>
+            </a:solidFill>
+          </a:ln>
+        </p:spPr>
+        <p:style>
+          <a:lnRef idx="2">
+            <a:schemeClr val="accent6"/>
+          </a:lnRef>
+          <a:fillRef idx="1">
+            <a:schemeClr val="lt1"/>
+          </a:fillRef>
+          <a:effectRef idx="0">
+            <a:schemeClr val="accent6"/>
+          </a:effectRef>
+          <a:fontRef idx="minor">
+            <a:schemeClr val="dk1"/>
+          </a:fontRef>
+        </p:style>
+        <p:txBody>
+          <a:bodyPr rtlCol="0" anchor="ctr"/>
+          <a:lstStyle/>
+          <a:p>
+            <a:pPr algn="ctr"/>
+            <a:r>
+              <a:rPr lang="en-IT" dirty="0">
+                <a:latin typeface="Palatino Linotype" panose="02040502050505030304" pitchFamily="18" charset="0"/>
+              </a:rPr>
+              <a:t>Fetch wearable data</a:t>
+            </a:r>
+          </a:p>
+        </p:txBody>
+      </p:sp>
+      <p:sp>
+        <p:nvSpPr>
+          <p:cNvPr id="11" name="Rectangle 10">
+            <a:extLst>
+              <a:ext uri="{FF2B5EF4-FFF2-40B4-BE49-F238E27FC236}">
+                <a16:creationId xmlns:a16="http://schemas.microsoft.com/office/drawing/2014/main" id="{DA0C45BF-9708-D246-AF7A-63F93085FA1B}"/>
+              </a:ext>
+            </a:extLst>
+          </p:cNvPr>
+          <p:cNvSpPr/>
+          <p:nvPr/>
+        </p:nvSpPr>
+        <p:spPr>
+          <a:xfrm>
+            <a:off x="3262086" y="1510133"/>
+            <a:ext cx="2571750" cy="860243"/>
+          </a:xfrm>
+          <a:prstGeom prst="rect">
+            <a:avLst/>
+          </a:prstGeom>
+          <a:noFill/>
+          <a:ln w="38100">
+            <a:solidFill>
+              <a:schemeClr val="accent1"/>
+            </a:solidFill>
+          </a:ln>
+        </p:spPr>
+        <p:style>
+          <a:lnRef idx="2">
+            <a:schemeClr val="accent6"/>
+          </a:lnRef>
+          <a:fillRef idx="1">
+            <a:schemeClr val="lt1"/>
+          </a:fillRef>
+          <a:effectRef idx="0">
+            <a:schemeClr val="accent6"/>
+          </a:effectRef>
+          <a:fontRef idx="minor">
+            <a:schemeClr val="dk1"/>
+          </a:fontRef>
+        </p:style>
+        <p:txBody>
+          <a:bodyPr rtlCol="0" anchor="ctr"/>
+          <a:lstStyle/>
+          <a:p>
+            <a:pPr algn="ctr"/>
+            <a:r>
+              <a:rPr lang="en-IT" dirty="0">
+                <a:latin typeface="Palatino Linotype" panose="02040502050505030304" pitchFamily="18" charset="0"/>
+              </a:rPr>
+              <a:t>Create a layout</a:t>
+            </a:r>
+          </a:p>
+        </p:txBody>
+      </p:sp>
+      <p:sp>
+        <p:nvSpPr>
+          <p:cNvPr id="12" name="Rectangle 11">
+            <a:extLst>
+              <a:ext uri="{FF2B5EF4-FFF2-40B4-BE49-F238E27FC236}">
+                <a16:creationId xmlns:a16="http://schemas.microsoft.com/office/drawing/2014/main" id="{89A3CF9B-84DE-9A4C-9E18-FBA6C2A9FAAE}"/>
+              </a:ext>
+            </a:extLst>
+          </p:cNvPr>
+          <p:cNvSpPr/>
+          <p:nvPr/>
+        </p:nvSpPr>
+        <p:spPr>
+          <a:xfrm>
+            <a:off x="9303992" y="2752427"/>
+            <a:ext cx="2571750" cy="860243"/>
+          </a:xfrm>
+          <a:prstGeom prst="rect">
+            <a:avLst/>
+          </a:prstGeom>
+          <a:ln w="38100">
+            <a:solidFill>
+              <a:srgbClr val="7030A0"/>
+            </a:solidFill>
+          </a:ln>
+        </p:spPr>
+        <p:style>
+          <a:lnRef idx="2">
+            <a:schemeClr val="accent6"/>
+          </a:lnRef>
+          <a:fillRef idx="1">
+            <a:schemeClr val="lt1"/>
+          </a:fillRef>
+          <a:effectRef idx="0">
+            <a:schemeClr val="accent6"/>
+          </a:effectRef>
+          <a:fontRef idx="minor">
+            <a:schemeClr val="dk1"/>
+          </a:fontRef>
+        </p:style>
+        <p:txBody>
+          <a:bodyPr rtlCol="0" anchor="ctr"/>
+          <a:lstStyle/>
+          <a:p>
+            <a:pPr algn="ctr"/>
+            <a:r>
+              <a:rPr lang="en-IT" dirty="0">
+                <a:latin typeface="Palatino Linotype" panose="02040502050505030304" pitchFamily="18" charset="0"/>
+              </a:rPr>
+              <a:t>Persist user data</a:t>
+            </a:r>
+          </a:p>
+        </p:txBody>
+      </p:sp>
+      <p:sp>
+        <p:nvSpPr>
+          <p:cNvPr id="13" name="Rectangle 12">
+            <a:extLst>
+              <a:ext uri="{FF2B5EF4-FFF2-40B4-BE49-F238E27FC236}">
+                <a16:creationId xmlns:a16="http://schemas.microsoft.com/office/drawing/2014/main" id="{B59EA357-0CE7-EE42-AA24-CF594C57CF30}"/>
+              </a:ext>
+            </a:extLst>
+          </p:cNvPr>
+          <p:cNvSpPr/>
+          <p:nvPr/>
+        </p:nvSpPr>
+        <p:spPr>
+          <a:xfrm>
+            <a:off x="3262086" y="4006100"/>
+            <a:ext cx="2571750" cy="860243"/>
+          </a:xfrm>
+          <a:prstGeom prst="rect">
+            <a:avLst/>
+          </a:prstGeom>
+          <a:ln w="38100">
+            <a:solidFill>
+              <a:schemeClr val="accent1"/>
+            </a:solidFill>
+          </a:ln>
+        </p:spPr>
+        <p:style>
+          <a:lnRef idx="2">
+            <a:schemeClr val="accent6"/>
+          </a:lnRef>
+          <a:fillRef idx="1">
+            <a:schemeClr val="lt1"/>
+          </a:fillRef>
+          <a:effectRef idx="0">
+            <a:schemeClr val="accent6"/>
+          </a:effectRef>
+          <a:fontRef idx="minor">
+            <a:schemeClr val="dk1"/>
+          </a:fontRef>
+        </p:style>
+        <p:txBody>
+          <a:bodyPr rtlCol="0" anchor="ctr"/>
+          <a:lstStyle/>
+          <a:p>
+            <a:pPr algn="ctr"/>
+            <a:r>
+              <a:rPr lang="en-IT" dirty="0">
+                <a:latin typeface="Palatino Linotype" panose="02040502050505030304" pitchFamily="18" charset="0"/>
+              </a:rPr>
+              <a:t>Manage the app state</a:t>
+            </a:r>
+          </a:p>
+        </p:txBody>
+      </p:sp>
+      <p:sp>
+        <p:nvSpPr>
+          <p:cNvPr id="14" name="Rectangle 13">
+            <a:extLst>
+              <a:ext uri="{FF2B5EF4-FFF2-40B4-BE49-F238E27FC236}">
+                <a16:creationId xmlns:a16="http://schemas.microsoft.com/office/drawing/2014/main" id="{59891CCE-800C-D14F-AC56-D2B57CD4489C}"/>
+              </a:ext>
+            </a:extLst>
+          </p:cNvPr>
+          <p:cNvSpPr/>
+          <p:nvPr/>
+        </p:nvSpPr>
+        <p:spPr>
+          <a:xfrm>
+            <a:off x="428173" y="4001893"/>
+            <a:ext cx="2571750" cy="860243"/>
+          </a:xfrm>
+          <a:prstGeom prst="rect">
+            <a:avLst/>
+          </a:prstGeom>
+          <a:ln w="38100">
+            <a:solidFill>
+              <a:schemeClr val="accent1"/>
+            </a:solidFill>
+          </a:ln>
+        </p:spPr>
+        <p:style>
+          <a:lnRef idx="2">
+            <a:schemeClr val="accent6"/>
+          </a:lnRef>
+          <a:fillRef idx="1">
+            <a:schemeClr val="lt1"/>
+          </a:fillRef>
+          <a:effectRef idx="0">
+            <a:schemeClr val="accent6"/>
+          </a:effectRef>
+          <a:fontRef idx="minor">
+            <a:schemeClr val="dk1"/>
+          </a:fontRef>
+        </p:style>
+        <p:txBody>
+          <a:bodyPr rtlCol="0" anchor="ctr"/>
+          <a:lstStyle/>
+          <a:p>
+            <a:pPr algn="ctr"/>
+            <a:r>
+              <a:rPr lang="en-IT" dirty="0">
+                <a:latin typeface="Palatino Linotype" panose="02040502050505030304" pitchFamily="18" charset="0"/>
+              </a:rPr>
+              <a:t>Understand Flutter’s principles</a:t>
+            </a:r>
+          </a:p>
+        </p:txBody>
+      </p:sp>
+      <p:sp>
+        <p:nvSpPr>
+          <p:cNvPr id="15" name="Rectangle 14">
+            <a:extLst>
+              <a:ext uri="{FF2B5EF4-FFF2-40B4-BE49-F238E27FC236}">
+                <a16:creationId xmlns:a16="http://schemas.microsoft.com/office/drawing/2014/main" id="{4578F71A-FE43-5D4A-9447-12A5D61DBED5}"/>
+              </a:ext>
+            </a:extLst>
+          </p:cNvPr>
+          <p:cNvSpPr/>
+          <p:nvPr/>
+        </p:nvSpPr>
+        <p:spPr>
+          <a:xfrm>
+            <a:off x="428173" y="2757271"/>
+            <a:ext cx="2571750" cy="860243"/>
+          </a:xfrm>
+          <a:prstGeom prst="rect">
+            <a:avLst/>
+          </a:prstGeom>
+          <a:solidFill>
+            <a:srgbClr val="FFFF00"/>
+          </a:solidFill>
+          <a:ln w="38100">
+            <a:solidFill>
+              <a:schemeClr val="accent1"/>
+            </a:solidFill>
+          </a:ln>
+        </p:spPr>
+        <p:style>
+          <a:lnRef idx="2">
+            <a:schemeClr val="accent6"/>
+          </a:lnRef>
+          <a:fillRef idx="1">
+            <a:schemeClr val="lt1"/>
+          </a:fillRef>
+          <a:effectRef idx="0">
+            <a:schemeClr val="accent6"/>
+          </a:effectRef>
+          <a:fontRef idx="minor">
+            <a:schemeClr val="dk1"/>
+          </a:fontRef>
+        </p:style>
+        <p:txBody>
+          <a:bodyPr rtlCol="0" anchor="ctr"/>
+          <a:lstStyle/>
+          <a:p>
+            <a:pPr algn="ctr"/>
+            <a:r>
+              <a:rPr lang="en-IT" dirty="0">
+                <a:latin typeface="Palatino Linotype" panose="02040502050505030304" pitchFamily="18" charset="0"/>
+              </a:rPr>
+              <a:t>Get familiar with Dart</a:t>
+            </a:r>
+          </a:p>
+        </p:txBody>
+      </p:sp>
+      <p:sp>
+        <p:nvSpPr>
+          <p:cNvPr id="16" name="Rectangle 15">
+            <a:extLst>
+              <a:ext uri="{FF2B5EF4-FFF2-40B4-BE49-F238E27FC236}">
+                <a16:creationId xmlns:a16="http://schemas.microsoft.com/office/drawing/2014/main" id="{F06EC684-AEE0-714D-BA51-7C00C2C4DCF1}"/>
+              </a:ext>
+            </a:extLst>
+          </p:cNvPr>
+          <p:cNvSpPr/>
+          <p:nvPr/>
+        </p:nvSpPr>
+        <p:spPr>
+          <a:xfrm>
+            <a:off x="428173" y="1510134"/>
+            <a:ext cx="2571750" cy="860243"/>
+          </a:xfrm>
+          <a:prstGeom prst="rect">
+            <a:avLst/>
+          </a:prstGeom>
+          <a:ln w="38100">
+            <a:solidFill>
+              <a:schemeClr val="accent1"/>
+            </a:solidFill>
+          </a:ln>
+        </p:spPr>
+        <p:style>
+          <a:lnRef idx="2">
+            <a:schemeClr val="accent6"/>
+          </a:lnRef>
+          <a:fillRef idx="1">
+            <a:schemeClr val="lt1"/>
+          </a:fillRef>
+          <a:effectRef idx="0">
+            <a:schemeClr val="accent6"/>
+          </a:effectRef>
+          <a:fontRef idx="minor">
+            <a:schemeClr val="dk1"/>
+          </a:fontRef>
+        </p:style>
+        <p:txBody>
+          <a:bodyPr rtlCol="0" anchor="ctr"/>
+          <a:lstStyle/>
+          <a:p>
+            <a:pPr algn="ctr"/>
+            <a:r>
+              <a:rPr lang="en-IT" dirty="0">
+                <a:latin typeface="Palatino Linotype" panose="02040502050505030304" pitchFamily="18" charset="0"/>
+              </a:rPr>
+              <a:t>Collaborate and version code</a:t>
+            </a:r>
+          </a:p>
+        </p:txBody>
+      </p:sp>
+      <p:sp>
+        <p:nvSpPr>
+          <p:cNvPr id="17" name="Rectangle 16">
+            <a:extLst>
+              <a:ext uri="{FF2B5EF4-FFF2-40B4-BE49-F238E27FC236}">
+                <a16:creationId xmlns:a16="http://schemas.microsoft.com/office/drawing/2014/main" id="{C2EFE1B8-79ED-B645-A1A5-DD1C452F5C1B}"/>
+              </a:ext>
+            </a:extLst>
+          </p:cNvPr>
+          <p:cNvSpPr/>
+          <p:nvPr/>
+        </p:nvSpPr>
+        <p:spPr>
+          <a:xfrm>
+            <a:off x="9303992" y="1498505"/>
+            <a:ext cx="2571750" cy="860243"/>
+          </a:xfrm>
+          <a:prstGeom prst="rect">
+            <a:avLst/>
+          </a:prstGeom>
+          <a:ln w="38100">
+            <a:solidFill>
+              <a:srgbClr val="7030A0"/>
+            </a:solidFill>
+          </a:ln>
+        </p:spPr>
+        <p:style>
+          <a:lnRef idx="2">
+            <a:schemeClr val="accent6"/>
+          </a:lnRef>
+          <a:fillRef idx="1">
+            <a:schemeClr val="lt1"/>
+          </a:fillRef>
+          <a:effectRef idx="0">
+            <a:schemeClr val="accent6"/>
+          </a:effectRef>
+          <a:fontRef idx="minor">
+            <a:schemeClr val="dk1"/>
+          </a:fontRef>
+        </p:style>
+        <p:txBody>
+          <a:bodyPr rtlCol="0" anchor="ctr"/>
+          <a:lstStyle/>
+          <a:p>
+            <a:pPr algn="ctr"/>
+            <a:r>
+              <a:rPr lang="en-IT" dirty="0">
+                <a:latin typeface="Palatino Linotype" panose="02040502050505030304" pitchFamily="18" charset="0"/>
+              </a:rPr>
+              <a:t>Implement user authentication</a:t>
+            </a:r>
+          </a:p>
+        </p:txBody>
+      </p:sp>
+      <p:sp>
+        <p:nvSpPr>
+          <p:cNvPr id="18" name="Rectangle 17">
+            <a:extLst>
+              <a:ext uri="{FF2B5EF4-FFF2-40B4-BE49-F238E27FC236}">
+                <a16:creationId xmlns:a16="http://schemas.microsoft.com/office/drawing/2014/main" id="{7A69206F-E158-C04A-AA9B-1F9FCE860BD3}"/>
+              </a:ext>
+            </a:extLst>
+          </p:cNvPr>
+          <p:cNvSpPr/>
+          <p:nvPr/>
+        </p:nvSpPr>
+        <p:spPr>
+          <a:xfrm>
+            <a:off x="428173" y="5818578"/>
+            <a:ext cx="11553370" cy="453753"/>
+          </a:xfrm>
+          <a:prstGeom prst="rect">
+            <a:avLst/>
+          </a:prstGeom>
+          <a:ln w="38100"/>
+        </p:spPr>
+        <p:style>
+          <a:lnRef idx="2">
+            <a:schemeClr val="accent6"/>
+          </a:lnRef>
+          <a:fillRef idx="1">
+            <a:schemeClr val="lt1"/>
+          </a:fillRef>
+          <a:effectRef idx="0">
+            <a:schemeClr val="accent6"/>
+          </a:effectRef>
+          <a:fontRef idx="minor">
+            <a:schemeClr val="dk1"/>
+          </a:fontRef>
+        </p:style>
+        <p:txBody>
+          <a:bodyPr rtlCol="0" anchor="ctr"/>
+          <a:lstStyle/>
+          <a:p>
+            <a:pPr algn="ctr"/>
+            <a:r>
+              <a:rPr lang="en-IT" dirty="0">
+                <a:latin typeface="Palatino Linotype" panose="02040502050505030304" pitchFamily="18" charset="0"/>
+              </a:rPr>
+              <a:t>Do something with your fantasy</a:t>
+            </a:r>
+          </a:p>
+        </p:txBody>
+      </p:sp>
+      <p:cxnSp>
+        <p:nvCxnSpPr>
+          <p:cNvPr id="24" name="Straight Connector 23">
+            <a:extLst>
+              <a:ext uri="{FF2B5EF4-FFF2-40B4-BE49-F238E27FC236}">
+                <a16:creationId xmlns:a16="http://schemas.microsoft.com/office/drawing/2014/main" id="{F46B9E0C-1958-334C-8E68-E5B5D895F3A0}"/>
+              </a:ext>
+            </a:extLst>
+          </p:cNvPr>
+          <p:cNvCxnSpPr>
+            <a:cxnSpLocks/>
+          </p:cNvCxnSpPr>
+          <p:nvPr/>
+        </p:nvCxnSpPr>
+        <p:spPr>
+          <a:xfrm>
+            <a:off x="11981543" y="1231320"/>
+            <a:ext cx="0" cy="4088165"/>
+          </a:xfrm>
+          <a:prstGeom prst="line">
+            <a:avLst/>
+          </a:prstGeom>
+          <a:ln w="38100">
+            <a:solidFill>
+              <a:srgbClr val="7030A0"/>
+            </a:solidFill>
+          </a:ln>
+        </p:spPr>
+        <p:style>
+          <a:lnRef idx="1">
+            <a:schemeClr val="accent6"/>
+          </a:lnRef>
+          <a:fillRef idx="0">
+            <a:schemeClr val="accent6"/>
+          </a:fillRef>
+          <a:effectRef idx="0">
+            <a:schemeClr val="accent6"/>
+          </a:effectRef>
+          <a:fontRef idx="minor">
+            <a:schemeClr val="tx1"/>
+          </a:fontRef>
+        </p:style>
+      </p:cxnSp>
+      <p:sp>
+        <p:nvSpPr>
+          <p:cNvPr id="25" name="Content Placeholder 2">
+            <a:extLst>
+              <a:ext uri="{FF2B5EF4-FFF2-40B4-BE49-F238E27FC236}">
+                <a16:creationId xmlns:a16="http://schemas.microsoft.com/office/drawing/2014/main" id="{B714A049-D46C-4741-AC57-5ADD5A556D5E}"/>
+              </a:ext>
+            </a:extLst>
+          </p:cNvPr>
+          <p:cNvSpPr txBox="1">
+            <a:spLocks/>
           </p:cNvSpPr>
-          <p:nvPr>
-            <p:ph idx="1"/>
-          </p:nvPr>
-        </p:nvSpPr>
-        <p:spPr/>
+          <p:nvPr/>
+        </p:nvSpPr>
+        <p:spPr>
+          <a:xfrm>
+            <a:off x="428172" y="4971142"/>
+            <a:ext cx="5405664" cy="348343"/>
+          </a:xfrm>
+          <a:prstGeom prst="rect">
+            <a:avLst/>
+          </a:prstGeom>
+          <a:ln w="38100">
+            <a:solidFill>
+              <a:schemeClr val="accent1"/>
+            </a:solidFill>
+          </a:ln>
+        </p:spPr>
         <p:txBody>
-          <a:bodyPr>
+          <a:bodyPr vert="horz" lIns="91440" tIns="45720" rIns="91440" bIns="45720" rtlCol="0" anchor="ctr">
             <a:normAutofit/>
           </a:bodyPr>
+          <a:lstStyle>
+            <a:lvl1pPr marL="342900" indent="-342900" algn="l" defTabSz="914400" rtl="0" eaLnBrk="1" latinLnBrk="0" hangingPunct="1">
+              <a:lnSpc>
+                <a:spcPct val="90000"/>
+              </a:lnSpc>
+              <a:spcBef>
+                <a:spcPts val="1000"/>
+              </a:spcBef>
+              <a:buClr>
+                <a:srgbClr val="00B050"/>
+              </a:buClr>
+              <a:buFont typeface="Wingdings" panose="05000000000000000000" pitchFamily="2" charset="2"/>
+              <a:buChar char="Ø"/>
+              <a:defRPr sz="2400" kern="1200">
+                <a:solidFill>
+                  <a:schemeClr val="tx1"/>
+                </a:solidFill>
+                <a:latin typeface="Palatino Linotype" panose="02040502050505030304" pitchFamily="18" charset="0"/>
+                <a:ea typeface="+mn-ea"/>
+                <a:cs typeface="+mn-cs"/>
+              </a:defRPr>
+            </a:lvl1pPr>
+            <a:lvl2pPr marL="685800" indent="-228600" algn="l" defTabSz="914400" rtl="0" eaLnBrk="1" latinLnBrk="0" hangingPunct="1">
+              <a:lnSpc>
+                <a:spcPct val="90000"/>
+              </a:lnSpc>
+              <a:spcBef>
+                <a:spcPts val="500"/>
+              </a:spcBef>
+              <a:buClr>
+                <a:srgbClr val="00B050"/>
+              </a:buClr>
+              <a:buFont typeface="Wingdings" panose="05000000000000000000" pitchFamily="2" charset="2"/>
+              <a:buChar char="§"/>
+              <a:defRPr sz="2000" kern="1200">
+                <a:solidFill>
+                  <a:schemeClr val="tx1"/>
+                </a:solidFill>
+                <a:latin typeface="Palatino Linotype" panose="02040502050505030304" pitchFamily="18" charset="0"/>
+                <a:ea typeface="+mn-ea"/>
+                <a:cs typeface="+mn-cs"/>
+              </a:defRPr>
+            </a:lvl2pPr>
+            <a:lvl3pPr marL="1143000" indent="-228600" algn="l" defTabSz="914400" rtl="0" eaLnBrk="1" latinLnBrk="0" hangingPunct="1">
+              <a:lnSpc>
+                <a:spcPct val="90000"/>
+              </a:lnSpc>
+              <a:spcBef>
+                <a:spcPts val="500"/>
+              </a:spcBef>
+              <a:buClr>
+                <a:srgbClr val="00B050"/>
+              </a:buClr>
+              <a:buFont typeface="Arial" panose="020B0604020202020204" pitchFamily="34" charset="0"/>
+              <a:buChar char="•"/>
+              <a:defRPr sz="1800" kern="1200">
+                <a:solidFill>
+                  <a:schemeClr val="tx1"/>
+                </a:solidFill>
+                <a:latin typeface="Palatino Linotype" panose="02040502050505030304" pitchFamily="18" charset="0"/>
+                <a:ea typeface="+mn-ea"/>
+                <a:cs typeface="+mn-cs"/>
+              </a:defRPr>
+            </a:lvl3pPr>
+            <a:lvl4pPr marL="1600200" indent="-228600" algn="l" defTabSz="914400" rtl="0" eaLnBrk="1" latinLnBrk="0" hangingPunct="1">
+              <a:lnSpc>
+                <a:spcPct val="90000"/>
+              </a:lnSpc>
+              <a:spcBef>
+                <a:spcPts val="500"/>
+              </a:spcBef>
+              <a:buClr>
+                <a:srgbClr val="00B050"/>
+              </a:buClr>
+              <a:buFont typeface="Courier New" panose="02070309020205020404" pitchFamily="49" charset="0"/>
+              <a:buChar char="o"/>
+              <a:defRPr sz="1600" kern="1200">
+                <a:solidFill>
+                  <a:schemeClr val="tx1"/>
+                </a:solidFill>
+                <a:latin typeface="Palatino Linotype" panose="02040502050505030304" pitchFamily="18" charset="0"/>
+                <a:ea typeface="+mn-ea"/>
+                <a:cs typeface="+mn-cs"/>
+              </a:defRPr>
+            </a:lvl4pPr>
+            <a:lvl5pPr marL="2057400" indent="-228600" algn="l" defTabSz="914400" rtl="0" eaLnBrk="1" latinLnBrk="0" hangingPunct="1">
+              <a:lnSpc>
+                <a:spcPct val="90000"/>
+              </a:lnSpc>
+              <a:spcBef>
+                <a:spcPts val="500"/>
+              </a:spcBef>
+              <a:buClr>
+                <a:srgbClr val="00B050"/>
+              </a:buClr>
+              <a:buFont typeface="Times New Roman" panose="02020603050405020304" pitchFamily="18" charset="0"/>
+              <a:buChar char="̶"/>
+              <a:defRPr sz="1600" kern="1200">
+                <a:solidFill>
+                  <a:schemeClr val="tx1"/>
+                </a:solidFill>
+                <a:latin typeface="Palatino Linotype" panose="02040502050505030304" pitchFamily="18" charset="0"/>
+                <a:ea typeface="+mn-ea"/>
+                <a:cs typeface="+mn-cs"/>
+              </a:defRPr>
+            </a:lvl5pPr>
+            <a:lvl6pPr marL="2514600" indent="-228600" algn="l" defTabSz="914400" rtl="0" eaLnBrk="1" latinLnBrk="0" hangingPunct="1">
+              <a:lnSpc>
+                <a:spcPct val="90000"/>
+              </a:lnSpc>
+              <a:spcBef>
+                <a:spcPts val="500"/>
+              </a:spcBef>
+              <a:buFont typeface="Arial" panose="020B0604020202020204" pitchFamily="34" charset="0"/>
+              <a:buChar char="•"/>
+              <a:defRPr sz="1800" kern="1200">
+                <a:solidFill>
+                  <a:schemeClr val="tx1"/>
+                </a:solidFill>
+                <a:latin typeface="+mn-lt"/>
+                <a:ea typeface="+mn-ea"/>
+                <a:cs typeface="+mn-cs"/>
+              </a:defRPr>
+            </a:lvl6pPr>
+            <a:lvl7pPr marL="2971800" indent="-228600" algn="l" defTabSz="914400" rtl="0" eaLnBrk="1" latinLnBrk="0" hangingPunct="1">
+              <a:lnSpc>
+                <a:spcPct val="90000"/>
+              </a:lnSpc>
+              <a:spcBef>
+                <a:spcPts val="500"/>
+              </a:spcBef>
+              <a:buFont typeface="Arial" panose="020B0604020202020204" pitchFamily="34" charset="0"/>
+              <a:buChar char="•"/>
+              <a:defRPr sz="1800" kern="1200">
+                <a:solidFill>
+                  <a:schemeClr val="tx1"/>
+                </a:solidFill>
+                <a:latin typeface="+mn-lt"/>
+                <a:ea typeface="+mn-ea"/>
+                <a:cs typeface="+mn-cs"/>
+              </a:defRPr>
+            </a:lvl7pPr>
+            <a:lvl8pPr marL="3429000" indent="-228600" algn="l" defTabSz="914400" rtl="0" eaLnBrk="1" latinLnBrk="0" hangingPunct="1">
+              <a:lnSpc>
+                <a:spcPct val="90000"/>
+              </a:lnSpc>
+              <a:spcBef>
+                <a:spcPts val="500"/>
+              </a:spcBef>
+              <a:buFont typeface="Arial" panose="020B0604020202020204" pitchFamily="34" charset="0"/>
+              <a:buChar char="•"/>
+              <a:defRPr sz="1800" kern="1200">
+                <a:solidFill>
+                  <a:schemeClr val="tx1"/>
+                </a:solidFill>
+                <a:latin typeface="+mn-lt"/>
+                <a:ea typeface="+mn-ea"/>
+                <a:cs typeface="+mn-cs"/>
+              </a:defRPr>
+            </a:lvl8pPr>
+            <a:lvl9pPr marL="3886200" indent="-228600" algn="l" defTabSz="914400" rtl="0" eaLnBrk="1" latinLnBrk="0" hangingPunct="1">
+              <a:lnSpc>
+                <a:spcPct val="90000"/>
+              </a:lnSpc>
+              <a:spcBef>
+                <a:spcPts val="500"/>
+              </a:spcBef>
+              <a:buFont typeface="Arial" panose="020B0604020202020204" pitchFamily="34" charset="0"/>
+              <a:buChar char="•"/>
+              <a:defRPr sz="1800" kern="1200">
+                <a:solidFill>
+                  <a:schemeClr val="tx1"/>
+                </a:solidFill>
+                <a:latin typeface="+mn-lt"/>
+                <a:ea typeface="+mn-ea"/>
+                <a:cs typeface="+mn-cs"/>
+              </a:defRPr>
+            </a:lvl9pPr>
+          </a:lstStyle>
+          <a:p>
+            <a:pPr marL="0" indent="0" algn="r">
+              <a:buNone/>
+            </a:pPr>
+            <a:r>
+              <a:rPr lang="en-GB" sz="1600" b="1" dirty="0"/>
+              <a:t>Milestone #1</a:t>
+            </a:r>
+          </a:p>
+        </p:txBody>
+      </p:sp>
+      <p:sp>
+        <p:nvSpPr>
+          <p:cNvPr id="26" name="Content Placeholder 2">
+            <a:extLst>
+              <a:ext uri="{FF2B5EF4-FFF2-40B4-BE49-F238E27FC236}">
+                <a16:creationId xmlns:a16="http://schemas.microsoft.com/office/drawing/2014/main" id="{2727A7E2-5907-244F-9EA4-6EB7B1B78FC4}"/>
+              </a:ext>
+            </a:extLst>
+          </p:cNvPr>
+          <p:cNvSpPr txBox="1">
+            <a:spLocks/>
+          </p:cNvSpPr>
+          <p:nvPr/>
+        </p:nvSpPr>
+        <p:spPr>
+          <a:xfrm>
+            <a:off x="6273451" y="4971142"/>
+            <a:ext cx="2600224" cy="360748"/>
+          </a:xfrm>
+          <a:prstGeom prst="rect">
+            <a:avLst/>
+          </a:prstGeom>
+          <a:ln w="38100">
+            <a:solidFill>
+              <a:srgbClr val="FFC000"/>
+            </a:solidFill>
+          </a:ln>
+        </p:spPr>
+        <p:txBody>
+          <a:bodyPr vert="horz" lIns="91440" tIns="45720" rIns="91440" bIns="45720" rtlCol="0" anchor="ctr">
+            <a:normAutofit/>
+          </a:bodyPr>
+          <a:lstStyle>
+            <a:lvl1pPr marL="342900" indent="-342900" algn="l" defTabSz="914400" rtl="0" eaLnBrk="1" latinLnBrk="0" hangingPunct="1">
+              <a:lnSpc>
+                <a:spcPct val="90000"/>
+              </a:lnSpc>
+              <a:spcBef>
+                <a:spcPts val="1000"/>
+              </a:spcBef>
+              <a:buClr>
+                <a:srgbClr val="00B050"/>
+              </a:buClr>
+              <a:buFont typeface="Wingdings" panose="05000000000000000000" pitchFamily="2" charset="2"/>
+              <a:buChar char="Ø"/>
+              <a:defRPr sz="2400" kern="1200">
+                <a:solidFill>
+                  <a:schemeClr val="tx1"/>
+                </a:solidFill>
+                <a:latin typeface="Palatino Linotype" panose="02040502050505030304" pitchFamily="18" charset="0"/>
+                <a:ea typeface="+mn-ea"/>
+                <a:cs typeface="+mn-cs"/>
+              </a:defRPr>
+            </a:lvl1pPr>
+            <a:lvl2pPr marL="685800" indent="-228600" algn="l" defTabSz="914400" rtl="0" eaLnBrk="1" latinLnBrk="0" hangingPunct="1">
+              <a:lnSpc>
+                <a:spcPct val="90000"/>
+              </a:lnSpc>
+              <a:spcBef>
+                <a:spcPts val="500"/>
+              </a:spcBef>
+              <a:buClr>
+                <a:srgbClr val="00B050"/>
+              </a:buClr>
+              <a:buFont typeface="Wingdings" panose="05000000000000000000" pitchFamily="2" charset="2"/>
+              <a:buChar char="§"/>
+              <a:defRPr sz="2000" kern="1200">
+                <a:solidFill>
+                  <a:schemeClr val="tx1"/>
+                </a:solidFill>
+                <a:latin typeface="Palatino Linotype" panose="02040502050505030304" pitchFamily="18" charset="0"/>
+                <a:ea typeface="+mn-ea"/>
+                <a:cs typeface="+mn-cs"/>
+              </a:defRPr>
+            </a:lvl2pPr>
+            <a:lvl3pPr marL="1143000" indent="-228600" algn="l" defTabSz="914400" rtl="0" eaLnBrk="1" latinLnBrk="0" hangingPunct="1">
+              <a:lnSpc>
+                <a:spcPct val="90000"/>
+              </a:lnSpc>
+              <a:spcBef>
+                <a:spcPts val="500"/>
+              </a:spcBef>
+              <a:buClr>
+                <a:srgbClr val="00B050"/>
+              </a:buClr>
+              <a:buFont typeface="Arial" panose="020B0604020202020204" pitchFamily="34" charset="0"/>
+              <a:buChar char="•"/>
+              <a:defRPr sz="1800" kern="1200">
+                <a:solidFill>
+                  <a:schemeClr val="tx1"/>
+                </a:solidFill>
+                <a:latin typeface="Palatino Linotype" panose="02040502050505030304" pitchFamily="18" charset="0"/>
+                <a:ea typeface="+mn-ea"/>
+                <a:cs typeface="+mn-cs"/>
+              </a:defRPr>
+            </a:lvl3pPr>
+            <a:lvl4pPr marL="1600200" indent="-228600" algn="l" defTabSz="914400" rtl="0" eaLnBrk="1" latinLnBrk="0" hangingPunct="1">
+              <a:lnSpc>
+                <a:spcPct val="90000"/>
+              </a:lnSpc>
+              <a:spcBef>
+                <a:spcPts val="500"/>
+              </a:spcBef>
+              <a:buClr>
+                <a:srgbClr val="00B050"/>
+              </a:buClr>
+              <a:buFont typeface="Courier New" panose="02070309020205020404" pitchFamily="49" charset="0"/>
+              <a:buChar char="o"/>
+              <a:defRPr sz="1600" kern="1200">
+                <a:solidFill>
+                  <a:schemeClr val="tx1"/>
+                </a:solidFill>
+                <a:latin typeface="Palatino Linotype" panose="02040502050505030304" pitchFamily="18" charset="0"/>
+                <a:ea typeface="+mn-ea"/>
+                <a:cs typeface="+mn-cs"/>
+              </a:defRPr>
+            </a:lvl4pPr>
+            <a:lvl5pPr marL="2057400" indent="-228600" algn="l" defTabSz="914400" rtl="0" eaLnBrk="1" latinLnBrk="0" hangingPunct="1">
+              <a:lnSpc>
+                <a:spcPct val="90000"/>
+              </a:lnSpc>
+              <a:spcBef>
+                <a:spcPts val="500"/>
+              </a:spcBef>
+              <a:buClr>
+                <a:srgbClr val="00B050"/>
+              </a:buClr>
+              <a:buFont typeface="Times New Roman" panose="02020603050405020304" pitchFamily="18" charset="0"/>
+              <a:buChar char="̶"/>
+              <a:defRPr sz="1600" kern="1200">
+                <a:solidFill>
+                  <a:schemeClr val="tx1"/>
+                </a:solidFill>
+                <a:latin typeface="Palatino Linotype" panose="02040502050505030304" pitchFamily="18" charset="0"/>
+                <a:ea typeface="+mn-ea"/>
+                <a:cs typeface="+mn-cs"/>
+              </a:defRPr>
+            </a:lvl5pPr>
+            <a:lvl6pPr marL="2514600" indent="-228600" algn="l" defTabSz="914400" rtl="0" eaLnBrk="1" latinLnBrk="0" hangingPunct="1">
+              <a:lnSpc>
+                <a:spcPct val="90000"/>
+              </a:lnSpc>
+              <a:spcBef>
+                <a:spcPts val="500"/>
+              </a:spcBef>
+              <a:buFont typeface="Arial" panose="020B0604020202020204" pitchFamily="34" charset="0"/>
+              <a:buChar char="•"/>
+              <a:defRPr sz="1800" kern="1200">
+                <a:solidFill>
+                  <a:schemeClr val="tx1"/>
+                </a:solidFill>
+                <a:latin typeface="+mn-lt"/>
+                <a:ea typeface="+mn-ea"/>
+                <a:cs typeface="+mn-cs"/>
+              </a:defRPr>
+            </a:lvl6pPr>
+            <a:lvl7pPr marL="2971800" indent="-228600" algn="l" defTabSz="914400" rtl="0" eaLnBrk="1" latinLnBrk="0" hangingPunct="1">
+              <a:lnSpc>
+                <a:spcPct val="90000"/>
+              </a:lnSpc>
+              <a:spcBef>
+                <a:spcPts val="500"/>
+              </a:spcBef>
+              <a:buFont typeface="Arial" panose="020B0604020202020204" pitchFamily="34" charset="0"/>
+              <a:buChar char="•"/>
+              <a:defRPr sz="1800" kern="1200">
+                <a:solidFill>
+                  <a:schemeClr val="tx1"/>
+                </a:solidFill>
+                <a:latin typeface="+mn-lt"/>
+                <a:ea typeface="+mn-ea"/>
+                <a:cs typeface="+mn-cs"/>
+              </a:defRPr>
+            </a:lvl7pPr>
+            <a:lvl8pPr marL="3429000" indent="-228600" algn="l" defTabSz="914400" rtl="0" eaLnBrk="1" latinLnBrk="0" hangingPunct="1">
+              <a:lnSpc>
+                <a:spcPct val="90000"/>
+              </a:lnSpc>
+              <a:spcBef>
+                <a:spcPts val="500"/>
+              </a:spcBef>
+              <a:buFont typeface="Arial" panose="020B0604020202020204" pitchFamily="34" charset="0"/>
+              <a:buChar char="•"/>
+              <a:defRPr sz="1800" kern="1200">
+                <a:solidFill>
+                  <a:schemeClr val="tx1"/>
+                </a:solidFill>
+                <a:latin typeface="+mn-lt"/>
+                <a:ea typeface="+mn-ea"/>
+                <a:cs typeface="+mn-cs"/>
+              </a:defRPr>
+            </a:lvl8pPr>
+            <a:lvl9pPr marL="3886200" indent="-228600" algn="l" defTabSz="914400" rtl="0" eaLnBrk="1" latinLnBrk="0" hangingPunct="1">
+              <a:lnSpc>
+                <a:spcPct val="90000"/>
+              </a:lnSpc>
+              <a:spcBef>
+                <a:spcPts val="500"/>
+              </a:spcBef>
+              <a:buFont typeface="Arial" panose="020B0604020202020204" pitchFamily="34" charset="0"/>
+              <a:buChar char="•"/>
+              <a:defRPr sz="1800" kern="1200">
+                <a:solidFill>
+                  <a:schemeClr val="tx1"/>
+                </a:solidFill>
+                <a:latin typeface="+mn-lt"/>
+                <a:ea typeface="+mn-ea"/>
+                <a:cs typeface="+mn-cs"/>
+              </a:defRPr>
+            </a:lvl9pPr>
+          </a:lstStyle>
+          <a:p>
+            <a:pPr marL="0" indent="0" algn="r">
+              <a:buNone/>
+            </a:pPr>
+            <a:r>
+              <a:rPr lang="en-GB" sz="1600" b="1" dirty="0"/>
+              <a:t>Milestone #2</a:t>
+            </a:r>
+          </a:p>
+        </p:txBody>
+      </p:sp>
+      <p:sp>
+        <p:nvSpPr>
+          <p:cNvPr id="27" name="Content Placeholder 2">
+            <a:extLst>
+              <a:ext uri="{FF2B5EF4-FFF2-40B4-BE49-F238E27FC236}">
+                <a16:creationId xmlns:a16="http://schemas.microsoft.com/office/drawing/2014/main" id="{097F527A-6D86-4B4B-8507-E05C41EE2643}"/>
+              </a:ext>
+            </a:extLst>
+          </p:cNvPr>
+          <p:cNvSpPr txBox="1">
+            <a:spLocks/>
+          </p:cNvSpPr>
+          <p:nvPr/>
+        </p:nvSpPr>
+        <p:spPr>
+          <a:xfrm>
+            <a:off x="9304006" y="4971141"/>
+            <a:ext cx="2571736" cy="348343"/>
+          </a:xfrm>
+          <a:prstGeom prst="rect">
+            <a:avLst/>
+          </a:prstGeom>
+          <a:ln w="38100">
+            <a:solidFill>
+              <a:srgbClr val="7030A0"/>
+            </a:solidFill>
+          </a:ln>
+        </p:spPr>
+        <p:txBody>
+          <a:bodyPr vert="horz" lIns="91440" tIns="45720" rIns="91440" bIns="45720" rtlCol="0" anchor="ctr">
+            <a:normAutofit/>
+          </a:bodyPr>
+          <a:lstStyle>
+            <a:lvl1pPr marL="342900" indent="-342900" algn="l" defTabSz="914400" rtl="0" eaLnBrk="1" latinLnBrk="0" hangingPunct="1">
+              <a:lnSpc>
+                <a:spcPct val="90000"/>
+              </a:lnSpc>
+              <a:spcBef>
+                <a:spcPts val="1000"/>
+              </a:spcBef>
+              <a:buClr>
+                <a:srgbClr val="00B050"/>
+              </a:buClr>
+              <a:buFont typeface="Wingdings" panose="05000000000000000000" pitchFamily="2" charset="2"/>
+              <a:buChar char="Ø"/>
+              <a:defRPr sz="2400" kern="1200">
+                <a:solidFill>
+                  <a:schemeClr val="tx1"/>
+                </a:solidFill>
+                <a:latin typeface="Palatino Linotype" panose="02040502050505030304" pitchFamily="18" charset="0"/>
+                <a:ea typeface="+mn-ea"/>
+                <a:cs typeface="+mn-cs"/>
+              </a:defRPr>
+            </a:lvl1pPr>
+            <a:lvl2pPr marL="685800" indent="-228600" algn="l" defTabSz="914400" rtl="0" eaLnBrk="1" latinLnBrk="0" hangingPunct="1">
+              <a:lnSpc>
+                <a:spcPct val="90000"/>
+              </a:lnSpc>
+              <a:spcBef>
+                <a:spcPts val="500"/>
+              </a:spcBef>
+              <a:buClr>
+                <a:srgbClr val="00B050"/>
+              </a:buClr>
+              <a:buFont typeface="Wingdings" panose="05000000000000000000" pitchFamily="2" charset="2"/>
+              <a:buChar char="§"/>
+              <a:defRPr sz="2000" kern="1200">
+                <a:solidFill>
+                  <a:schemeClr val="tx1"/>
+                </a:solidFill>
+                <a:latin typeface="Palatino Linotype" panose="02040502050505030304" pitchFamily="18" charset="0"/>
+                <a:ea typeface="+mn-ea"/>
+                <a:cs typeface="+mn-cs"/>
+              </a:defRPr>
+            </a:lvl2pPr>
+            <a:lvl3pPr marL="1143000" indent="-228600" algn="l" defTabSz="914400" rtl="0" eaLnBrk="1" latinLnBrk="0" hangingPunct="1">
+              <a:lnSpc>
+                <a:spcPct val="90000"/>
+              </a:lnSpc>
+              <a:spcBef>
+                <a:spcPts val="500"/>
+              </a:spcBef>
+              <a:buClr>
+                <a:srgbClr val="00B050"/>
+              </a:buClr>
+              <a:buFont typeface="Arial" panose="020B0604020202020204" pitchFamily="34" charset="0"/>
+              <a:buChar char="•"/>
+              <a:defRPr sz="1800" kern="1200">
+                <a:solidFill>
+                  <a:schemeClr val="tx1"/>
+                </a:solidFill>
+                <a:latin typeface="Palatino Linotype" panose="02040502050505030304" pitchFamily="18" charset="0"/>
+                <a:ea typeface="+mn-ea"/>
+                <a:cs typeface="+mn-cs"/>
+              </a:defRPr>
+            </a:lvl3pPr>
+            <a:lvl4pPr marL="1600200" indent="-228600" algn="l" defTabSz="914400" rtl="0" eaLnBrk="1" latinLnBrk="0" hangingPunct="1">
+              <a:lnSpc>
+                <a:spcPct val="90000"/>
+              </a:lnSpc>
+              <a:spcBef>
+                <a:spcPts val="500"/>
+              </a:spcBef>
+              <a:buClr>
+                <a:srgbClr val="00B050"/>
+              </a:buClr>
+              <a:buFont typeface="Courier New" panose="02070309020205020404" pitchFamily="49" charset="0"/>
+              <a:buChar char="o"/>
+              <a:defRPr sz="1600" kern="1200">
+                <a:solidFill>
+                  <a:schemeClr val="tx1"/>
+                </a:solidFill>
+                <a:latin typeface="Palatino Linotype" panose="02040502050505030304" pitchFamily="18" charset="0"/>
+                <a:ea typeface="+mn-ea"/>
+                <a:cs typeface="+mn-cs"/>
+              </a:defRPr>
+            </a:lvl4pPr>
+            <a:lvl5pPr marL="2057400" indent="-228600" algn="l" defTabSz="914400" rtl="0" eaLnBrk="1" latinLnBrk="0" hangingPunct="1">
+              <a:lnSpc>
+                <a:spcPct val="90000"/>
+              </a:lnSpc>
+              <a:spcBef>
+                <a:spcPts val="500"/>
+              </a:spcBef>
+              <a:buClr>
+                <a:srgbClr val="00B050"/>
+              </a:buClr>
+              <a:buFont typeface="Times New Roman" panose="02020603050405020304" pitchFamily="18" charset="0"/>
+              <a:buChar char="̶"/>
+              <a:defRPr sz="1600" kern="1200">
+                <a:solidFill>
+                  <a:schemeClr val="tx1"/>
+                </a:solidFill>
+                <a:latin typeface="Palatino Linotype" panose="02040502050505030304" pitchFamily="18" charset="0"/>
+                <a:ea typeface="+mn-ea"/>
+                <a:cs typeface="+mn-cs"/>
+              </a:defRPr>
+            </a:lvl5pPr>
+            <a:lvl6pPr marL="2514600" indent="-228600" algn="l" defTabSz="914400" rtl="0" eaLnBrk="1" latinLnBrk="0" hangingPunct="1">
+              <a:lnSpc>
+                <a:spcPct val="90000"/>
+              </a:lnSpc>
+              <a:spcBef>
+                <a:spcPts val="500"/>
+              </a:spcBef>
+              <a:buFont typeface="Arial" panose="020B0604020202020204" pitchFamily="34" charset="0"/>
+              <a:buChar char="•"/>
+              <a:defRPr sz="1800" kern="1200">
+                <a:solidFill>
+                  <a:schemeClr val="tx1"/>
+                </a:solidFill>
+                <a:latin typeface="+mn-lt"/>
+                <a:ea typeface="+mn-ea"/>
+                <a:cs typeface="+mn-cs"/>
+              </a:defRPr>
+            </a:lvl6pPr>
+            <a:lvl7pPr marL="2971800" indent="-228600" algn="l" defTabSz="914400" rtl="0" eaLnBrk="1" latinLnBrk="0" hangingPunct="1">
+              <a:lnSpc>
+                <a:spcPct val="90000"/>
+              </a:lnSpc>
+              <a:spcBef>
+                <a:spcPts val="500"/>
+              </a:spcBef>
+              <a:buFont typeface="Arial" panose="020B0604020202020204" pitchFamily="34" charset="0"/>
+              <a:buChar char="•"/>
+              <a:defRPr sz="1800" kern="1200">
+                <a:solidFill>
+                  <a:schemeClr val="tx1"/>
+                </a:solidFill>
+                <a:latin typeface="+mn-lt"/>
+                <a:ea typeface="+mn-ea"/>
+                <a:cs typeface="+mn-cs"/>
+              </a:defRPr>
+            </a:lvl7pPr>
+            <a:lvl8pPr marL="3429000" indent="-228600" algn="l" defTabSz="914400" rtl="0" eaLnBrk="1" latinLnBrk="0" hangingPunct="1">
+              <a:lnSpc>
+                <a:spcPct val="90000"/>
+              </a:lnSpc>
+              <a:spcBef>
+                <a:spcPts val="500"/>
+              </a:spcBef>
+              <a:buFont typeface="Arial" panose="020B0604020202020204" pitchFamily="34" charset="0"/>
+              <a:buChar char="•"/>
+              <a:defRPr sz="1800" kern="1200">
+                <a:solidFill>
+                  <a:schemeClr val="tx1"/>
+                </a:solidFill>
+                <a:latin typeface="+mn-lt"/>
+                <a:ea typeface="+mn-ea"/>
+                <a:cs typeface="+mn-cs"/>
+              </a:defRPr>
+            </a:lvl8pPr>
+            <a:lvl9pPr marL="3886200" indent="-228600" algn="l" defTabSz="914400" rtl="0" eaLnBrk="1" latinLnBrk="0" hangingPunct="1">
+              <a:lnSpc>
+                <a:spcPct val="90000"/>
+              </a:lnSpc>
+              <a:spcBef>
+                <a:spcPts val="500"/>
+              </a:spcBef>
+              <a:buFont typeface="Arial" panose="020B0604020202020204" pitchFamily="34" charset="0"/>
+              <a:buChar char="•"/>
+              <a:defRPr sz="1800" kern="1200">
+                <a:solidFill>
+                  <a:schemeClr val="tx1"/>
+                </a:solidFill>
+                <a:latin typeface="+mn-lt"/>
+                <a:ea typeface="+mn-ea"/>
+                <a:cs typeface="+mn-cs"/>
+              </a:defRPr>
+            </a:lvl9pPr>
+          </a:lstStyle>
+          <a:p>
+            <a:pPr marL="0" indent="0" algn="r">
+              <a:buNone/>
+            </a:pPr>
+            <a:r>
+              <a:rPr lang="en-GB" sz="1600" b="1" dirty="0"/>
+              <a:t>Milestone #3</a:t>
+            </a:r>
+          </a:p>
+        </p:txBody>
+      </p:sp>
+      <p:sp>
+        <p:nvSpPr>
+          <p:cNvPr id="33" name="Rectangle 32">
+            <a:extLst>
+              <a:ext uri="{FF2B5EF4-FFF2-40B4-BE49-F238E27FC236}">
+                <a16:creationId xmlns:a16="http://schemas.microsoft.com/office/drawing/2014/main" id="{0A0D4DC1-5C18-7F46-8370-E7C962DEF38F}"/>
+              </a:ext>
+            </a:extLst>
+          </p:cNvPr>
+          <p:cNvSpPr/>
+          <p:nvPr/>
+        </p:nvSpPr>
+        <p:spPr>
+          <a:xfrm>
+            <a:off x="428172" y="1209985"/>
+            <a:ext cx="913817" cy="300148"/>
+          </a:xfrm>
+          <a:prstGeom prst="rect">
+            <a:avLst/>
+          </a:prstGeom>
+          <a:ln w="38100">
+            <a:solidFill>
+              <a:schemeClr val="accent1"/>
+            </a:solidFill>
+          </a:ln>
+        </p:spPr>
+        <p:style>
+          <a:lnRef idx="2">
+            <a:schemeClr val="accent6"/>
+          </a:lnRef>
+          <a:fillRef idx="1">
+            <a:schemeClr val="lt1"/>
+          </a:fillRef>
+          <a:effectRef idx="0">
+            <a:schemeClr val="accent6"/>
+          </a:effectRef>
+          <a:fontRef idx="minor">
+            <a:schemeClr val="dk1"/>
+          </a:fontRef>
+        </p:style>
+        <p:txBody>
+          <a:bodyPr rtlCol="0" anchor="ctr"/>
           <a:lstStyle/>
           <a:p>
-            <a:r>
-              <a:rPr lang="en-IT" b="1" dirty="0"/>
-              <a:t>Recap</a:t>
-            </a:r>
-          </a:p>
-          <a:p>
+            <a:pPr algn="ctr"/>
+            <a:r>
+              <a:rPr lang="en-IT" sz="1200" dirty="0">
+                <a:latin typeface="Palatino Linotype" panose="02040502050505030304" pitchFamily="18" charset="0"/>
+              </a:rPr>
+              <a:t>Lesson 1</a:t>
+            </a:r>
+          </a:p>
+        </p:txBody>
+      </p:sp>
+      <p:sp>
+        <p:nvSpPr>
+          <p:cNvPr id="34" name="Rectangle 33">
+            <a:extLst>
+              <a:ext uri="{FF2B5EF4-FFF2-40B4-BE49-F238E27FC236}">
+                <a16:creationId xmlns:a16="http://schemas.microsoft.com/office/drawing/2014/main" id="{42637D9E-30CA-E84B-801A-C532883DD90D}"/>
+              </a:ext>
+            </a:extLst>
+          </p:cNvPr>
+          <p:cNvSpPr/>
+          <p:nvPr/>
+        </p:nvSpPr>
+        <p:spPr>
+          <a:xfrm>
+            <a:off x="428173" y="2455130"/>
+            <a:ext cx="913832" cy="300148"/>
+          </a:xfrm>
+          <a:prstGeom prst="rect">
+            <a:avLst/>
+          </a:prstGeom>
+          <a:solidFill>
+            <a:srgbClr val="FFFF00"/>
+          </a:solidFill>
+          <a:ln w="38100">
+            <a:solidFill>
+              <a:schemeClr val="accent1"/>
+            </a:solidFill>
+          </a:ln>
+        </p:spPr>
+        <p:style>
+          <a:lnRef idx="2">
+            <a:schemeClr val="accent6"/>
+          </a:lnRef>
+          <a:fillRef idx="1">
+            <a:schemeClr val="lt1"/>
+          </a:fillRef>
+          <a:effectRef idx="0">
+            <a:schemeClr val="accent6"/>
+          </a:effectRef>
+          <a:fontRef idx="minor">
+            <a:schemeClr val="dk1"/>
+          </a:fontRef>
+        </p:style>
+        <p:txBody>
+          <a:bodyPr rtlCol="0" anchor="ctr"/>
+          <a:lstStyle/>
+          <a:p>
+            <a:pPr algn="ctr"/>
+            <a:r>
+              <a:rPr lang="en-IT" sz="1200" dirty="0">
+                <a:latin typeface="Palatino Linotype" panose="02040502050505030304" pitchFamily="18" charset="0"/>
+              </a:rPr>
+              <a:t>Lesson 2/3</a:t>
+            </a:r>
+          </a:p>
+        </p:txBody>
+      </p:sp>
+      <p:sp>
+        <p:nvSpPr>
+          <p:cNvPr id="35" name="Rectangle 34">
+            <a:extLst>
+              <a:ext uri="{FF2B5EF4-FFF2-40B4-BE49-F238E27FC236}">
+                <a16:creationId xmlns:a16="http://schemas.microsoft.com/office/drawing/2014/main" id="{C6E7C382-226C-FA46-8DB3-6D1900A47C91}"/>
+              </a:ext>
+            </a:extLst>
+          </p:cNvPr>
+          <p:cNvSpPr/>
+          <p:nvPr/>
+        </p:nvSpPr>
+        <p:spPr>
+          <a:xfrm>
+            <a:off x="428173" y="3696156"/>
+            <a:ext cx="877080" cy="300148"/>
+          </a:xfrm>
+          <a:prstGeom prst="rect">
+            <a:avLst/>
+          </a:prstGeom>
+          <a:ln w="38100">
+            <a:solidFill>
+              <a:schemeClr val="accent1"/>
+            </a:solidFill>
+          </a:ln>
+        </p:spPr>
+        <p:style>
+          <a:lnRef idx="2">
+            <a:schemeClr val="accent6"/>
+          </a:lnRef>
+          <a:fillRef idx="1">
+            <a:schemeClr val="lt1"/>
+          </a:fillRef>
+          <a:effectRef idx="0">
+            <a:schemeClr val="accent6"/>
+          </a:effectRef>
+          <a:fontRef idx="minor">
+            <a:schemeClr val="dk1"/>
+          </a:fontRef>
+        </p:style>
+        <p:txBody>
+          <a:bodyPr rtlCol="0" anchor="ctr"/>
+          <a:lstStyle/>
+          <a:p>
+            <a:pPr algn="ctr"/>
+            <a:r>
+              <a:rPr lang="en-IT" sz="1200" dirty="0">
+                <a:latin typeface="Palatino Linotype" panose="02040502050505030304" pitchFamily="18" charset="0"/>
+              </a:rPr>
+              <a:t>Lesson 4</a:t>
+            </a:r>
+          </a:p>
+        </p:txBody>
+      </p:sp>
+      <p:sp>
+        <p:nvSpPr>
+          <p:cNvPr id="36" name="Rectangle 35">
+            <a:extLst>
+              <a:ext uri="{FF2B5EF4-FFF2-40B4-BE49-F238E27FC236}">
+                <a16:creationId xmlns:a16="http://schemas.microsoft.com/office/drawing/2014/main" id="{7EFB24BA-496D-0646-B792-701E8EF31927}"/>
+              </a:ext>
+            </a:extLst>
+          </p:cNvPr>
+          <p:cNvSpPr/>
+          <p:nvPr/>
+        </p:nvSpPr>
+        <p:spPr>
+          <a:xfrm>
+            <a:off x="3264544" y="1207068"/>
+            <a:ext cx="877080" cy="300148"/>
+          </a:xfrm>
+          <a:prstGeom prst="rect">
+            <a:avLst/>
+          </a:prstGeom>
+          <a:noFill/>
+          <a:ln w="38100">
+            <a:solidFill>
+              <a:schemeClr val="accent1"/>
+            </a:solidFill>
+          </a:ln>
+        </p:spPr>
+        <p:style>
+          <a:lnRef idx="2">
+            <a:schemeClr val="accent6"/>
+          </a:lnRef>
+          <a:fillRef idx="1">
+            <a:schemeClr val="lt1"/>
+          </a:fillRef>
+          <a:effectRef idx="0">
+            <a:schemeClr val="accent6"/>
+          </a:effectRef>
+          <a:fontRef idx="minor">
+            <a:schemeClr val="dk1"/>
+          </a:fontRef>
+        </p:style>
+        <p:txBody>
+          <a:bodyPr rtlCol="0" anchor="ctr"/>
+          <a:lstStyle/>
+          <a:p>
+            <a:pPr algn="ctr"/>
+            <a:r>
+              <a:rPr lang="en-IT" sz="1200" dirty="0">
+                <a:latin typeface="Palatino Linotype" panose="02040502050505030304" pitchFamily="18" charset="0"/>
+              </a:rPr>
+              <a:t>Lesson 5</a:t>
+            </a:r>
+          </a:p>
+        </p:txBody>
+      </p:sp>
+      <p:sp>
+        <p:nvSpPr>
+          <p:cNvPr id="37" name="Rectangle 36">
+            <a:extLst>
+              <a:ext uri="{FF2B5EF4-FFF2-40B4-BE49-F238E27FC236}">
+                <a16:creationId xmlns:a16="http://schemas.microsoft.com/office/drawing/2014/main" id="{B92D3ECA-27A3-E346-97B6-6DED991CCB03}"/>
+              </a:ext>
+            </a:extLst>
+          </p:cNvPr>
+          <p:cNvSpPr/>
+          <p:nvPr/>
+        </p:nvSpPr>
+        <p:spPr>
+          <a:xfrm>
+            <a:off x="3264544" y="2452279"/>
+            <a:ext cx="877080" cy="300148"/>
+          </a:xfrm>
+          <a:prstGeom prst="rect">
+            <a:avLst/>
+          </a:prstGeom>
+          <a:ln w="38100">
+            <a:solidFill>
+              <a:schemeClr val="accent1"/>
+            </a:solidFill>
+          </a:ln>
+        </p:spPr>
+        <p:style>
+          <a:lnRef idx="2">
+            <a:schemeClr val="accent6"/>
+          </a:lnRef>
+          <a:fillRef idx="1">
+            <a:schemeClr val="lt1"/>
+          </a:fillRef>
+          <a:effectRef idx="0">
+            <a:schemeClr val="accent6"/>
+          </a:effectRef>
+          <a:fontRef idx="minor">
+            <a:schemeClr val="dk1"/>
+          </a:fontRef>
+        </p:style>
+        <p:txBody>
+          <a:bodyPr rtlCol="0" anchor="ctr"/>
+          <a:lstStyle/>
+          <a:p>
+            <a:pPr algn="ctr"/>
+            <a:r>
+              <a:rPr lang="en-IT" sz="1200" dirty="0">
+                <a:latin typeface="Palatino Linotype" panose="02040502050505030304" pitchFamily="18" charset="0"/>
+              </a:rPr>
+              <a:t>Lesson 6</a:t>
+            </a:r>
+          </a:p>
+        </p:txBody>
+      </p:sp>
+      <p:sp>
+        <p:nvSpPr>
+          <p:cNvPr id="38" name="Rectangle 37">
+            <a:extLst>
+              <a:ext uri="{FF2B5EF4-FFF2-40B4-BE49-F238E27FC236}">
+                <a16:creationId xmlns:a16="http://schemas.microsoft.com/office/drawing/2014/main" id="{0F1FD419-5760-AA40-96E5-CCCF7F0EAF09}"/>
+              </a:ext>
+            </a:extLst>
+          </p:cNvPr>
+          <p:cNvSpPr/>
+          <p:nvPr/>
+        </p:nvSpPr>
+        <p:spPr>
+          <a:xfrm>
+            <a:off x="3264544" y="3705012"/>
+            <a:ext cx="877080" cy="300148"/>
+          </a:xfrm>
+          <a:prstGeom prst="rect">
+            <a:avLst/>
+          </a:prstGeom>
+          <a:ln w="38100">
+            <a:solidFill>
+              <a:schemeClr val="accent1"/>
+            </a:solidFill>
+          </a:ln>
+        </p:spPr>
+        <p:style>
+          <a:lnRef idx="2">
+            <a:schemeClr val="accent6"/>
+          </a:lnRef>
+          <a:fillRef idx="1">
+            <a:schemeClr val="lt1"/>
+          </a:fillRef>
+          <a:effectRef idx="0">
+            <a:schemeClr val="accent6"/>
+          </a:effectRef>
+          <a:fontRef idx="minor">
+            <a:schemeClr val="dk1"/>
+          </a:fontRef>
+        </p:style>
+        <p:txBody>
+          <a:bodyPr rtlCol="0" anchor="ctr"/>
+          <a:lstStyle/>
+          <a:p>
+            <a:pPr algn="ctr"/>
+            <a:r>
+              <a:rPr lang="en-IT" sz="1200" dirty="0">
+                <a:latin typeface="Palatino Linotype" panose="02040502050505030304" pitchFamily="18" charset="0"/>
+              </a:rPr>
+              <a:t>Lesson 7</a:t>
+            </a:r>
+          </a:p>
+        </p:txBody>
+      </p:sp>
+      <p:sp>
+        <p:nvSpPr>
+          <p:cNvPr id="39" name="Rectangle 38">
+            <a:extLst>
+              <a:ext uri="{FF2B5EF4-FFF2-40B4-BE49-F238E27FC236}">
+                <a16:creationId xmlns:a16="http://schemas.microsoft.com/office/drawing/2014/main" id="{7EBBB248-D357-7143-AFFA-BE798B402DB1}"/>
+              </a:ext>
+            </a:extLst>
+          </p:cNvPr>
+          <p:cNvSpPr/>
+          <p:nvPr/>
+        </p:nvSpPr>
+        <p:spPr>
+          <a:xfrm>
+            <a:off x="6300635" y="1203104"/>
+            <a:ext cx="877080" cy="300148"/>
+          </a:xfrm>
+          <a:prstGeom prst="rect">
+            <a:avLst/>
+          </a:prstGeom>
+          <a:noFill/>
+          <a:ln w="38100">
+            <a:solidFill>
+              <a:srgbClr val="FFC000"/>
+            </a:solidFill>
+          </a:ln>
+        </p:spPr>
+        <p:style>
+          <a:lnRef idx="2">
+            <a:schemeClr val="accent6"/>
+          </a:lnRef>
+          <a:fillRef idx="1">
+            <a:schemeClr val="lt1"/>
+          </a:fillRef>
+          <a:effectRef idx="0">
+            <a:schemeClr val="accent6"/>
+          </a:effectRef>
+          <a:fontRef idx="minor">
+            <a:schemeClr val="dk1"/>
+          </a:fontRef>
+        </p:style>
+        <p:txBody>
+          <a:bodyPr rtlCol="0" anchor="ctr"/>
+          <a:lstStyle/>
+          <a:p>
+            <a:pPr algn="ctr"/>
+            <a:r>
+              <a:rPr lang="en-IT" sz="1200" dirty="0">
+                <a:latin typeface="Palatino Linotype" panose="02040502050505030304" pitchFamily="18" charset="0"/>
+              </a:rPr>
+              <a:t>Lesson 8</a:t>
+            </a:r>
+          </a:p>
+        </p:txBody>
+      </p:sp>
+      <p:sp>
+        <p:nvSpPr>
+          <p:cNvPr id="41" name="Rectangle 40">
+            <a:extLst>
+              <a:ext uri="{FF2B5EF4-FFF2-40B4-BE49-F238E27FC236}">
+                <a16:creationId xmlns:a16="http://schemas.microsoft.com/office/drawing/2014/main" id="{68E15202-D95C-2547-87CD-CC21A871EF0B}"/>
+              </a:ext>
+            </a:extLst>
+          </p:cNvPr>
+          <p:cNvSpPr/>
+          <p:nvPr/>
+        </p:nvSpPr>
+        <p:spPr>
+          <a:xfrm>
+            <a:off x="6287293" y="2452279"/>
+            <a:ext cx="877080" cy="300148"/>
+          </a:xfrm>
+          <a:prstGeom prst="rect">
+            <a:avLst/>
+          </a:prstGeom>
+          <a:ln w="38100">
+            <a:solidFill>
+              <a:srgbClr val="FFC000"/>
+            </a:solidFill>
+          </a:ln>
+        </p:spPr>
+        <p:style>
+          <a:lnRef idx="2">
+            <a:schemeClr val="accent6"/>
+          </a:lnRef>
+          <a:fillRef idx="1">
+            <a:schemeClr val="lt1"/>
+          </a:fillRef>
+          <a:effectRef idx="0">
+            <a:schemeClr val="accent6"/>
+          </a:effectRef>
+          <a:fontRef idx="minor">
+            <a:schemeClr val="dk1"/>
+          </a:fontRef>
+        </p:style>
+        <p:txBody>
+          <a:bodyPr rtlCol="0" anchor="ctr"/>
+          <a:lstStyle/>
+          <a:p>
+            <a:pPr algn="ctr"/>
+            <a:r>
+              <a:rPr lang="en-IT" sz="1200" dirty="0">
+                <a:latin typeface="Palatino Linotype" panose="02040502050505030304" pitchFamily="18" charset="0"/>
+              </a:rPr>
+              <a:t>Lesson 9</a:t>
+            </a:r>
+          </a:p>
+        </p:txBody>
+      </p:sp>
+      <p:sp>
+        <p:nvSpPr>
+          <p:cNvPr id="43" name="Rectangle 42">
+            <a:extLst>
+              <a:ext uri="{FF2B5EF4-FFF2-40B4-BE49-F238E27FC236}">
+                <a16:creationId xmlns:a16="http://schemas.microsoft.com/office/drawing/2014/main" id="{6B269CCF-AC68-0344-836A-3DAFE5918B0A}"/>
+              </a:ext>
+            </a:extLst>
+          </p:cNvPr>
+          <p:cNvSpPr/>
+          <p:nvPr/>
+        </p:nvSpPr>
+        <p:spPr>
+          <a:xfrm>
+            <a:off x="9303992" y="1187877"/>
+            <a:ext cx="877080" cy="300148"/>
+          </a:xfrm>
+          <a:prstGeom prst="rect">
+            <a:avLst/>
+          </a:prstGeom>
+          <a:ln w="38100">
+            <a:solidFill>
+              <a:srgbClr val="7030A0"/>
+            </a:solidFill>
+          </a:ln>
+        </p:spPr>
+        <p:style>
+          <a:lnRef idx="2">
+            <a:schemeClr val="accent6"/>
+          </a:lnRef>
+          <a:fillRef idx="1">
+            <a:schemeClr val="lt1"/>
+          </a:fillRef>
+          <a:effectRef idx="0">
+            <a:schemeClr val="accent6"/>
+          </a:effectRef>
+          <a:fontRef idx="minor">
+            <a:schemeClr val="dk1"/>
+          </a:fontRef>
+        </p:style>
+        <p:txBody>
+          <a:bodyPr rtlCol="0" anchor="ctr"/>
+          <a:lstStyle/>
+          <a:p>
+            <a:pPr algn="ctr"/>
+            <a:r>
+              <a:rPr lang="en-IT" sz="1200" dirty="0">
+                <a:latin typeface="Palatino Linotype" panose="02040502050505030304" pitchFamily="18" charset="0"/>
+              </a:rPr>
+              <a:t>Lesson 10</a:t>
+            </a:r>
+          </a:p>
+        </p:txBody>
+      </p:sp>
+      <p:sp>
+        <p:nvSpPr>
+          <p:cNvPr id="44" name="Rectangle 43">
+            <a:extLst>
+              <a:ext uri="{FF2B5EF4-FFF2-40B4-BE49-F238E27FC236}">
+                <a16:creationId xmlns:a16="http://schemas.microsoft.com/office/drawing/2014/main" id="{7956A9EB-7793-084B-9B37-521829AD396E}"/>
+              </a:ext>
+            </a:extLst>
+          </p:cNvPr>
+          <p:cNvSpPr/>
+          <p:nvPr/>
+        </p:nvSpPr>
+        <p:spPr>
+          <a:xfrm>
+            <a:off x="9305076" y="2436008"/>
+            <a:ext cx="877080" cy="300148"/>
+          </a:xfrm>
+          <a:prstGeom prst="rect">
+            <a:avLst/>
+          </a:prstGeom>
+          <a:ln w="38100">
+            <a:solidFill>
+              <a:srgbClr val="7030A0"/>
+            </a:solidFill>
+          </a:ln>
+        </p:spPr>
+        <p:style>
+          <a:lnRef idx="2">
+            <a:schemeClr val="accent6"/>
+          </a:lnRef>
+          <a:fillRef idx="1">
+            <a:schemeClr val="lt1"/>
+          </a:fillRef>
+          <a:effectRef idx="0">
+            <a:schemeClr val="accent6"/>
+          </a:effectRef>
+          <a:fontRef idx="minor">
+            <a:schemeClr val="dk1"/>
+          </a:fontRef>
+        </p:style>
+        <p:txBody>
+          <a:bodyPr rtlCol="0" anchor="ctr"/>
+          <a:lstStyle/>
+          <a:p>
+            <a:pPr algn="ctr"/>
+            <a:r>
+              <a:rPr lang="en-IT" sz="1200" dirty="0">
+                <a:latin typeface="Palatino Linotype" panose="02040502050505030304" pitchFamily="18" charset="0"/>
+              </a:rPr>
+              <a:t>Lesson 11</a:t>
+            </a:r>
+          </a:p>
+        </p:txBody>
+      </p:sp>
+      <p:cxnSp>
+        <p:nvCxnSpPr>
+          <p:cNvPr id="45" name="Straight Connector 44">
+            <a:extLst>
+              <a:ext uri="{FF2B5EF4-FFF2-40B4-BE49-F238E27FC236}">
+                <a16:creationId xmlns:a16="http://schemas.microsoft.com/office/drawing/2014/main" id="{486C75B7-9B5F-B74C-BE7F-35C0CDFB1817}"/>
+              </a:ext>
+            </a:extLst>
+          </p:cNvPr>
+          <p:cNvCxnSpPr>
+            <a:cxnSpLocks/>
+          </p:cNvCxnSpPr>
+          <p:nvPr/>
+        </p:nvCxnSpPr>
+        <p:spPr>
+          <a:xfrm>
+            <a:off x="9056914" y="1231320"/>
+            <a:ext cx="0" cy="4102679"/>
+          </a:xfrm>
+          <a:prstGeom prst="line">
+            <a:avLst/>
+          </a:prstGeom>
+          <a:ln w="38100">
+            <a:solidFill>
+              <a:srgbClr val="FFC000"/>
+            </a:solidFill>
+          </a:ln>
+        </p:spPr>
+        <p:style>
+          <a:lnRef idx="1">
+            <a:schemeClr val="accent6"/>
+          </a:lnRef>
+          <a:fillRef idx="0">
+            <a:schemeClr val="accent6"/>
+          </a:fillRef>
+          <a:effectRef idx="0">
+            <a:schemeClr val="accent6"/>
+          </a:effectRef>
+          <a:fontRef idx="minor">
+            <a:schemeClr val="tx1"/>
+          </a:fontRef>
+        </p:style>
+      </p:cxnSp>
+      <p:cxnSp>
+        <p:nvCxnSpPr>
+          <p:cNvPr id="46" name="Straight Connector 45">
+            <a:extLst>
+              <a:ext uri="{FF2B5EF4-FFF2-40B4-BE49-F238E27FC236}">
+                <a16:creationId xmlns:a16="http://schemas.microsoft.com/office/drawing/2014/main" id="{7DF77F43-12C7-A14C-810A-67101A243979}"/>
+              </a:ext>
+            </a:extLst>
+          </p:cNvPr>
+          <p:cNvCxnSpPr>
+            <a:cxnSpLocks/>
+          </p:cNvCxnSpPr>
+          <p:nvPr/>
+        </p:nvCxnSpPr>
+        <p:spPr>
+          <a:xfrm>
+            <a:off x="6052457" y="1231320"/>
+            <a:ext cx="0" cy="4102679"/>
+          </a:xfrm>
+          <a:prstGeom prst="line">
+            <a:avLst/>
+          </a:prstGeom>
+          <a:ln w="38100">
+            <a:solidFill>
+              <a:schemeClr val="accent1"/>
+            </a:solidFill>
+          </a:ln>
+        </p:spPr>
+        <p:style>
+          <a:lnRef idx="1">
+            <a:schemeClr val="accent6"/>
+          </a:lnRef>
+          <a:fillRef idx="0">
+            <a:schemeClr val="accent6"/>
+          </a:fillRef>
+          <a:effectRef idx="0">
+            <a:schemeClr val="accent6"/>
+          </a:effectRef>
+          <a:fontRef idx="minor">
+            <a:schemeClr val="tx1"/>
+          </a:fontRef>
+        </p:style>
+      </p:cxnSp>
+      <p:sp>
+        <p:nvSpPr>
+          <p:cNvPr id="47" name="Rectangle 46">
+            <a:extLst>
+              <a:ext uri="{FF2B5EF4-FFF2-40B4-BE49-F238E27FC236}">
+                <a16:creationId xmlns:a16="http://schemas.microsoft.com/office/drawing/2014/main" id="{298133C5-2A16-344D-B5D1-EC7DFAA4BD42}"/>
+              </a:ext>
+            </a:extLst>
+          </p:cNvPr>
+          <p:cNvSpPr/>
+          <p:nvPr/>
+        </p:nvSpPr>
+        <p:spPr>
+          <a:xfrm>
+            <a:off x="9295165" y="4007242"/>
+            <a:ext cx="2571750" cy="860243"/>
+          </a:xfrm>
+          <a:prstGeom prst="rect">
+            <a:avLst/>
+          </a:prstGeom>
+          <a:ln w="38100">
+            <a:solidFill>
+              <a:srgbClr val="7030A0"/>
+            </a:solidFill>
+          </a:ln>
+        </p:spPr>
+        <p:style>
+          <a:lnRef idx="2">
+            <a:schemeClr val="accent6"/>
+          </a:lnRef>
+          <a:fillRef idx="1">
+            <a:schemeClr val="lt1"/>
+          </a:fillRef>
+          <a:effectRef idx="0">
+            <a:schemeClr val="accent6"/>
+          </a:effectRef>
+          <a:fontRef idx="minor">
+            <a:schemeClr val="dk1"/>
+          </a:fontRef>
+        </p:style>
+        <p:txBody>
+          <a:bodyPr rtlCol="0" anchor="ctr"/>
+          <a:lstStyle/>
+          <a:p>
+            <a:pPr algn="ctr"/>
             <a:r>
               <a:rPr lang="en-IT" dirty="0">
-                <a:solidFill>
-                  <a:schemeClr val="bg1">
-                    <a:lumMod val="75000"/>
-                  </a:schemeClr>
-                </a:solidFill>
-              </a:rPr>
-              <a:t>Classes</a:t>
-            </a:r>
-          </a:p>
-          <a:p>
-            <a:r>
-              <a:rPr lang="en-IT" dirty="0">
-                <a:solidFill>
-                  <a:schemeClr val="bg1">
-                    <a:lumMod val="75000"/>
-                  </a:schemeClr>
-                </a:solidFill>
-              </a:rPr>
-              <a:t>Inheritance</a:t>
-            </a:r>
-          </a:p>
-          <a:p>
-            <a:r>
-              <a:rPr lang="en-IT" dirty="0">
-                <a:solidFill>
-                  <a:schemeClr val="bg1">
-                    <a:lumMod val="75000"/>
-                  </a:schemeClr>
-                </a:solidFill>
-              </a:rPr>
-              <a:t>Other things</a:t>
-            </a:r>
-          </a:p>
-          <a:p>
-            <a:r>
-              <a:rPr lang="en-IT" dirty="0">
-                <a:solidFill>
-                  <a:schemeClr val="bg1">
-                    <a:lumMod val="75000"/>
-                  </a:schemeClr>
-                </a:solidFill>
-              </a:rPr>
-              <a:t>Asynchrony</a:t>
-            </a:r>
-          </a:p>
-          <a:p>
-            <a:endParaRPr lang="en-IT" dirty="0">
-              <a:solidFill>
-                <a:schemeClr val="bg1">
-                  <a:lumMod val="75000"/>
-                </a:schemeClr>
-              </a:solidFill>
-            </a:endParaRPr>
-          </a:p>
-          <a:p>
-            <a:r>
-              <a:rPr lang="en-IT" dirty="0">
-                <a:solidFill>
-                  <a:schemeClr val="bg1">
-                    <a:lumMod val="75000"/>
-                  </a:schemeClr>
-                </a:solidFill>
-              </a:rPr>
-              <a:t>Exercises</a:t>
-            </a:r>
-          </a:p>
-          <a:p>
-            <a:r>
-              <a:rPr lang="en-IT" dirty="0">
-                <a:solidFill>
-                  <a:schemeClr val="bg1">
-                    <a:lumMod val="75000"/>
-                  </a:schemeClr>
-                </a:solidFill>
-              </a:rPr>
-              <a:t>Homework</a:t>
-            </a:r>
-          </a:p>
-          <a:p>
-            <a:r>
-              <a:rPr lang="en-IT" dirty="0">
-                <a:solidFill>
-                  <a:schemeClr val="bg1">
-                    <a:lumMod val="75000"/>
-                  </a:schemeClr>
-                </a:solidFill>
-              </a:rPr>
-              <a:t>Resources</a:t>
+                <a:latin typeface="Palatino Linotype" panose="02040502050505030304" pitchFamily="18" charset="0"/>
+              </a:rPr>
+              <a:t>Advanced stuff</a:t>
             </a:r>
           </a:p>
         </p:txBody>
       </p:sp>
+      <p:sp>
+        <p:nvSpPr>
+          <p:cNvPr id="48" name="Rectangle 47">
+            <a:extLst>
+              <a:ext uri="{FF2B5EF4-FFF2-40B4-BE49-F238E27FC236}">
+                <a16:creationId xmlns:a16="http://schemas.microsoft.com/office/drawing/2014/main" id="{1BEB5484-6620-3542-B689-4B959C0B7DF8}"/>
+              </a:ext>
+            </a:extLst>
+          </p:cNvPr>
+          <p:cNvSpPr/>
+          <p:nvPr/>
+        </p:nvSpPr>
+        <p:spPr>
+          <a:xfrm>
+            <a:off x="9296249" y="3690823"/>
+            <a:ext cx="877080" cy="300148"/>
+          </a:xfrm>
+          <a:prstGeom prst="rect">
+            <a:avLst/>
+          </a:prstGeom>
+          <a:ln w="38100">
+            <a:solidFill>
+              <a:srgbClr val="7030A0"/>
+            </a:solidFill>
+          </a:ln>
+        </p:spPr>
+        <p:style>
+          <a:lnRef idx="2">
+            <a:schemeClr val="accent6"/>
+          </a:lnRef>
+          <a:fillRef idx="1">
+            <a:schemeClr val="lt1"/>
+          </a:fillRef>
+          <a:effectRef idx="0">
+            <a:schemeClr val="accent6"/>
+          </a:effectRef>
+          <a:fontRef idx="minor">
+            <a:schemeClr val="dk1"/>
+          </a:fontRef>
+        </p:style>
+        <p:txBody>
+          <a:bodyPr rtlCol="0" anchor="ctr"/>
+          <a:lstStyle/>
+          <a:p>
+            <a:pPr algn="ctr"/>
+            <a:r>
+              <a:rPr lang="en-IT" sz="1200" dirty="0">
+                <a:latin typeface="Palatino Linotype" panose="02040502050505030304" pitchFamily="18" charset="0"/>
+              </a:rPr>
+              <a:t>Lesson 12</a:t>
+            </a:r>
+          </a:p>
+        </p:txBody>
+      </p:sp>
+      <p:pic>
+        <p:nvPicPr>
+          <p:cNvPr id="4" name="Graphic 3" descr="Tick with solid fill">
+            <a:extLst>
+              <a:ext uri="{FF2B5EF4-FFF2-40B4-BE49-F238E27FC236}">
+                <a16:creationId xmlns:a16="http://schemas.microsoft.com/office/drawing/2014/main" id="{A2607237-7AC3-924E-A8DE-9B2626683324}"/>
+              </a:ext>
+            </a:extLst>
+          </p:cNvPr>
+          <p:cNvPicPr>
+            <a:picLocks noChangeAspect="1"/>
+          </p:cNvPicPr>
+          <p:nvPr/>
+        </p:nvPicPr>
+        <p:blipFill>
+          <a:blip r:embed="rId3">
+            <a:extLst>
+              <a:ext uri="{28A0092B-C50C-407E-A947-70E740481C1C}">
+                <a14:useLocalDpi xmlns:a14="http://schemas.microsoft.com/office/drawing/2010/main" val="0"/>
+              </a:ext>
+              <a:ext uri="{96DAC541-7B7A-43D3-8B79-37D633B846F1}">
+                <asvg:svgBlip xmlns:asvg="http://schemas.microsoft.com/office/drawing/2016/SVG/main" r:embed="rId4"/>
+              </a:ext>
+            </a:extLst>
+          </a:blip>
+          <a:stretch>
+            <a:fillRect/>
+          </a:stretch>
+        </p:blipFill>
+        <p:spPr>
+          <a:xfrm>
+            <a:off x="2581591" y="1231135"/>
+            <a:ext cx="509952" cy="509952"/>
+          </a:xfrm>
+          <a:prstGeom prst="rect">
+            <a:avLst/>
+          </a:prstGeom>
+        </p:spPr>
+      </p:pic>
     </p:spTree>
     <p:extLst>
       <p:ext uri="{BB962C8B-B14F-4D97-AF65-F5344CB8AC3E}">
-        <p14:creationId xmlns:p14="http://schemas.microsoft.com/office/powerpoint/2010/main" val="357888541"/>
+        <p14:creationId xmlns:p14="http://schemas.microsoft.com/office/powerpoint/2010/main" val="2792479671"/>
       </p:ext>
     </p:extLst>
   </p:cSld>

--- a/lab_03-dart_101_part_2/lab_03-dart_101_part_2.pptx
+++ b/lab_03-dart_101_part_2/lab_03-dart_101_part_2.pptx
@@ -233,7 +233,7 @@
           <a:p>
             <a:fld id="{81C4B3FE-0320-8142-8396-5C3025C019EC}" type="datetimeFigureOut">
               <a:rPr lang="en-IT" smtClean="0"/>
-              <a:t>24/02/22</a:t>
+              <a:t>14/03/22</a:t>
             </a:fld>
             <a:endParaRPr lang="en-IT"/>
           </a:p>
@@ -4227,6 +4227,7 @@
     <p:sldLayoutId id="2147483649" r:id="rId3"/>
     <p:sldLayoutId id="2147483654" r:id="rId4"/>
   </p:sldLayoutIdLst>
+  <p:hf hdr="0" ftr="0" dt="0"/>
   <p:txStyles>
     <p:titleStyle>
       <a:lvl1pPr algn="ctr" defTabSz="914400" rtl="0" eaLnBrk="1" latinLnBrk="0" hangingPunct="1">
@@ -4756,7 +4757,7 @@
               <a:rPr lang="en-GB" b="1" dirty="0">
                 <a:latin typeface="Courier" pitchFamily="2" charset="0"/>
               </a:rPr>
-              <a:t>//Unnamed constructor</a:t>
+              <a:t>//Unnamed (default) constructor</a:t>
             </a:r>
           </a:p>
           <a:p>
@@ -5271,6 +5272,35 @@
           </a:fontRef>
         </p:style>
       </p:cxnSp>
+      <p:sp>
+        <p:nvSpPr>
+          <p:cNvPr id="4" name="Slide Number Placeholder 3">
+            <a:extLst>
+              <a:ext uri="{FF2B5EF4-FFF2-40B4-BE49-F238E27FC236}">
+                <a16:creationId xmlns:a16="http://schemas.microsoft.com/office/drawing/2014/main" id="{81461541-589F-4441-9CCE-FF416947DD11}"/>
+              </a:ext>
+            </a:extLst>
+          </p:cNvPr>
+          <p:cNvSpPr>
+            <a:spLocks noGrp="1"/>
+          </p:cNvSpPr>
+          <p:nvPr>
+            <p:ph type="sldNum" sz="quarter" idx="12"/>
+          </p:nvPr>
+        </p:nvSpPr>
+        <p:spPr/>
+        <p:txBody>
+          <a:bodyPr/>
+          <a:lstStyle/>
+          <a:p>
+            <a:fld id="{31DE2C5B-556E-47B8-A792-024C2FCA4ACC}" type="slidenum">
+              <a:rPr lang="en-GB" smtClean="0"/>
+              <a:t>10</a:t>
+            </a:fld>
+            <a:endParaRPr lang="en-GB"/>
+          </a:p>
+        </p:txBody>
+      </p:sp>
     </p:spTree>
     <p:extLst>
       <p:ext uri="{BB962C8B-B14F-4D97-AF65-F5344CB8AC3E}">
@@ -6209,6 +6239,35 @@
           </a:p>
         </p:txBody>
       </p:sp>
+      <p:sp>
+        <p:nvSpPr>
+          <p:cNvPr id="3" name="Slide Number Placeholder 2">
+            <a:extLst>
+              <a:ext uri="{FF2B5EF4-FFF2-40B4-BE49-F238E27FC236}">
+                <a16:creationId xmlns:a16="http://schemas.microsoft.com/office/drawing/2014/main" id="{9D7BB9CD-5EE4-794B-BEF2-3D9968985333}"/>
+              </a:ext>
+            </a:extLst>
+          </p:cNvPr>
+          <p:cNvSpPr>
+            <a:spLocks noGrp="1"/>
+          </p:cNvSpPr>
+          <p:nvPr>
+            <p:ph type="sldNum" sz="quarter" idx="12"/>
+          </p:nvPr>
+        </p:nvSpPr>
+        <p:spPr/>
+        <p:txBody>
+          <a:bodyPr/>
+          <a:lstStyle/>
+          <a:p>
+            <a:fld id="{31DE2C5B-556E-47B8-A792-024C2FCA4ACC}" type="slidenum">
+              <a:rPr lang="en-GB" smtClean="0"/>
+              <a:t>11</a:t>
+            </a:fld>
+            <a:endParaRPr lang="en-GB"/>
+          </a:p>
+        </p:txBody>
+      </p:sp>
     </p:spTree>
     <p:extLst>
       <p:ext uri="{BB962C8B-B14F-4D97-AF65-F5344CB8AC3E}">
@@ -6600,6 +6659,35 @@
           </a:p>
         </p:txBody>
       </p:sp>
+      <p:sp>
+        <p:nvSpPr>
+          <p:cNvPr id="3" name="Slide Number Placeholder 2">
+            <a:extLst>
+              <a:ext uri="{FF2B5EF4-FFF2-40B4-BE49-F238E27FC236}">
+                <a16:creationId xmlns:a16="http://schemas.microsoft.com/office/drawing/2014/main" id="{2A23599C-F254-9143-ABF5-B532F45E775F}"/>
+              </a:ext>
+            </a:extLst>
+          </p:cNvPr>
+          <p:cNvSpPr>
+            <a:spLocks noGrp="1"/>
+          </p:cNvSpPr>
+          <p:nvPr>
+            <p:ph type="sldNum" sz="quarter" idx="12"/>
+          </p:nvPr>
+        </p:nvSpPr>
+        <p:spPr/>
+        <p:txBody>
+          <a:bodyPr/>
+          <a:lstStyle/>
+          <a:p>
+            <a:fld id="{31DE2C5B-556E-47B8-A792-024C2FCA4ACC}" type="slidenum">
+              <a:rPr lang="en-GB" smtClean="0"/>
+              <a:t>12</a:t>
+            </a:fld>
+            <a:endParaRPr lang="en-GB"/>
+          </a:p>
+        </p:txBody>
+      </p:sp>
     </p:spTree>
     <p:extLst>
       <p:ext uri="{BB962C8B-B14F-4D97-AF65-F5344CB8AC3E}">
@@ -7102,6 +7190,35 @@
           </a:p>
         </p:txBody>
       </p:sp>
+      <p:sp>
+        <p:nvSpPr>
+          <p:cNvPr id="3" name="Slide Number Placeholder 2">
+            <a:extLst>
+              <a:ext uri="{FF2B5EF4-FFF2-40B4-BE49-F238E27FC236}">
+                <a16:creationId xmlns:a16="http://schemas.microsoft.com/office/drawing/2014/main" id="{52E04B25-9C76-AB4C-B091-966F7FFA015B}"/>
+              </a:ext>
+            </a:extLst>
+          </p:cNvPr>
+          <p:cNvSpPr>
+            <a:spLocks noGrp="1"/>
+          </p:cNvSpPr>
+          <p:nvPr>
+            <p:ph type="sldNum" sz="quarter" idx="12"/>
+          </p:nvPr>
+        </p:nvSpPr>
+        <p:spPr/>
+        <p:txBody>
+          <a:bodyPr/>
+          <a:lstStyle/>
+          <a:p>
+            <a:fld id="{31DE2C5B-556E-47B8-A792-024C2FCA4ACC}" type="slidenum">
+              <a:rPr lang="en-GB" smtClean="0"/>
+              <a:t>13</a:t>
+            </a:fld>
+            <a:endParaRPr lang="en-GB"/>
+          </a:p>
+        </p:txBody>
+      </p:sp>
     </p:spTree>
     <p:extLst>
       <p:ext uri="{BB962C8B-B14F-4D97-AF65-F5344CB8AC3E}">
@@ -7280,6 +7397,35 @@
               </a:rPr>
               <a:t>Resources</a:t>
             </a:r>
+          </a:p>
+        </p:txBody>
+      </p:sp>
+      <p:sp>
+        <p:nvSpPr>
+          <p:cNvPr id="4" name="Slide Number Placeholder 3">
+            <a:extLst>
+              <a:ext uri="{FF2B5EF4-FFF2-40B4-BE49-F238E27FC236}">
+                <a16:creationId xmlns:a16="http://schemas.microsoft.com/office/drawing/2014/main" id="{9FF2A3D8-C96F-D74A-A9F0-09A6CA2D86C1}"/>
+              </a:ext>
+            </a:extLst>
+          </p:cNvPr>
+          <p:cNvSpPr>
+            <a:spLocks noGrp="1"/>
+          </p:cNvSpPr>
+          <p:nvPr>
+            <p:ph type="sldNum" sz="quarter" idx="12"/>
+          </p:nvPr>
+        </p:nvSpPr>
+        <p:spPr/>
+        <p:txBody>
+          <a:bodyPr/>
+          <a:lstStyle/>
+          <a:p>
+            <a:fld id="{31DE2C5B-556E-47B8-A792-024C2FCA4ACC}" type="slidenum">
+              <a:rPr lang="en-GB" smtClean="0"/>
+              <a:t>14</a:t>
+            </a:fld>
+            <a:endParaRPr lang="en-GB"/>
           </a:p>
         </p:txBody>
       </p:sp>
@@ -8871,6 +9017,35 @@
           </a:fontRef>
         </p:style>
       </p:cxnSp>
+      <p:sp>
+        <p:nvSpPr>
+          <p:cNvPr id="4" name="Slide Number Placeholder 3">
+            <a:extLst>
+              <a:ext uri="{FF2B5EF4-FFF2-40B4-BE49-F238E27FC236}">
+                <a16:creationId xmlns:a16="http://schemas.microsoft.com/office/drawing/2014/main" id="{C60A0D36-60A0-0E42-BA59-0B0ED17FAE4E}"/>
+              </a:ext>
+            </a:extLst>
+          </p:cNvPr>
+          <p:cNvSpPr>
+            <a:spLocks noGrp="1"/>
+          </p:cNvSpPr>
+          <p:nvPr>
+            <p:ph type="sldNum" sz="quarter" idx="12"/>
+          </p:nvPr>
+        </p:nvSpPr>
+        <p:spPr/>
+        <p:txBody>
+          <a:bodyPr/>
+          <a:lstStyle/>
+          <a:p>
+            <a:fld id="{31DE2C5B-556E-47B8-A792-024C2FCA4ACC}" type="slidenum">
+              <a:rPr lang="en-GB" smtClean="0"/>
+              <a:t>15</a:t>
+            </a:fld>
+            <a:endParaRPr lang="en-GB"/>
+          </a:p>
+        </p:txBody>
+      </p:sp>
     </p:spTree>
     <p:extLst>
       <p:ext uri="{BB962C8B-B14F-4D97-AF65-F5344CB8AC3E}">
@@ -9931,6 +10106,35 @@
           </a:p>
         </p:txBody>
       </p:sp>
+      <p:sp>
+        <p:nvSpPr>
+          <p:cNvPr id="4" name="Slide Number Placeholder 3">
+            <a:extLst>
+              <a:ext uri="{FF2B5EF4-FFF2-40B4-BE49-F238E27FC236}">
+                <a16:creationId xmlns:a16="http://schemas.microsoft.com/office/drawing/2014/main" id="{BC828AB0-86C0-7543-9EB2-B30250FD5F82}"/>
+              </a:ext>
+            </a:extLst>
+          </p:cNvPr>
+          <p:cNvSpPr>
+            <a:spLocks noGrp="1"/>
+          </p:cNvSpPr>
+          <p:nvPr>
+            <p:ph type="sldNum" sz="quarter" idx="12"/>
+          </p:nvPr>
+        </p:nvSpPr>
+        <p:spPr/>
+        <p:txBody>
+          <a:bodyPr/>
+          <a:lstStyle/>
+          <a:p>
+            <a:fld id="{31DE2C5B-556E-47B8-A792-024C2FCA4ACC}" type="slidenum">
+              <a:rPr lang="en-GB" smtClean="0"/>
+              <a:t>16</a:t>
+            </a:fld>
+            <a:endParaRPr lang="en-GB"/>
+          </a:p>
+        </p:txBody>
+      </p:sp>
     </p:spTree>
     <p:extLst>
       <p:ext uri="{BB962C8B-B14F-4D97-AF65-F5344CB8AC3E}">
@@ -11286,6 +11490,35 @@
           </a:p>
         </p:txBody>
       </p:sp>
+      <p:sp>
+        <p:nvSpPr>
+          <p:cNvPr id="4" name="Slide Number Placeholder 3">
+            <a:extLst>
+              <a:ext uri="{FF2B5EF4-FFF2-40B4-BE49-F238E27FC236}">
+                <a16:creationId xmlns:a16="http://schemas.microsoft.com/office/drawing/2014/main" id="{DDDC6B05-1657-DE44-BA8B-C8DBB8BB57C4}"/>
+              </a:ext>
+            </a:extLst>
+          </p:cNvPr>
+          <p:cNvSpPr>
+            <a:spLocks noGrp="1"/>
+          </p:cNvSpPr>
+          <p:nvPr>
+            <p:ph type="sldNum" sz="quarter" idx="12"/>
+          </p:nvPr>
+        </p:nvSpPr>
+        <p:spPr/>
+        <p:txBody>
+          <a:bodyPr/>
+          <a:lstStyle/>
+          <a:p>
+            <a:fld id="{31DE2C5B-556E-47B8-A792-024C2FCA4ACC}" type="slidenum">
+              <a:rPr lang="en-GB" smtClean="0"/>
+              <a:t>17</a:t>
+            </a:fld>
+            <a:endParaRPr lang="en-GB"/>
+          </a:p>
+        </p:txBody>
+      </p:sp>
     </p:spTree>
     <p:extLst>
       <p:ext uri="{BB962C8B-B14F-4D97-AF65-F5344CB8AC3E}">
@@ -12780,6 +13013,35 @@
           </a:fontRef>
         </p:style>
       </p:cxnSp>
+      <p:sp>
+        <p:nvSpPr>
+          <p:cNvPr id="4" name="Slide Number Placeholder 3">
+            <a:extLst>
+              <a:ext uri="{FF2B5EF4-FFF2-40B4-BE49-F238E27FC236}">
+                <a16:creationId xmlns:a16="http://schemas.microsoft.com/office/drawing/2014/main" id="{92F4FAD1-C21E-AA43-B47D-BCE248EC764D}"/>
+              </a:ext>
+            </a:extLst>
+          </p:cNvPr>
+          <p:cNvSpPr>
+            <a:spLocks noGrp="1"/>
+          </p:cNvSpPr>
+          <p:nvPr>
+            <p:ph type="sldNum" sz="quarter" idx="12"/>
+          </p:nvPr>
+        </p:nvSpPr>
+        <p:spPr/>
+        <p:txBody>
+          <a:bodyPr/>
+          <a:lstStyle/>
+          <a:p>
+            <a:fld id="{31DE2C5B-556E-47B8-A792-024C2FCA4ACC}" type="slidenum">
+              <a:rPr lang="en-GB" smtClean="0"/>
+              <a:t>18</a:t>
+            </a:fld>
+            <a:endParaRPr lang="en-GB"/>
+          </a:p>
+        </p:txBody>
+      </p:sp>
     </p:spTree>
     <p:extLst>
       <p:ext uri="{BB962C8B-B14F-4D97-AF65-F5344CB8AC3E}">
@@ -14161,6 +14423,35 @@
           </a:p>
         </p:txBody>
       </p:sp>
+      <p:sp>
+        <p:nvSpPr>
+          <p:cNvPr id="4" name="Slide Number Placeholder 3">
+            <a:extLst>
+              <a:ext uri="{FF2B5EF4-FFF2-40B4-BE49-F238E27FC236}">
+                <a16:creationId xmlns:a16="http://schemas.microsoft.com/office/drawing/2014/main" id="{25B3A6D9-EB35-6646-88FE-91A4AE4630C7}"/>
+              </a:ext>
+            </a:extLst>
+          </p:cNvPr>
+          <p:cNvSpPr>
+            <a:spLocks noGrp="1"/>
+          </p:cNvSpPr>
+          <p:nvPr>
+            <p:ph type="sldNum" sz="quarter" idx="12"/>
+          </p:nvPr>
+        </p:nvSpPr>
+        <p:spPr/>
+        <p:txBody>
+          <a:bodyPr/>
+          <a:lstStyle/>
+          <a:p>
+            <a:fld id="{31DE2C5B-556E-47B8-A792-024C2FCA4ACC}" type="slidenum">
+              <a:rPr lang="en-GB" smtClean="0"/>
+              <a:t>19</a:t>
+            </a:fld>
+            <a:endParaRPr lang="en-GB"/>
+          </a:p>
+        </p:txBody>
+      </p:sp>
     </p:spTree>
     <p:extLst>
       <p:ext uri="{BB962C8B-B14F-4D97-AF65-F5344CB8AC3E}">
@@ -14342,6 +14633,35 @@
           </a:p>
         </p:txBody>
       </p:sp>
+      <p:sp>
+        <p:nvSpPr>
+          <p:cNvPr id="4" name="Slide Number Placeholder 3">
+            <a:extLst>
+              <a:ext uri="{FF2B5EF4-FFF2-40B4-BE49-F238E27FC236}">
+                <a16:creationId xmlns:a16="http://schemas.microsoft.com/office/drawing/2014/main" id="{C7475562-AB0E-6D4E-9562-D938A1568DDF}"/>
+              </a:ext>
+            </a:extLst>
+          </p:cNvPr>
+          <p:cNvSpPr>
+            <a:spLocks noGrp="1"/>
+          </p:cNvSpPr>
+          <p:nvPr>
+            <p:ph type="sldNum" sz="quarter" idx="12"/>
+          </p:nvPr>
+        </p:nvSpPr>
+        <p:spPr/>
+        <p:txBody>
+          <a:bodyPr/>
+          <a:lstStyle/>
+          <a:p>
+            <a:fld id="{31DE2C5B-556E-47B8-A792-024C2FCA4ACC}" type="slidenum">
+              <a:rPr lang="en-GB" smtClean="0"/>
+              <a:t>2</a:t>
+            </a:fld>
+            <a:endParaRPr lang="en-GB"/>
+          </a:p>
+        </p:txBody>
+      </p:sp>
     </p:spTree>
     <p:extLst>
       <p:ext uri="{BB962C8B-B14F-4D97-AF65-F5344CB8AC3E}">
@@ -14523,6 +14843,35 @@
           </a:p>
         </p:txBody>
       </p:sp>
+      <p:sp>
+        <p:nvSpPr>
+          <p:cNvPr id="4" name="Slide Number Placeholder 3">
+            <a:extLst>
+              <a:ext uri="{FF2B5EF4-FFF2-40B4-BE49-F238E27FC236}">
+                <a16:creationId xmlns:a16="http://schemas.microsoft.com/office/drawing/2014/main" id="{7C7A49D7-2376-884D-BD42-2028E467BA54}"/>
+              </a:ext>
+            </a:extLst>
+          </p:cNvPr>
+          <p:cNvSpPr>
+            <a:spLocks noGrp="1"/>
+          </p:cNvSpPr>
+          <p:nvPr>
+            <p:ph type="sldNum" sz="quarter" idx="12"/>
+          </p:nvPr>
+        </p:nvSpPr>
+        <p:spPr/>
+        <p:txBody>
+          <a:bodyPr/>
+          <a:lstStyle/>
+          <a:p>
+            <a:fld id="{31DE2C5B-556E-47B8-A792-024C2FCA4ACC}" type="slidenum">
+              <a:rPr lang="en-GB" smtClean="0"/>
+              <a:t>20</a:t>
+            </a:fld>
+            <a:endParaRPr lang="en-GB"/>
+          </a:p>
+        </p:txBody>
+      </p:sp>
     </p:spTree>
     <p:extLst>
       <p:ext uri="{BB962C8B-B14F-4D97-AF65-F5344CB8AC3E}">
@@ -14738,6 +15087,35 @@
           </a:prstGeom>
         </p:spPr>
       </p:pic>
+      <p:sp>
+        <p:nvSpPr>
+          <p:cNvPr id="4" name="Slide Number Placeholder 3">
+            <a:extLst>
+              <a:ext uri="{FF2B5EF4-FFF2-40B4-BE49-F238E27FC236}">
+                <a16:creationId xmlns:a16="http://schemas.microsoft.com/office/drawing/2014/main" id="{2EF9058F-58E6-EE45-884C-FB58288C3AF1}"/>
+              </a:ext>
+            </a:extLst>
+          </p:cNvPr>
+          <p:cNvSpPr>
+            <a:spLocks noGrp="1"/>
+          </p:cNvSpPr>
+          <p:nvPr>
+            <p:ph type="sldNum" sz="quarter" idx="12"/>
+          </p:nvPr>
+        </p:nvSpPr>
+        <p:spPr/>
+        <p:txBody>
+          <a:bodyPr/>
+          <a:lstStyle/>
+          <a:p>
+            <a:fld id="{31DE2C5B-556E-47B8-A792-024C2FCA4ACC}" type="slidenum">
+              <a:rPr lang="en-GB" smtClean="0"/>
+              <a:t>21</a:t>
+            </a:fld>
+            <a:endParaRPr lang="en-GB"/>
+          </a:p>
+        </p:txBody>
+      </p:sp>
     </p:spTree>
     <p:extLst>
       <p:ext uri="{BB962C8B-B14F-4D97-AF65-F5344CB8AC3E}">
@@ -14919,6 +15297,35 @@
           </a:p>
         </p:txBody>
       </p:sp>
+      <p:sp>
+        <p:nvSpPr>
+          <p:cNvPr id="4" name="Slide Number Placeholder 3">
+            <a:extLst>
+              <a:ext uri="{FF2B5EF4-FFF2-40B4-BE49-F238E27FC236}">
+                <a16:creationId xmlns:a16="http://schemas.microsoft.com/office/drawing/2014/main" id="{E21342AD-3446-3D49-9561-1A681A9CE05D}"/>
+              </a:ext>
+            </a:extLst>
+          </p:cNvPr>
+          <p:cNvSpPr>
+            <a:spLocks noGrp="1"/>
+          </p:cNvSpPr>
+          <p:nvPr>
+            <p:ph type="sldNum" sz="quarter" idx="12"/>
+          </p:nvPr>
+        </p:nvSpPr>
+        <p:spPr/>
+        <p:txBody>
+          <a:bodyPr/>
+          <a:lstStyle/>
+          <a:p>
+            <a:fld id="{31DE2C5B-556E-47B8-A792-024C2FCA4ACC}" type="slidenum">
+              <a:rPr lang="en-GB" smtClean="0"/>
+              <a:t>22</a:t>
+            </a:fld>
+            <a:endParaRPr lang="en-GB"/>
+          </a:p>
+        </p:txBody>
+      </p:sp>
     </p:spTree>
     <p:extLst>
       <p:ext uri="{BB962C8B-B14F-4D97-AF65-F5344CB8AC3E}">
@@ -15111,6 +15518,35 @@
           </a:p>
         </p:txBody>
       </p:sp>
+      <p:sp>
+        <p:nvSpPr>
+          <p:cNvPr id="3" name="Slide Number Placeholder 2">
+            <a:extLst>
+              <a:ext uri="{FF2B5EF4-FFF2-40B4-BE49-F238E27FC236}">
+                <a16:creationId xmlns:a16="http://schemas.microsoft.com/office/drawing/2014/main" id="{F9277764-36CE-4F4F-99FC-F2A27DF3F863}"/>
+              </a:ext>
+            </a:extLst>
+          </p:cNvPr>
+          <p:cNvSpPr>
+            <a:spLocks noGrp="1"/>
+          </p:cNvSpPr>
+          <p:nvPr>
+            <p:ph type="sldNum" sz="quarter" idx="12"/>
+          </p:nvPr>
+        </p:nvSpPr>
+        <p:spPr/>
+        <p:txBody>
+          <a:bodyPr/>
+          <a:lstStyle/>
+          <a:p>
+            <a:fld id="{31DE2C5B-556E-47B8-A792-024C2FCA4ACC}" type="slidenum">
+              <a:rPr lang="en-GB" smtClean="0"/>
+              <a:t>23</a:t>
+            </a:fld>
+            <a:endParaRPr lang="en-GB"/>
+          </a:p>
+        </p:txBody>
+      </p:sp>
     </p:spTree>
     <p:extLst>
       <p:ext uri="{BB962C8B-B14F-4D97-AF65-F5344CB8AC3E}">
@@ -15243,6 +15679,35 @@
           </a:p>
         </p:txBody>
       </p:sp>
+      <p:sp>
+        <p:nvSpPr>
+          <p:cNvPr id="3" name="Slide Number Placeholder 2">
+            <a:extLst>
+              <a:ext uri="{FF2B5EF4-FFF2-40B4-BE49-F238E27FC236}">
+                <a16:creationId xmlns:a16="http://schemas.microsoft.com/office/drawing/2014/main" id="{8CCB4CCE-1D86-464D-84CA-9A1992A47F18}"/>
+              </a:ext>
+            </a:extLst>
+          </p:cNvPr>
+          <p:cNvSpPr>
+            <a:spLocks noGrp="1"/>
+          </p:cNvSpPr>
+          <p:nvPr>
+            <p:ph type="sldNum" sz="quarter" idx="12"/>
+          </p:nvPr>
+        </p:nvSpPr>
+        <p:spPr/>
+        <p:txBody>
+          <a:bodyPr/>
+          <a:lstStyle/>
+          <a:p>
+            <a:fld id="{31DE2C5B-556E-47B8-A792-024C2FCA4ACC}" type="slidenum">
+              <a:rPr lang="en-GB" smtClean="0"/>
+              <a:t>24</a:t>
+            </a:fld>
+            <a:endParaRPr lang="en-GB"/>
+          </a:p>
+        </p:txBody>
+      </p:sp>
     </p:spTree>
     <p:extLst>
       <p:ext uri="{BB962C8B-B14F-4D97-AF65-F5344CB8AC3E}">
@@ -15484,6 +15949,35 @@
           </a:p>
         </p:txBody>
       </p:sp>
+      <p:sp>
+        <p:nvSpPr>
+          <p:cNvPr id="3" name="Slide Number Placeholder 2">
+            <a:extLst>
+              <a:ext uri="{FF2B5EF4-FFF2-40B4-BE49-F238E27FC236}">
+                <a16:creationId xmlns:a16="http://schemas.microsoft.com/office/drawing/2014/main" id="{C116C8FB-6773-6A46-A681-9DA035F293AF}"/>
+              </a:ext>
+            </a:extLst>
+          </p:cNvPr>
+          <p:cNvSpPr>
+            <a:spLocks noGrp="1"/>
+          </p:cNvSpPr>
+          <p:nvPr>
+            <p:ph type="sldNum" sz="quarter" idx="12"/>
+          </p:nvPr>
+        </p:nvSpPr>
+        <p:spPr/>
+        <p:txBody>
+          <a:bodyPr/>
+          <a:lstStyle/>
+          <a:p>
+            <a:fld id="{31DE2C5B-556E-47B8-A792-024C2FCA4ACC}" type="slidenum">
+              <a:rPr lang="en-GB" smtClean="0"/>
+              <a:t>25</a:t>
+            </a:fld>
+            <a:endParaRPr lang="en-GB"/>
+          </a:p>
+        </p:txBody>
+      </p:sp>
     </p:spTree>
     <p:extLst>
       <p:ext uri="{BB962C8B-B14F-4D97-AF65-F5344CB8AC3E}">
@@ -15574,10 +16068,10 @@
               <a:buNone/>
             </a:pPr>
             <a:r>
-              <a:rPr lang="en-GB" sz="2000" b="1" dirty="0">
-                <a:latin typeface="Courier" pitchFamily="2" charset="0"/>
-              </a:rPr>
-              <a:t>Future&lt;void&gt; </a:t>
+              <a:rPr lang="en-GB" sz="2000" dirty="0">
+                <a:latin typeface="Courier" pitchFamily="2" charset="0"/>
+              </a:rPr>
+              <a:t>void </a:t>
             </a:r>
             <a:r>
               <a:rPr lang="en-GB" sz="2000" dirty="0" err="1">
@@ -15600,7 +16094,7 @@
               <a:rPr lang="en-GB" sz="2000" dirty="0">
                 <a:latin typeface="Courier" pitchFamily="2" charset="0"/>
               </a:rPr>
-              <a:t>  return </a:t>
+              <a:t>  </a:t>
             </a:r>
             <a:r>
               <a:rPr lang="en-GB" sz="2000" b="1" dirty="0" err="1">
@@ -15630,7 +16124,7 @@
               <a:rPr lang="en-GB" sz="2000" dirty="0">
                 <a:latin typeface="Courier" pitchFamily="2" charset="0"/>
               </a:rPr>
-              <a:t> 	Duration(seconds: 2), () =&gt; 	print('Large Latte'));</a:t>
+              <a:t> 	Duration(seconds: 2), () =&gt; print('Large Latte'));</a:t>
             </a:r>
           </a:p>
           <a:p>
@@ -15962,12 +16456,153 @@
           </a:p>
         </p:txBody>
       </p:sp>
+      <p:sp>
+        <p:nvSpPr>
+          <p:cNvPr id="7" name="Rectangle 6">
+            <a:extLst>
+              <a:ext uri="{FF2B5EF4-FFF2-40B4-BE49-F238E27FC236}">
+                <a16:creationId xmlns:a16="http://schemas.microsoft.com/office/drawing/2014/main" id="{FF324755-9CDD-9544-BC56-BBCDBE7F3845}"/>
+              </a:ext>
+            </a:extLst>
+          </p:cNvPr>
+          <p:cNvSpPr/>
+          <p:nvPr/>
+        </p:nvSpPr>
+        <p:spPr>
+          <a:xfrm>
+            <a:off x="8267961" y="1361167"/>
+            <a:ext cx="3375389" cy="646331"/>
+          </a:xfrm>
+          <a:prstGeom prst="rect">
+            <a:avLst/>
+          </a:prstGeom>
+        </p:spPr>
+        <p:txBody>
+          <a:bodyPr wrap="square">
+            <a:spAutoFit/>
+          </a:bodyPr>
+          <a:lstStyle/>
+          <a:p>
+            <a:r>
+              <a:rPr lang="en-GB" dirty="0">
+                <a:latin typeface="Palatino Linotype" panose="02040502050505030304" pitchFamily="18" charset="0"/>
+              </a:rPr>
+              <a:t>The function is doing some asynchronous stuff.</a:t>
+            </a:r>
+            <a:endParaRPr lang="en-IT" dirty="0">
+              <a:latin typeface="Courier" pitchFamily="2" charset="0"/>
+            </a:endParaRPr>
+          </a:p>
+        </p:txBody>
+      </p:sp>
+      <p:sp>
+        <p:nvSpPr>
+          <p:cNvPr id="8" name="Rectangle 7">
+            <a:extLst>
+              <a:ext uri="{FF2B5EF4-FFF2-40B4-BE49-F238E27FC236}">
+                <a16:creationId xmlns:a16="http://schemas.microsoft.com/office/drawing/2014/main" id="{46615AD4-39E3-F34B-9EA2-8300DA21DF57}"/>
+              </a:ext>
+            </a:extLst>
+          </p:cNvPr>
+          <p:cNvSpPr/>
+          <p:nvPr/>
+        </p:nvSpPr>
+        <p:spPr>
+          <a:xfrm>
+            <a:off x="8267961" y="4250338"/>
+            <a:ext cx="3164305" cy="923330"/>
+          </a:xfrm>
+          <a:prstGeom prst="rect">
+            <a:avLst/>
+          </a:prstGeom>
+          <a:solidFill>
+            <a:schemeClr val="accent6">
+              <a:lumMod val="40000"/>
+              <a:lumOff val="60000"/>
+            </a:schemeClr>
+          </a:solidFill>
+        </p:spPr>
+        <p:txBody>
+          <a:bodyPr wrap="square">
+            <a:spAutoFit/>
+          </a:bodyPr>
+          <a:lstStyle/>
+          <a:p>
+            <a:r>
+              <a:rPr lang="en-GB" b="1" dirty="0">
+                <a:latin typeface="Palatino Linotype" panose="02040502050505030304" pitchFamily="18" charset="0"/>
+              </a:rPr>
+              <a:t>Note</a:t>
+            </a:r>
+            <a:r>
+              <a:rPr lang="en-GB" dirty="0">
+                <a:latin typeface="Palatino Linotype" panose="02040502050505030304" pitchFamily="18" charset="0"/>
+              </a:rPr>
+              <a:t>: ‘Done’ will be print before ‘Large latte’. How to fix this?</a:t>
+            </a:r>
+            <a:endParaRPr lang="en-IT" dirty="0">
+              <a:latin typeface="Palatino Linotype" panose="02040502050505030304" pitchFamily="18" charset="0"/>
+            </a:endParaRPr>
+          </a:p>
+        </p:txBody>
+      </p:sp>
+      <p:sp>
+        <p:nvSpPr>
+          <p:cNvPr id="12" name="Rectangle 11">
+            <a:extLst>
+              <a:ext uri="{FF2B5EF4-FFF2-40B4-BE49-F238E27FC236}">
+                <a16:creationId xmlns:a16="http://schemas.microsoft.com/office/drawing/2014/main" id="{F076FAD8-94BF-654A-B1FB-089A770469E3}"/>
+              </a:ext>
+            </a:extLst>
+          </p:cNvPr>
+          <p:cNvSpPr/>
+          <p:nvPr/>
+        </p:nvSpPr>
+        <p:spPr>
+          <a:xfrm>
+            <a:off x="8246683" y="3101053"/>
+            <a:ext cx="3164305" cy="646331"/>
+          </a:xfrm>
+          <a:prstGeom prst="rect">
+            <a:avLst/>
+          </a:prstGeom>
+          <a:solidFill>
+            <a:schemeClr val="accent6">
+              <a:lumMod val="40000"/>
+              <a:lumOff val="60000"/>
+            </a:schemeClr>
+          </a:solidFill>
+        </p:spPr>
+        <p:txBody>
+          <a:bodyPr wrap="square">
+            <a:spAutoFit/>
+          </a:bodyPr>
+          <a:lstStyle/>
+          <a:p>
+            <a:r>
+              <a:rPr lang="en-GB" b="1" dirty="0">
+                <a:latin typeface="Palatino Linotype" panose="02040502050505030304" pitchFamily="18" charset="0"/>
+              </a:rPr>
+              <a:t>Note</a:t>
+            </a:r>
+            <a:r>
+              <a:rPr lang="en-GB" dirty="0">
+                <a:latin typeface="Palatino Linotype" panose="02040502050505030304" pitchFamily="18" charset="0"/>
+              </a:rPr>
+              <a:t>: main is an asynchronous function now</a:t>
+            </a:r>
+            <a:endParaRPr lang="en-IT" dirty="0">
+              <a:latin typeface="Palatino Linotype" panose="02040502050505030304" pitchFamily="18" charset="0"/>
+            </a:endParaRPr>
+          </a:p>
+        </p:txBody>
+      </p:sp>
       <p:cxnSp>
         <p:nvCxnSpPr>
-          <p:cNvPr id="5" name="Straight Arrow Connector 4">
+          <p:cNvPr id="13" name="Straight Arrow Connector 12">
             <a:extLst>
               <a:ext uri="{FF2B5EF4-FFF2-40B4-BE49-F238E27FC236}">
-                <a16:creationId xmlns:a16="http://schemas.microsoft.com/office/drawing/2014/main" id="{154666E4-07DB-0B45-82CC-92120301A16D}"/>
+                <a16:creationId xmlns:a16="http://schemas.microsoft.com/office/drawing/2014/main" id="{055200F9-BECA-8E4F-838F-2A4DE683DA3D}"/>
               </a:ext>
             </a:extLst>
           </p:cNvPr>
@@ -15977,9 +16612,9 @@
           <p:nvPr/>
         </p:nvCxnSpPr>
         <p:spPr>
-          <a:xfrm>
-            <a:off x="5316593" y="1556457"/>
-            <a:ext cx="2855134" cy="0"/>
+          <a:xfrm flipV="1">
+            <a:off x="2407534" y="3424218"/>
+            <a:ext cx="5590572" cy="201056"/>
           </a:xfrm>
           <a:prstGeom prst="straightConnector1">
             <a:avLst/>
@@ -16005,106 +16640,39 @@
       </p:cxnSp>
       <p:sp>
         <p:nvSpPr>
-          <p:cNvPr id="7" name="Rectangle 6">
+          <p:cNvPr id="3" name="Slide Number Placeholder 2">
             <a:extLst>
               <a:ext uri="{FF2B5EF4-FFF2-40B4-BE49-F238E27FC236}">
-                <a16:creationId xmlns:a16="http://schemas.microsoft.com/office/drawing/2014/main" id="{FF324755-9CDD-9544-BC56-BBCDBE7F3845}"/>
+                <a16:creationId xmlns:a16="http://schemas.microsoft.com/office/drawing/2014/main" id="{79052029-4E66-914A-9ABA-46BA11E44FE2}"/>
               </a:ext>
             </a:extLst>
           </p:cNvPr>
-          <p:cNvSpPr/>
-          <p:nvPr/>
-        </p:nvSpPr>
-        <p:spPr>
-          <a:xfrm>
-            <a:off x="8267961" y="1361167"/>
-            <a:ext cx="3375389" cy="923330"/>
-          </a:xfrm>
-          <a:prstGeom prst="rect">
-            <a:avLst/>
-          </a:prstGeom>
-        </p:spPr>
-        <p:txBody>
-          <a:bodyPr wrap="square">
-            <a:spAutoFit/>
-          </a:bodyPr>
+          <p:cNvSpPr>
+            <a:spLocks noGrp="1"/>
+          </p:cNvSpPr>
+          <p:nvPr>
+            <p:ph type="sldNum" sz="quarter" idx="12"/>
+          </p:nvPr>
+        </p:nvSpPr>
+        <p:spPr/>
+        <p:txBody>
+          <a:bodyPr/>
           <a:lstStyle/>
           <a:p>
-            <a:r>
-              <a:rPr lang="en-GB" dirty="0">
-                <a:latin typeface="Palatino Linotype" panose="02040502050505030304" pitchFamily="18" charset="0"/>
-              </a:rPr>
-              <a:t>The future doesn’t produce a usable value, then we return</a:t>
-            </a:r>
-            <a:r>
-              <a:rPr lang="en-GB" dirty="0">
-                <a:latin typeface="Courier" pitchFamily="2" charset="0"/>
-              </a:rPr>
-              <a:t> Future&lt;void&gt;</a:t>
-            </a:r>
-            <a:endParaRPr lang="en-IT" dirty="0">
-              <a:latin typeface="Courier" pitchFamily="2" charset="0"/>
-            </a:endParaRPr>
-          </a:p>
-        </p:txBody>
-      </p:sp>
-      <p:sp>
-        <p:nvSpPr>
-          <p:cNvPr id="8" name="Rectangle 7">
-            <a:extLst>
-              <a:ext uri="{FF2B5EF4-FFF2-40B4-BE49-F238E27FC236}">
-                <a16:creationId xmlns:a16="http://schemas.microsoft.com/office/drawing/2014/main" id="{46615AD4-39E3-F34B-9EA2-8300DA21DF57}"/>
-              </a:ext>
-            </a:extLst>
-          </p:cNvPr>
-          <p:cNvSpPr/>
-          <p:nvPr/>
-        </p:nvSpPr>
-        <p:spPr>
-          <a:xfrm>
-            <a:off x="8267961" y="4250338"/>
-            <a:ext cx="3164305" cy="923330"/>
-          </a:xfrm>
-          <a:prstGeom prst="rect">
-            <a:avLst/>
-          </a:prstGeom>
-          <a:solidFill>
-            <a:schemeClr val="accent6">
-              <a:lumMod val="40000"/>
-              <a:lumOff val="60000"/>
-            </a:schemeClr>
-          </a:solidFill>
-        </p:spPr>
-        <p:txBody>
-          <a:bodyPr wrap="square">
-            <a:spAutoFit/>
-          </a:bodyPr>
-          <a:lstStyle/>
-          <a:p>
-            <a:r>
-              <a:rPr lang="en-GB" b="1" dirty="0">
-                <a:latin typeface="Palatino Linotype" panose="02040502050505030304" pitchFamily="18" charset="0"/>
-              </a:rPr>
-              <a:t>Note</a:t>
-            </a:r>
-            <a:r>
-              <a:rPr lang="en-GB" dirty="0">
-                <a:latin typeface="Palatino Linotype" panose="02040502050505030304" pitchFamily="18" charset="0"/>
-              </a:rPr>
-              <a:t>: ‘Done’ will be print before ‘Large latte’. How to fix this?</a:t>
-            </a:r>
-            <a:endParaRPr lang="en-IT" dirty="0">
-              <a:latin typeface="Palatino Linotype" panose="02040502050505030304" pitchFamily="18" charset="0"/>
-            </a:endParaRPr>
+            <a:fld id="{31DE2C5B-556E-47B8-A792-024C2FCA4ACC}" type="slidenum">
+              <a:rPr lang="en-GB" smtClean="0"/>
+              <a:t>26</a:t>
+            </a:fld>
+            <a:endParaRPr lang="en-GB"/>
           </a:p>
         </p:txBody>
       </p:sp>
       <p:cxnSp>
         <p:nvCxnSpPr>
-          <p:cNvPr id="9" name="Straight Arrow Connector 8">
+          <p:cNvPr id="14" name="Straight Arrow Connector 13">
             <a:extLst>
               <a:ext uri="{FF2B5EF4-FFF2-40B4-BE49-F238E27FC236}">
-                <a16:creationId xmlns:a16="http://schemas.microsoft.com/office/drawing/2014/main" id="{112D9358-749C-7F4E-A88B-58E7FF00D449}"/>
+                <a16:creationId xmlns:a16="http://schemas.microsoft.com/office/drawing/2014/main" id="{1C3D170D-DC6C-2C43-846F-F6AF57B87856}"/>
               </a:ext>
             </a:extLst>
           </p:cNvPr>
@@ -16140,75 +16708,25 @@
           </a:fontRef>
         </p:style>
       </p:cxnSp>
-      <p:sp>
-        <p:nvSpPr>
-          <p:cNvPr id="12" name="Rectangle 11">
-            <a:extLst>
-              <a:ext uri="{FF2B5EF4-FFF2-40B4-BE49-F238E27FC236}">
-                <a16:creationId xmlns:a16="http://schemas.microsoft.com/office/drawing/2014/main" id="{F076FAD8-94BF-654A-B1FB-089A770469E3}"/>
-              </a:ext>
-            </a:extLst>
-          </p:cNvPr>
-          <p:cNvSpPr/>
-          <p:nvPr/>
-        </p:nvSpPr>
-        <p:spPr>
-          <a:xfrm>
-            <a:off x="8246683" y="3101053"/>
-            <a:ext cx="3164305" cy="646331"/>
-          </a:xfrm>
-          <a:prstGeom prst="rect">
-            <a:avLst/>
-          </a:prstGeom>
-          <a:solidFill>
-            <a:schemeClr val="accent6">
-              <a:lumMod val="40000"/>
-              <a:lumOff val="60000"/>
-            </a:schemeClr>
-          </a:solidFill>
-        </p:spPr>
-        <p:txBody>
-          <a:bodyPr wrap="square">
-            <a:spAutoFit/>
-          </a:bodyPr>
-          <a:lstStyle/>
-          <a:p>
-            <a:r>
-              <a:rPr lang="en-GB" b="1" dirty="0">
-                <a:latin typeface="Palatino Linotype" panose="02040502050505030304" pitchFamily="18" charset="0"/>
-              </a:rPr>
-              <a:t>Note</a:t>
-            </a:r>
-            <a:r>
-              <a:rPr lang="en-GB" dirty="0">
-                <a:latin typeface="Palatino Linotype" panose="02040502050505030304" pitchFamily="18" charset="0"/>
-              </a:rPr>
-              <a:t>: main is an asynchronous function now</a:t>
-            </a:r>
-            <a:endParaRPr lang="en-IT" dirty="0">
-              <a:latin typeface="Palatino Linotype" panose="02040502050505030304" pitchFamily="18" charset="0"/>
-            </a:endParaRPr>
-          </a:p>
-        </p:txBody>
-      </p:sp>
       <p:cxnSp>
         <p:nvCxnSpPr>
-          <p:cNvPr id="13" name="Straight Arrow Connector 12">
+          <p:cNvPr id="15" name="Straight Arrow Connector 14">
             <a:extLst>
               <a:ext uri="{FF2B5EF4-FFF2-40B4-BE49-F238E27FC236}">
-                <a16:creationId xmlns:a16="http://schemas.microsoft.com/office/drawing/2014/main" id="{055200F9-BECA-8E4F-838F-2A4DE683DA3D}"/>
+                <a16:creationId xmlns:a16="http://schemas.microsoft.com/office/drawing/2014/main" id="{44F9F446-AD64-4347-BC01-8B5DB2A19345}"/>
               </a:ext>
             </a:extLst>
           </p:cNvPr>
           <p:cNvCxnSpPr>
             <a:cxnSpLocks/>
+            <a:endCxn id="7" idx="1"/>
           </p:cNvCxnSpPr>
           <p:nvPr/>
         </p:nvCxnSpPr>
         <p:spPr>
           <a:xfrm flipV="1">
-            <a:off x="2407534" y="3424218"/>
-            <a:ext cx="5590572" cy="201056"/>
+            <a:off x="7342909" y="1684333"/>
+            <a:ext cx="925052" cy="234038"/>
           </a:xfrm>
           <a:prstGeom prst="straightConnector1">
             <a:avLst/>
@@ -16439,6 +16957,35 @@
           </a:p>
         </p:txBody>
       </p:sp>
+      <p:sp>
+        <p:nvSpPr>
+          <p:cNvPr id="3" name="Slide Number Placeholder 2">
+            <a:extLst>
+              <a:ext uri="{FF2B5EF4-FFF2-40B4-BE49-F238E27FC236}">
+                <a16:creationId xmlns:a16="http://schemas.microsoft.com/office/drawing/2014/main" id="{12AC16B1-A36E-D14C-82CD-2FE591FFAE99}"/>
+              </a:ext>
+            </a:extLst>
+          </p:cNvPr>
+          <p:cNvSpPr>
+            <a:spLocks noGrp="1"/>
+          </p:cNvSpPr>
+          <p:nvPr>
+            <p:ph type="sldNum" sz="quarter" idx="12"/>
+          </p:nvPr>
+        </p:nvSpPr>
+        <p:spPr/>
+        <p:txBody>
+          <a:bodyPr/>
+          <a:lstStyle/>
+          <a:p>
+            <a:fld id="{31DE2C5B-556E-47B8-A792-024C2FCA4ACC}" type="slidenum">
+              <a:rPr lang="en-GB" smtClean="0"/>
+              <a:t>27</a:t>
+            </a:fld>
+            <a:endParaRPr lang="en-GB"/>
+          </a:p>
+        </p:txBody>
+      </p:sp>
     </p:spTree>
     <p:extLst>
       <p:ext uri="{BB962C8B-B14F-4D97-AF65-F5344CB8AC3E}">
@@ -16699,6 +17246,35 @@
           </a:p>
         </p:txBody>
       </p:sp>
+      <p:sp>
+        <p:nvSpPr>
+          <p:cNvPr id="3" name="Slide Number Placeholder 2">
+            <a:extLst>
+              <a:ext uri="{FF2B5EF4-FFF2-40B4-BE49-F238E27FC236}">
+                <a16:creationId xmlns:a16="http://schemas.microsoft.com/office/drawing/2014/main" id="{6869866D-2F1E-A542-95E9-87D828F051A0}"/>
+              </a:ext>
+            </a:extLst>
+          </p:cNvPr>
+          <p:cNvSpPr>
+            <a:spLocks noGrp="1"/>
+          </p:cNvSpPr>
+          <p:nvPr>
+            <p:ph type="sldNum" sz="quarter" idx="12"/>
+          </p:nvPr>
+        </p:nvSpPr>
+        <p:spPr/>
+        <p:txBody>
+          <a:bodyPr/>
+          <a:lstStyle/>
+          <a:p>
+            <a:fld id="{31DE2C5B-556E-47B8-A792-024C2FCA4ACC}" type="slidenum">
+              <a:rPr lang="en-GB" smtClean="0"/>
+              <a:t>28</a:t>
+            </a:fld>
+            <a:endParaRPr lang="en-GB"/>
+          </a:p>
+        </p:txBody>
+      </p:sp>
     </p:spTree>
     <p:extLst>
       <p:ext uri="{BB962C8B-B14F-4D97-AF65-F5344CB8AC3E}">
@@ -16939,6 +17515,35 @@
             <a:endParaRPr lang="en-IT" dirty="0">
               <a:latin typeface="Courier" pitchFamily="2" charset="0"/>
             </a:endParaRPr>
+          </a:p>
+        </p:txBody>
+      </p:sp>
+      <p:sp>
+        <p:nvSpPr>
+          <p:cNvPr id="3" name="Slide Number Placeholder 2">
+            <a:extLst>
+              <a:ext uri="{FF2B5EF4-FFF2-40B4-BE49-F238E27FC236}">
+                <a16:creationId xmlns:a16="http://schemas.microsoft.com/office/drawing/2014/main" id="{F2700353-C90C-C04C-AA57-1BB6F8C5D4E6}"/>
+              </a:ext>
+            </a:extLst>
+          </p:cNvPr>
+          <p:cNvSpPr>
+            <a:spLocks noGrp="1"/>
+          </p:cNvSpPr>
+          <p:nvPr>
+            <p:ph type="sldNum" sz="quarter" idx="12"/>
+          </p:nvPr>
+        </p:nvSpPr>
+        <p:spPr/>
+        <p:txBody>
+          <a:bodyPr/>
+          <a:lstStyle/>
+          <a:p>
+            <a:fld id="{31DE2C5B-556E-47B8-A792-024C2FCA4ACC}" type="slidenum">
+              <a:rPr lang="en-GB" smtClean="0"/>
+              <a:t>29</a:t>
+            </a:fld>
+            <a:endParaRPr lang="en-GB"/>
           </a:p>
         </p:txBody>
       </p:sp>
@@ -19082,6 +19687,35 @@
           </a:prstGeom>
         </p:spPr>
       </p:pic>
+      <p:sp>
+        <p:nvSpPr>
+          <p:cNvPr id="3" name="Slide Number Placeholder 2">
+            <a:extLst>
+              <a:ext uri="{FF2B5EF4-FFF2-40B4-BE49-F238E27FC236}">
+                <a16:creationId xmlns:a16="http://schemas.microsoft.com/office/drawing/2014/main" id="{0194A1D3-A5E0-8D44-AC91-EFE3132FF867}"/>
+              </a:ext>
+            </a:extLst>
+          </p:cNvPr>
+          <p:cNvSpPr>
+            <a:spLocks noGrp="1"/>
+          </p:cNvSpPr>
+          <p:nvPr>
+            <p:ph type="sldNum" sz="quarter" idx="12"/>
+          </p:nvPr>
+        </p:nvSpPr>
+        <p:spPr/>
+        <p:txBody>
+          <a:bodyPr/>
+          <a:lstStyle/>
+          <a:p>
+            <a:fld id="{31DE2C5B-556E-47B8-A792-024C2FCA4ACC}" type="slidenum">
+              <a:rPr lang="en-GB" smtClean="0"/>
+              <a:t>3</a:t>
+            </a:fld>
+            <a:endParaRPr lang="en-GB"/>
+          </a:p>
+        </p:txBody>
+      </p:sp>
     </p:spTree>
     <p:extLst>
       <p:ext uri="{BB962C8B-B14F-4D97-AF65-F5344CB8AC3E}">
@@ -19694,6 +20328,35 @@
           </a:fontRef>
         </p:style>
       </p:cxnSp>
+      <p:sp>
+        <p:nvSpPr>
+          <p:cNvPr id="3" name="Slide Number Placeholder 2">
+            <a:extLst>
+              <a:ext uri="{FF2B5EF4-FFF2-40B4-BE49-F238E27FC236}">
+                <a16:creationId xmlns:a16="http://schemas.microsoft.com/office/drawing/2014/main" id="{4C5DE5B7-4833-1548-A5DC-5FE26EFF0120}"/>
+              </a:ext>
+            </a:extLst>
+          </p:cNvPr>
+          <p:cNvSpPr>
+            <a:spLocks noGrp="1"/>
+          </p:cNvSpPr>
+          <p:nvPr>
+            <p:ph type="sldNum" sz="quarter" idx="12"/>
+          </p:nvPr>
+        </p:nvSpPr>
+        <p:spPr/>
+        <p:txBody>
+          <a:bodyPr/>
+          <a:lstStyle/>
+          <a:p>
+            <a:fld id="{31DE2C5B-556E-47B8-A792-024C2FCA4ACC}" type="slidenum">
+              <a:rPr lang="en-GB" smtClean="0"/>
+              <a:t>30</a:t>
+            </a:fld>
+            <a:endParaRPr lang="en-GB"/>
+          </a:p>
+        </p:txBody>
+      </p:sp>
     </p:spTree>
     <p:extLst>
       <p:ext uri="{BB962C8B-B14F-4D97-AF65-F5344CB8AC3E}">
@@ -19875,6 +20538,35 @@
           </a:p>
         </p:txBody>
       </p:sp>
+      <p:sp>
+        <p:nvSpPr>
+          <p:cNvPr id="4" name="Slide Number Placeholder 3">
+            <a:extLst>
+              <a:ext uri="{FF2B5EF4-FFF2-40B4-BE49-F238E27FC236}">
+                <a16:creationId xmlns:a16="http://schemas.microsoft.com/office/drawing/2014/main" id="{6DE0C403-F1EE-3843-8B1F-C36E2EE69686}"/>
+              </a:ext>
+            </a:extLst>
+          </p:cNvPr>
+          <p:cNvSpPr>
+            <a:spLocks noGrp="1"/>
+          </p:cNvSpPr>
+          <p:nvPr>
+            <p:ph type="sldNum" sz="quarter" idx="12"/>
+          </p:nvPr>
+        </p:nvSpPr>
+        <p:spPr/>
+        <p:txBody>
+          <a:bodyPr/>
+          <a:lstStyle/>
+          <a:p>
+            <a:fld id="{31DE2C5B-556E-47B8-A792-024C2FCA4ACC}" type="slidenum">
+              <a:rPr lang="en-GB" smtClean="0"/>
+              <a:t>31</a:t>
+            </a:fld>
+            <a:endParaRPr lang="en-GB"/>
+          </a:p>
+        </p:txBody>
+      </p:sp>
     </p:spTree>
     <p:extLst>
       <p:ext uri="{BB962C8B-B14F-4D97-AF65-F5344CB8AC3E}">
@@ -20193,6 +20885,35 @@
           </a:p>
         </p:txBody>
       </p:sp>
+      <p:sp>
+        <p:nvSpPr>
+          <p:cNvPr id="4" name="Slide Number Placeholder 3">
+            <a:extLst>
+              <a:ext uri="{FF2B5EF4-FFF2-40B4-BE49-F238E27FC236}">
+                <a16:creationId xmlns:a16="http://schemas.microsoft.com/office/drawing/2014/main" id="{14B8EEE0-8190-E947-8ED1-60EB5CFEAC08}"/>
+              </a:ext>
+            </a:extLst>
+          </p:cNvPr>
+          <p:cNvSpPr>
+            <a:spLocks noGrp="1"/>
+          </p:cNvSpPr>
+          <p:nvPr>
+            <p:ph type="sldNum" sz="quarter" idx="12"/>
+          </p:nvPr>
+        </p:nvSpPr>
+        <p:spPr/>
+        <p:txBody>
+          <a:bodyPr/>
+          <a:lstStyle/>
+          <a:p>
+            <a:fld id="{31DE2C5B-556E-47B8-A792-024C2FCA4ACC}" type="slidenum">
+              <a:rPr lang="en-GB" smtClean="0"/>
+              <a:t>32</a:t>
+            </a:fld>
+            <a:endParaRPr lang="en-GB"/>
+          </a:p>
+        </p:txBody>
+      </p:sp>
     </p:spTree>
     <p:extLst>
       <p:ext uri="{BB962C8B-B14F-4D97-AF65-F5344CB8AC3E}">
@@ -20379,6 +21100,35 @@
           </a:p>
         </p:txBody>
       </p:sp>
+      <p:sp>
+        <p:nvSpPr>
+          <p:cNvPr id="4" name="Slide Number Placeholder 3">
+            <a:extLst>
+              <a:ext uri="{FF2B5EF4-FFF2-40B4-BE49-F238E27FC236}">
+                <a16:creationId xmlns:a16="http://schemas.microsoft.com/office/drawing/2014/main" id="{28CFD9F2-A816-7349-8A40-B768E58EEE8E}"/>
+              </a:ext>
+            </a:extLst>
+          </p:cNvPr>
+          <p:cNvSpPr>
+            <a:spLocks noGrp="1"/>
+          </p:cNvSpPr>
+          <p:nvPr>
+            <p:ph type="sldNum" sz="quarter" idx="12"/>
+          </p:nvPr>
+        </p:nvSpPr>
+        <p:spPr/>
+        <p:txBody>
+          <a:bodyPr/>
+          <a:lstStyle/>
+          <a:p>
+            <a:fld id="{31DE2C5B-556E-47B8-A792-024C2FCA4ACC}" type="slidenum">
+              <a:rPr lang="en-GB" smtClean="0"/>
+              <a:t>33</a:t>
+            </a:fld>
+            <a:endParaRPr lang="en-GB"/>
+          </a:p>
+        </p:txBody>
+      </p:sp>
     </p:spTree>
     <p:extLst>
       <p:ext uri="{BB962C8B-B14F-4D97-AF65-F5344CB8AC3E}">
@@ -20560,6 +21310,35 @@
           </a:p>
         </p:txBody>
       </p:sp>
+      <p:sp>
+        <p:nvSpPr>
+          <p:cNvPr id="4" name="Slide Number Placeholder 3">
+            <a:extLst>
+              <a:ext uri="{FF2B5EF4-FFF2-40B4-BE49-F238E27FC236}">
+                <a16:creationId xmlns:a16="http://schemas.microsoft.com/office/drawing/2014/main" id="{A9630EC2-BCCD-3341-A415-F8E36FFEBC8D}"/>
+              </a:ext>
+            </a:extLst>
+          </p:cNvPr>
+          <p:cNvSpPr>
+            <a:spLocks noGrp="1"/>
+          </p:cNvSpPr>
+          <p:nvPr>
+            <p:ph type="sldNum" sz="quarter" idx="12"/>
+          </p:nvPr>
+        </p:nvSpPr>
+        <p:spPr/>
+        <p:txBody>
+          <a:bodyPr/>
+          <a:lstStyle/>
+          <a:p>
+            <a:fld id="{31DE2C5B-556E-47B8-A792-024C2FCA4ACC}" type="slidenum">
+              <a:rPr lang="en-GB" smtClean="0"/>
+              <a:t>34</a:t>
+            </a:fld>
+            <a:endParaRPr lang="en-GB"/>
+          </a:p>
+        </p:txBody>
+      </p:sp>
     </p:spTree>
     <p:extLst>
       <p:ext uri="{BB962C8B-B14F-4D97-AF65-F5344CB8AC3E}">
@@ -20703,6 +21482,35 @@
           </a:p>
         </p:txBody>
       </p:sp>
+      <p:sp>
+        <p:nvSpPr>
+          <p:cNvPr id="4" name="Slide Number Placeholder 3">
+            <a:extLst>
+              <a:ext uri="{FF2B5EF4-FFF2-40B4-BE49-F238E27FC236}">
+                <a16:creationId xmlns:a16="http://schemas.microsoft.com/office/drawing/2014/main" id="{4C740B33-AA83-6145-AAD3-71FBCBF5051B}"/>
+              </a:ext>
+            </a:extLst>
+          </p:cNvPr>
+          <p:cNvSpPr>
+            <a:spLocks noGrp="1"/>
+          </p:cNvSpPr>
+          <p:nvPr>
+            <p:ph type="sldNum" sz="quarter" idx="12"/>
+          </p:nvPr>
+        </p:nvSpPr>
+        <p:spPr/>
+        <p:txBody>
+          <a:bodyPr/>
+          <a:lstStyle/>
+          <a:p>
+            <a:fld id="{31DE2C5B-556E-47B8-A792-024C2FCA4ACC}" type="slidenum">
+              <a:rPr lang="en-GB" smtClean="0"/>
+              <a:t>35</a:t>
+            </a:fld>
+            <a:endParaRPr lang="en-GB"/>
+          </a:p>
+        </p:txBody>
+      </p:sp>
     </p:spTree>
     <p:extLst>
       <p:ext uri="{BB962C8B-B14F-4D97-AF65-F5344CB8AC3E}">
@@ -20884,6 +21692,35 @@
           </a:p>
         </p:txBody>
       </p:sp>
+      <p:sp>
+        <p:nvSpPr>
+          <p:cNvPr id="4" name="Slide Number Placeholder 3">
+            <a:extLst>
+              <a:ext uri="{FF2B5EF4-FFF2-40B4-BE49-F238E27FC236}">
+                <a16:creationId xmlns:a16="http://schemas.microsoft.com/office/drawing/2014/main" id="{DDF73D68-DF4E-664D-8FFD-AD2DC7630D77}"/>
+              </a:ext>
+            </a:extLst>
+          </p:cNvPr>
+          <p:cNvSpPr>
+            <a:spLocks noGrp="1"/>
+          </p:cNvSpPr>
+          <p:nvPr>
+            <p:ph type="sldNum" sz="quarter" idx="12"/>
+          </p:nvPr>
+        </p:nvSpPr>
+        <p:spPr/>
+        <p:txBody>
+          <a:bodyPr/>
+          <a:lstStyle/>
+          <a:p>
+            <a:fld id="{31DE2C5B-556E-47B8-A792-024C2FCA4ACC}" type="slidenum">
+              <a:rPr lang="en-GB" smtClean="0"/>
+              <a:t>36</a:t>
+            </a:fld>
+            <a:endParaRPr lang="en-GB"/>
+          </a:p>
+        </p:txBody>
+      </p:sp>
     </p:spTree>
     <p:extLst>
       <p:ext uri="{BB962C8B-B14F-4D97-AF65-F5344CB8AC3E}">
@@ -21063,6 +21900,35 @@
           </a:p>
         </p:txBody>
       </p:sp>
+      <p:sp>
+        <p:nvSpPr>
+          <p:cNvPr id="4" name="Slide Number Placeholder 3">
+            <a:extLst>
+              <a:ext uri="{FF2B5EF4-FFF2-40B4-BE49-F238E27FC236}">
+                <a16:creationId xmlns:a16="http://schemas.microsoft.com/office/drawing/2014/main" id="{F97AD496-B1F8-6840-93D7-011C027C3497}"/>
+              </a:ext>
+            </a:extLst>
+          </p:cNvPr>
+          <p:cNvSpPr>
+            <a:spLocks noGrp="1"/>
+          </p:cNvSpPr>
+          <p:nvPr>
+            <p:ph type="sldNum" sz="quarter" idx="12"/>
+          </p:nvPr>
+        </p:nvSpPr>
+        <p:spPr/>
+        <p:txBody>
+          <a:bodyPr/>
+          <a:lstStyle/>
+          <a:p>
+            <a:fld id="{31DE2C5B-556E-47B8-A792-024C2FCA4ACC}" type="slidenum">
+              <a:rPr lang="en-GB" smtClean="0"/>
+              <a:t>37</a:t>
+            </a:fld>
+            <a:endParaRPr lang="en-GB"/>
+          </a:p>
+        </p:txBody>
+      </p:sp>
     </p:spTree>
     <p:extLst>
       <p:ext uri="{BB962C8B-B14F-4D97-AF65-F5344CB8AC3E}">
@@ -21215,7 +22081,7 @@
           <a:p>
             <a:r>
               <a:rPr lang="en-IT" dirty="0"/>
-              <a:t>Today we will dive into classes</a:t>
+              <a:t>Today we will dive into aspects related to object-oriented programming (OOP).</a:t>
             </a:r>
           </a:p>
           <a:p>
@@ -21259,6 +22125,35 @@
           </a:prstGeom>
         </p:spPr>
       </p:pic>
+      <p:sp>
+        <p:nvSpPr>
+          <p:cNvPr id="4" name="Slide Number Placeholder 3">
+            <a:extLst>
+              <a:ext uri="{FF2B5EF4-FFF2-40B4-BE49-F238E27FC236}">
+                <a16:creationId xmlns:a16="http://schemas.microsoft.com/office/drawing/2014/main" id="{80E7F38C-B14B-3145-B018-0433FC14ACF8}"/>
+              </a:ext>
+            </a:extLst>
+          </p:cNvPr>
+          <p:cNvSpPr>
+            <a:spLocks noGrp="1"/>
+          </p:cNvSpPr>
+          <p:nvPr>
+            <p:ph type="sldNum" sz="quarter" idx="12"/>
+          </p:nvPr>
+        </p:nvSpPr>
+        <p:spPr/>
+        <p:txBody>
+          <a:bodyPr/>
+          <a:lstStyle/>
+          <a:p>
+            <a:fld id="{31DE2C5B-556E-47B8-A792-024C2FCA4ACC}" type="slidenum">
+              <a:rPr lang="en-GB" smtClean="0"/>
+              <a:t>4</a:t>
+            </a:fld>
+            <a:endParaRPr lang="en-GB"/>
+          </a:p>
+        </p:txBody>
+      </p:sp>
     </p:spTree>
     <p:extLst>
       <p:ext uri="{BB962C8B-B14F-4D97-AF65-F5344CB8AC3E}">
@@ -21440,6 +22335,35 @@
           </a:p>
         </p:txBody>
       </p:sp>
+      <p:sp>
+        <p:nvSpPr>
+          <p:cNvPr id="4" name="Slide Number Placeholder 3">
+            <a:extLst>
+              <a:ext uri="{FF2B5EF4-FFF2-40B4-BE49-F238E27FC236}">
+                <a16:creationId xmlns:a16="http://schemas.microsoft.com/office/drawing/2014/main" id="{B40C08C2-BBC8-C546-8407-B30461ECCCEC}"/>
+              </a:ext>
+            </a:extLst>
+          </p:cNvPr>
+          <p:cNvSpPr>
+            <a:spLocks noGrp="1"/>
+          </p:cNvSpPr>
+          <p:nvPr>
+            <p:ph type="sldNum" sz="quarter" idx="12"/>
+          </p:nvPr>
+        </p:nvSpPr>
+        <p:spPr/>
+        <p:txBody>
+          <a:bodyPr/>
+          <a:lstStyle/>
+          <a:p>
+            <a:fld id="{31DE2C5B-556E-47B8-A792-024C2FCA4ACC}" type="slidenum">
+              <a:rPr lang="en-GB" smtClean="0"/>
+              <a:t>5</a:t>
+            </a:fld>
+            <a:endParaRPr lang="en-GB"/>
+          </a:p>
+        </p:txBody>
+      </p:sp>
     </p:spTree>
     <p:extLst>
       <p:ext uri="{BB962C8B-B14F-4D97-AF65-F5344CB8AC3E}">
@@ -21553,7 +22477,7 @@
           <a:p>
             <a:r>
               <a:rPr lang="en-IT" dirty="0"/>
-              <a:t>A class is a sort of blueprint for creating objects (a sort of data structure), providing initial values for state (defined by a set of variables), and implementations of behavior (defined by a set of methods) </a:t>
+              <a:t>A class is a sort of blueprint for creating objects (a sort of data structure), providing initial values for state (defined by a set of instance variables), and implementations of behavior (defined by a set of methods) </a:t>
             </a:r>
           </a:p>
           <a:p>
@@ -22725,6 +23649,35 @@
           </a:fontRef>
         </p:style>
       </p:cxnSp>
+      <p:sp>
+        <p:nvSpPr>
+          <p:cNvPr id="4" name="Slide Number Placeholder 3">
+            <a:extLst>
+              <a:ext uri="{FF2B5EF4-FFF2-40B4-BE49-F238E27FC236}">
+                <a16:creationId xmlns:a16="http://schemas.microsoft.com/office/drawing/2014/main" id="{D7519106-CE6A-AA46-B430-310E02FB7151}"/>
+              </a:ext>
+            </a:extLst>
+          </p:cNvPr>
+          <p:cNvSpPr>
+            <a:spLocks noGrp="1"/>
+          </p:cNvSpPr>
+          <p:nvPr>
+            <p:ph type="sldNum" sz="quarter" idx="12"/>
+          </p:nvPr>
+        </p:nvSpPr>
+        <p:spPr/>
+        <p:txBody>
+          <a:bodyPr/>
+          <a:lstStyle/>
+          <a:p>
+            <a:fld id="{31DE2C5B-556E-47B8-A792-024C2FCA4ACC}" type="slidenum">
+              <a:rPr lang="en-GB" smtClean="0"/>
+              <a:t>6</a:t>
+            </a:fld>
+            <a:endParaRPr lang="en-GB"/>
+          </a:p>
+        </p:txBody>
+      </p:sp>
     </p:spTree>
     <p:extLst>
       <p:ext uri="{BB962C8B-B14F-4D97-AF65-F5344CB8AC3E}">
@@ -22838,7 +23791,7 @@
               <a:rPr lang="en-IT" dirty="0">
                 <a:latin typeface="Courier" pitchFamily="2" charset="0"/>
               </a:rPr>
-              <a:t>	listOfStateVariables;</a:t>
+              <a:t>	listOfInstanceVariables;</a:t>
             </a:r>
           </a:p>
           <a:p>
@@ -23064,6 +24017,35 @@
           </a:fontRef>
         </p:style>
       </p:cxnSp>
+      <p:sp>
+        <p:nvSpPr>
+          <p:cNvPr id="3" name="Slide Number Placeholder 2">
+            <a:extLst>
+              <a:ext uri="{FF2B5EF4-FFF2-40B4-BE49-F238E27FC236}">
+                <a16:creationId xmlns:a16="http://schemas.microsoft.com/office/drawing/2014/main" id="{5CEBB14B-CC31-3249-8012-B9259594B05C}"/>
+              </a:ext>
+            </a:extLst>
+          </p:cNvPr>
+          <p:cNvSpPr>
+            <a:spLocks noGrp="1"/>
+          </p:cNvSpPr>
+          <p:nvPr>
+            <p:ph type="sldNum" sz="quarter" idx="12"/>
+          </p:nvPr>
+        </p:nvSpPr>
+        <p:spPr/>
+        <p:txBody>
+          <a:bodyPr/>
+          <a:lstStyle/>
+          <a:p>
+            <a:fld id="{31DE2C5B-556E-47B8-A792-024C2FCA4ACC}" type="slidenum">
+              <a:rPr lang="en-GB" smtClean="0"/>
+              <a:t>7</a:t>
+            </a:fld>
+            <a:endParaRPr lang="en-GB"/>
+          </a:p>
+        </p:txBody>
+      </p:sp>
     </p:spTree>
     <p:extLst>
       <p:ext uri="{BB962C8B-B14F-4D97-AF65-F5344CB8AC3E}">
@@ -23311,6 +24293,35 @@
           </a:fontRef>
         </p:style>
       </p:cxnSp>
+      <p:sp>
+        <p:nvSpPr>
+          <p:cNvPr id="4" name="Slide Number Placeholder 3">
+            <a:extLst>
+              <a:ext uri="{FF2B5EF4-FFF2-40B4-BE49-F238E27FC236}">
+                <a16:creationId xmlns:a16="http://schemas.microsoft.com/office/drawing/2014/main" id="{82574CA9-3E18-DA4E-A5B6-38232DE4DC8C}"/>
+              </a:ext>
+            </a:extLst>
+          </p:cNvPr>
+          <p:cNvSpPr>
+            <a:spLocks noGrp="1"/>
+          </p:cNvSpPr>
+          <p:nvPr>
+            <p:ph type="sldNum" sz="quarter" idx="12"/>
+          </p:nvPr>
+        </p:nvSpPr>
+        <p:spPr/>
+        <p:txBody>
+          <a:bodyPr/>
+          <a:lstStyle/>
+          <a:p>
+            <a:fld id="{31DE2C5B-556E-47B8-A792-024C2FCA4ACC}" type="slidenum">
+              <a:rPr lang="en-GB" smtClean="0"/>
+              <a:t>8</a:t>
+            </a:fld>
+            <a:endParaRPr lang="en-GB"/>
+          </a:p>
+        </p:txBody>
+      </p:sp>
     </p:spTree>
     <p:extLst>
       <p:ext uri="{BB962C8B-B14F-4D97-AF65-F5344CB8AC3E}">
@@ -23455,8 +24466,53 @@
           <a:p>
             <a:r>
               <a:rPr lang="en-IT" dirty="0"/>
-              <a:t>Each class can have 1 unnamed constructor, and multiple named constructors.</a:t>
-            </a:r>
+              <a:t>Each class can have </a:t>
+            </a:r>
+            <a:r>
+              <a:rPr lang="en-IT" b="1" dirty="0"/>
+              <a:t>1 unnamed </a:t>
+            </a:r>
+            <a:r>
+              <a:rPr lang="en-IT" dirty="0"/>
+              <a:t>constructor, and </a:t>
+            </a:r>
+            <a:r>
+              <a:rPr lang="en-IT" b="1" dirty="0"/>
+              <a:t>multiple named </a:t>
+            </a:r>
+            <a:r>
+              <a:rPr lang="en-IT" dirty="0"/>
+              <a:t>constructors.</a:t>
+            </a:r>
+          </a:p>
+        </p:txBody>
+      </p:sp>
+      <p:sp>
+        <p:nvSpPr>
+          <p:cNvPr id="3" name="Slide Number Placeholder 2">
+            <a:extLst>
+              <a:ext uri="{FF2B5EF4-FFF2-40B4-BE49-F238E27FC236}">
+                <a16:creationId xmlns:a16="http://schemas.microsoft.com/office/drawing/2014/main" id="{DBB888AF-AD63-0D4A-8D94-9C851F05BC91}"/>
+              </a:ext>
+            </a:extLst>
+          </p:cNvPr>
+          <p:cNvSpPr>
+            <a:spLocks noGrp="1"/>
+          </p:cNvSpPr>
+          <p:nvPr>
+            <p:ph type="sldNum" sz="quarter" idx="12"/>
+          </p:nvPr>
+        </p:nvSpPr>
+        <p:spPr/>
+        <p:txBody>
+          <a:bodyPr/>
+          <a:lstStyle/>
+          <a:p>
+            <a:fld id="{31DE2C5B-556E-47B8-A792-024C2FCA4ACC}" type="slidenum">
+              <a:rPr lang="en-GB" smtClean="0"/>
+              <a:t>9</a:t>
+            </a:fld>
+            <a:endParaRPr lang="en-GB"/>
           </a:p>
         </p:txBody>
       </p:sp>

--- a/lab_03-dart_101_part_2/lab_03-dart_101_part_2.pptx
+++ b/lab_03-dart_101_part_2/lab_03-dart_101_part_2.pptx
@@ -233,7 +233,7 @@
           <a:p>
             <a:fld id="{81C4B3FE-0320-8142-8396-5C3025C019EC}" type="datetimeFigureOut">
               <a:rPr lang="en-IT" smtClean="0"/>
-              <a:t>14/03/22</a:t>
+              <a:t>15/03/22</a:t>
             </a:fld>
             <a:endParaRPr lang="en-IT"/>
           </a:p>
@@ -17133,7 +17133,7 @@
             <a:pPr lvl="1"/>
             <a:r>
               <a:rPr lang="en-GB" dirty="0"/>
-              <a:t>Then, wrap the return type in a </a:t>
+              <a:t>Wrap the return type in a </a:t>
             </a:r>
             <a:r>
               <a:rPr lang="en-GB" dirty="0">
@@ -17361,7 +17361,7 @@
         </p:spPr>
         <p:txBody>
           <a:bodyPr>
-            <a:normAutofit/>
+            <a:normAutofit lnSpcReduction="10000"/>
           </a:bodyPr>
           <a:lstStyle/>
           <a:p>
@@ -17450,17 +17450,13 @@
             <a:pPr lvl="1"/>
             <a:r>
               <a:rPr lang="en-GB" dirty="0"/>
-              <a:t>Then, wrap the return type in a </a:t>
+              <a:t>Wrap the return type in a </a:t>
             </a:r>
             <a:r>
               <a:rPr lang="en-GB" dirty="0">
                 <a:latin typeface="Courier" pitchFamily="2" charset="0"/>
               </a:rPr>
-              <a:t>Future </a:t>
-            </a:r>
-            <a:r>
-              <a:rPr lang="en-GB" dirty="0"/>
-              <a:t>(it was already done):</a:t>
+              <a:t>Future:</a:t>
             </a:r>
             <a:br>
               <a:rPr lang="en-GB" dirty="0"/>
@@ -17490,6 +17486,60 @@
               </a:rPr>
               <a:t>() async {}</a:t>
             </a:r>
+          </a:p>
+          <a:p>
+            <a:pPr lvl="1"/>
+            <a:endParaRPr lang="en-GB" dirty="0">
+              <a:latin typeface="Courier" pitchFamily="2" charset="0"/>
+            </a:endParaRPr>
+          </a:p>
+          <a:p>
+            <a:pPr lvl="1"/>
+            <a:r>
+              <a:rPr lang="en-GB" dirty="0"/>
+              <a:t>Then, </a:t>
+            </a:r>
+            <a:r>
+              <a:rPr lang="en-GB" dirty="0">
+                <a:latin typeface="Courier" pitchFamily="2" charset="0"/>
+              </a:rPr>
+              <a:t>await</a:t>
+            </a:r>
+            <a:r>
+              <a:rPr lang="en-GB" dirty="0"/>
+              <a:t> the end of the asynchronous operation:</a:t>
+            </a:r>
+            <a:br>
+              <a:rPr lang="en-GB" dirty="0"/>
+            </a:br>
+            <a:br>
+              <a:rPr lang="en-GB" b="1" dirty="0"/>
+            </a:br>
+            <a:r>
+              <a:rPr lang="en-GB" b="1" dirty="0"/>
+              <a:t>	</a:t>
+            </a:r>
+            <a:r>
+              <a:rPr lang="en-GB" b="1" dirty="0">
+                <a:latin typeface="Courier" pitchFamily="2" charset="0"/>
+              </a:rPr>
+              <a:t>await </a:t>
+            </a:r>
+            <a:r>
+              <a:rPr lang="en-GB" b="1" dirty="0" err="1">
+                <a:latin typeface="Courier" pitchFamily="2" charset="0"/>
+              </a:rPr>
+              <a:t>Future.delayed</a:t>
+            </a:r>
+            <a:r>
+              <a:rPr lang="en-GB" b="1" dirty="0">
+                <a:latin typeface="Courier" pitchFamily="2" charset="0"/>
+              </a:rPr>
+              <a:t>...</a:t>
+            </a:r>
+            <a:endParaRPr lang="en-GB" dirty="0">
+              <a:latin typeface="Courier" pitchFamily="2" charset="0"/>
+            </a:endParaRPr>
           </a:p>
           <a:p>
             <a:endParaRPr lang="en-GB" dirty="0">
@@ -19844,7 +19894,19 @@
               <a:rPr lang="en-GB" sz="2000" dirty="0">
                 <a:latin typeface="Courier" pitchFamily="2" charset="0"/>
               </a:rPr>
-              <a:t>  return </a:t>
+              <a:t>  </a:t>
+            </a:r>
+            <a:r>
+              <a:rPr lang="en-GB" sz="2000" b="1" dirty="0">
+                <a:latin typeface="Courier" pitchFamily="2" charset="0"/>
+              </a:rPr>
+              <a:t>await</a:t>
+            </a:r>
+            <a:r>
+              <a:rPr lang="en-GB" sz="2000" dirty="0">
+                <a:latin typeface="Courier" pitchFamily="2" charset="0"/>
+              </a:rPr>
+              <a:t> </a:t>
             </a:r>
             <a:r>
               <a:rPr lang="en-GB" sz="2000" b="1" dirty="0" err="1">

--- a/lab_03-dart_101_part_2/lab_03-dart_101_part_2.pptx
+++ b/lab_03-dart_101_part_2/lab_03-dart_101_part_2.pptx
@@ -233,7 +233,7 @@
           <a:p>
             <a:fld id="{81C4B3FE-0320-8142-8396-5C3025C019EC}" type="datetimeFigureOut">
               <a:rPr lang="en-IT" smtClean="0"/>
-              <a:t>15/03/22</a:t>
+              <a:t>15/11/22</a:t>
             </a:fld>
             <a:endParaRPr lang="en-IT"/>
           </a:p>
@@ -22440,7 +22440,7 @@
 </file>
 
 <file path=ppt/slides/slide6.xml><?xml version="1.0" encoding="utf-8"?>
-<p:sld xmlns:a="http://schemas.openxmlformats.org/drawingml/2006/main" xmlns:r="http://schemas.openxmlformats.org/officeDocument/2006/relationships" xmlns:p="http://schemas.openxmlformats.org/presentationml/2006/main">
+<p:sld xmlns:a="http://schemas.openxmlformats.org/drawingml/2006/main" xmlns:r="http://schemas.openxmlformats.org/officeDocument/2006/relationships" xmlns:p="http://schemas.openxmlformats.org/presentationml/2006/main" show="0">
   <p:cSld>
     <p:spTree>
       <p:nvGrpSpPr>

--- a/lab_03-dart_101_part_2/lab_03-dart_101_part_2.pptx
+++ b/lab_03-dart_101_part_2/lab_03-dart_101_part_2.pptx
@@ -263,7 +263,7 @@
           <a:p>
             <a:fld id="{81C4B3FE-0320-8142-8396-5C3025C019EC}" type="datetimeFigureOut">
               <a:rPr lang="en-IT" smtClean="0"/>
-              <a:t>12/03/23</a:t>
+              <a:t>1/30/24</a:t>
             </a:fld>
             <a:endParaRPr lang="en-IT"/>
           </a:p>
@@ -5860,7 +5860,7 @@
             </a:pPr>
             <a:r>
               <a:rPr lang="it-IT" sz="2800" dirty="0"/>
-              <a:t>A.Y. 2022-2023</a:t>
+              <a:t>A.Y. 2023-2024</a:t>
             </a:r>
           </a:p>
         </p:txBody>
@@ -53653,7 +53653,7 @@
           <a:p>
             <a:r>
               <a:rPr lang="en-GB" dirty="0"/>
-              <a:t>(Try to) Do all the exercises</a:t>
+              <a:t>(At least try to) Do all the exercises</a:t>
             </a:r>
           </a:p>
           <a:p>
@@ -54083,11 +54083,11 @@
               <a:rPr lang="en-GB" dirty="0">
                 <a:hlinkClick r:id="rId2"/>
               </a:rPr>
-              <a:t>https://github.com/gcappon/bwthw/tree/master/lab_03-dart_101_part_</a:t>
+              <a:t>https://github.com/gcappon/bwthw/tree/master/lab_03-dart_101_part_2</a:t>
             </a:r>
             <a:r>
               <a:rPr lang="en-GB" dirty="0"/>
-              <a:t>2</a:t>
+              <a:t> </a:t>
             </a:r>
             <a:br>
               <a:rPr lang="en-GB" dirty="0"/>

--- a/lab_03-dart_101_part_2/lab_03-dart_101_part_2.pptx
+++ b/lab_03-dart_101_part_2/lab_03-dart_101_part_2.pptx
@@ -263,7 +263,7 @@
           <a:p>
             <a:fld id="{81C4B3FE-0320-8142-8396-5C3025C019EC}" type="datetimeFigureOut">
               <a:rPr lang="en-IT" smtClean="0"/>
-              <a:t>1/30/24</a:t>
+              <a:t>3/12/24</a:t>
             </a:fld>
             <a:endParaRPr lang="en-IT"/>
           </a:p>
@@ -32278,7 +32278,23 @@
             </a:r>
             <a:r>
               <a:rPr lang="en-IT" dirty="0"/>
-              <a:t> the operation are performed.</a:t>
+              <a:t> the </a:t>
+            </a:r>
+            <a:r>
+              <a:rPr lang="en-IT"/>
+              <a:t>operation </a:t>
+            </a:r>
+            <a:r>
+              <a:rPr lang="en-US" dirty="0"/>
+              <a:t>is</a:t>
+            </a:r>
+            <a:r>
+              <a:rPr lang="en-IT"/>
+              <a:t> </a:t>
+            </a:r>
+            <a:r>
+              <a:rPr lang="en-IT" dirty="0"/>
+              <a:t>performed.</a:t>
             </a:r>
           </a:p>
           <a:p>
@@ -34094,7 +34110,7 @@
           <a:p>
             <a:r>
               <a:rPr lang="en-US" b="1" dirty="0"/>
-              <a:t>In Dart, interfaces are defined via abstract classes only</a:t>
+              <a:t>In Dart, ADTs are defined via abstract classes only</a:t>
             </a:r>
             <a:r>
               <a:rPr lang="en-US" dirty="0"/>
